--- a/documentation/Tutorials/Programming HeuristicLab - Basics.pptx
+++ b/documentation/Tutorials/Programming HeuristicLab - Basics.pptx
@@ -228,7 +228,7 @@
             <a:fld id="{EF88095B-826C-4D0E-ACE1-419E2A1A3ECD}" type="datetimeFigureOut">
               <a:rPr lang="de-AT" smtClean="0"/>
               <a:pPr/>
-              <a:t>25.11.2013</a:t>
+              <a:t>09.03.2015</a:t>
             </a:fld>
             <a:endParaRPr lang="de-AT"/>
           </a:p>
@@ -5460,7 +5460,6 @@
               <a:rPr lang="en-US" dirty="0" smtClean="0"/>
               <a:t>)</a:t>
             </a:r>
-            <a:endParaRPr lang="en-US" dirty="0" smtClean="0"/>
           </a:p>
           <a:p>
             <a:r>
@@ -7572,9 +7571,9 @@
       </p:sp>
       <p:pic>
         <p:nvPicPr>
-          <p:cNvPr id="1026" name="Picture 2"/>
+          <p:cNvPr id="3" name="Grafik 2"/>
           <p:cNvPicPr>
-            <a:picLocks noChangeAspect="1" noChangeArrowheads="1"/>
+            <a:picLocks noChangeAspect="1"/>
           </p:cNvPicPr>
           <p:nvPr/>
         </p:nvPicPr>
@@ -7586,52 +7585,18 @@
               </a:ext>
             </a:extLst>
           </a:blip>
-          <a:srcRect/>
           <a:stretch>
             <a:fillRect/>
           </a:stretch>
         </p:blipFill>
-        <p:spPr bwMode="auto">
+        <p:spPr>
           <a:xfrm>
-            <a:off x="107504" y="1708910"/>
-            <a:ext cx="8928992" cy="4168362"/>
+            <a:off x="0" y="1681753"/>
+            <a:ext cx="9144000" cy="4267527"/>
           </a:xfrm>
           <a:prstGeom prst="rect">
             <a:avLst/>
           </a:prstGeom>
-          <a:noFill/>
-          <a:ln>
-            <a:noFill/>
-          </a:ln>
-          <a:effectLst/>
-          <a:extLst>
-            <a:ext uri="{909E8E84-426E-40DD-AFC4-6F175D3DCCD1}">
-              <a14:hiddenFill xmlns:a14="http://schemas.microsoft.com/office/drawing/2010/main">
-                <a:solidFill>
-                  <a:schemeClr val="accent1"/>
-                </a:solidFill>
-              </a14:hiddenFill>
-            </a:ext>
-            <a:ext uri="{91240B29-F687-4F45-9708-019B960494DF}">
-              <a14:hiddenLine xmlns:a14="http://schemas.microsoft.com/office/drawing/2010/main" w="9525">
-                <a:solidFill>
-                  <a:schemeClr val="tx1"/>
-                </a:solidFill>
-                <a:miter lim="800000"/>
-                <a:headEnd/>
-                <a:tailEnd/>
-              </a14:hiddenLine>
-            </a:ext>
-            <a:ext uri="{AF507438-7753-43E0-B8FC-AC1667EBCBE1}">
-              <a14:hiddenEffects xmlns:a14="http://schemas.microsoft.com/office/drawing/2010/main">
-                <a:effectLst>
-                  <a:outerShdw dist="35921" dir="2700000" algn="ctr" rotWithShape="0">
-                    <a:schemeClr val="bg2"/>
-                  </a:outerShdw>
-                </a:effectLst>
-              </a14:hiddenEffects>
-            </a:ext>
-          </a:extLst>
         </p:spPr>
       </p:pic>
     </p:spTree>

--- a/documentation/Tutorials/Programming HeuristicLab - Basics.pptx
+++ b/documentation/Tutorials/Programming HeuristicLab - Basics.pptx
@@ -5,29 +5,31 @@
     <p:sldMasterId id="2147483648" r:id="rId1"/>
   </p:sldMasterIdLst>
   <p:notesMasterIdLst>
-    <p:notesMasterId r:id="rId22"/>
+    <p:notesMasterId r:id="rId24"/>
   </p:notesMasterIdLst>
   <p:sldIdLst>
     <p:sldId id="256" r:id="rId2"/>
-    <p:sldId id="413" r:id="rId3"/>
-    <p:sldId id="427" r:id="rId4"/>
-    <p:sldId id="414" r:id="rId5"/>
-    <p:sldId id="415" r:id="rId6"/>
-    <p:sldId id="431" r:id="rId7"/>
-    <p:sldId id="432" r:id="rId8"/>
-    <p:sldId id="416" r:id="rId9"/>
-    <p:sldId id="417" r:id="rId10"/>
-    <p:sldId id="419" r:id="rId11"/>
-    <p:sldId id="418" r:id="rId12"/>
-    <p:sldId id="421" r:id="rId13"/>
-    <p:sldId id="420" r:id="rId14"/>
-    <p:sldId id="422" r:id="rId15"/>
-    <p:sldId id="423" r:id="rId16"/>
-    <p:sldId id="424" r:id="rId17"/>
-    <p:sldId id="428" r:id="rId18"/>
-    <p:sldId id="430" r:id="rId19"/>
-    <p:sldId id="429" r:id="rId20"/>
-    <p:sldId id="412" r:id="rId21"/>
+    <p:sldId id="433" r:id="rId3"/>
+    <p:sldId id="434" r:id="rId4"/>
+    <p:sldId id="413" r:id="rId5"/>
+    <p:sldId id="427" r:id="rId6"/>
+    <p:sldId id="414" r:id="rId7"/>
+    <p:sldId id="415" r:id="rId8"/>
+    <p:sldId id="431" r:id="rId9"/>
+    <p:sldId id="432" r:id="rId10"/>
+    <p:sldId id="416" r:id="rId11"/>
+    <p:sldId id="417" r:id="rId12"/>
+    <p:sldId id="419" r:id="rId13"/>
+    <p:sldId id="418" r:id="rId14"/>
+    <p:sldId id="421" r:id="rId15"/>
+    <p:sldId id="420" r:id="rId16"/>
+    <p:sldId id="422" r:id="rId17"/>
+    <p:sldId id="423" r:id="rId18"/>
+    <p:sldId id="424" r:id="rId19"/>
+    <p:sldId id="428" r:id="rId20"/>
+    <p:sldId id="430" r:id="rId21"/>
+    <p:sldId id="429" r:id="rId22"/>
+    <p:sldId id="412" r:id="rId23"/>
   </p:sldIdLst>
   <p:sldSz cx="9144000" cy="6858000" type="screen4x3"/>
   <p:notesSz cx="6858000" cy="9144000"/>
@@ -228,7 +230,7 @@
             <a:fld id="{EF88095B-826C-4D0E-ACE1-419E2A1A3ECD}" type="datetimeFigureOut">
               <a:rPr lang="de-AT" smtClean="0"/>
               <a:pPr/>
-              <a:t>09.03.2015</a:t>
+              <a:t>23.03.2015</a:t>
             </a:fld>
             <a:endParaRPr lang="de-AT"/>
           </a:p>
@@ -4133,12 +4135,22 @@
         </p:nvSpPr>
         <p:spPr/>
         <p:txBody>
-          <a:bodyPr/>
+          <a:bodyPr>
+            <a:normAutofit/>
+          </a:bodyPr>
           <a:lstStyle/>
           <a:p>
             <a:r>
               <a:rPr lang="de-AT" dirty="0" err="1"/>
-              <a:t>Persistence</a:t>
+              <a:t>Deep</a:t>
+            </a:r>
+            <a:r>
+              <a:rPr lang="de-AT" dirty="0"/>
+              <a:t> </a:t>
+            </a:r>
+            <a:r>
+              <a:rPr lang="de-AT" dirty="0" err="1" smtClean="0"/>
+              <a:t>Cloning</a:t>
             </a:r>
             <a:endParaRPr lang="de-AT" dirty="0"/>
           </a:p>
@@ -4156,84 +4168,49 @@
         </p:nvSpPr>
         <p:spPr/>
         <p:txBody>
-          <a:bodyPr>
-            <a:normAutofit fontScale="92500" lnSpcReduction="20000"/>
-          </a:bodyPr>
+          <a:bodyPr/>
           <a:lstStyle/>
           <a:p>
             <a:r>
               <a:rPr lang="en-US" dirty="0" smtClean="0"/>
-              <a:t>HL provides it‘s own serialization mechanism</a:t>
-            </a:r>
+              <a:t>Objects in HeuristicLab that store data and may be displayed in views/collection views should be deep </a:t>
+            </a:r>
+            <a:r>
+              <a:rPr lang="en-US" dirty="0" err="1" smtClean="0"/>
+              <a:t>cloneable</a:t>
+            </a:r>
+            <a:endParaRPr lang="en-US" dirty="0" smtClean="0"/>
           </a:p>
           <a:p>
             <a:r>
               <a:rPr lang="en-US" dirty="0" smtClean="0"/>
-              <a:t>A class that should be </a:t>
+              <a:t>UI allows “copying” of these objects</a:t>
+            </a:r>
+          </a:p>
+          <a:p>
+            <a:r>
+              <a:rPr lang="en-US" dirty="0" smtClean="0"/>
+              <a:t>Inherit from either </a:t>
             </a:r>
             <a:r>
               <a:rPr lang="en-US" dirty="0" err="1" smtClean="0"/>
-              <a:t>serializable</a:t>
+              <a:t>IDeepCloneable</a:t>
             </a:r>
             <a:r>
               <a:rPr lang="en-US" dirty="0" smtClean="0"/>
-              <a:t> has to be marked with the [</a:t>
-            </a:r>
-            <a:r>
-              <a:rPr lang="de-AT" dirty="0" err="1" smtClean="0"/>
-              <a:t>StorableClass</a:t>
-            </a:r>
-            <a:r>
-              <a:rPr lang="de-AT" dirty="0" smtClean="0"/>
-              <a:t>] </a:t>
-            </a:r>
+              <a:t> or Item</a:t>
+            </a:r>
+          </a:p>
+          <a:p>
             <a:r>
               <a:rPr lang="en-US" dirty="0" smtClean="0"/>
-              <a:t>attribute</a:t>
+              <a:t>Implement interface and cloning constructor</a:t>
             </a:r>
           </a:p>
           <a:p>
             <a:r>
               <a:rPr lang="en-US" dirty="0" smtClean="0"/>
-              <a:t>Properties that should be serialized have to be marked with the [Storable] attribute</a:t>
-            </a:r>
-          </a:p>
-          <a:p>
-            <a:r>
-              <a:rPr lang="en-US" dirty="0" err="1" smtClean="0"/>
-              <a:t>StorableConstructor</a:t>
-            </a:r>
-            <a:r>
-              <a:rPr lang="en-US" dirty="0" smtClean="0"/>
-              <a:t> has to be implemented</a:t>
-            </a:r>
-          </a:p>
-          <a:p>
-            <a:r>
-              <a:rPr lang="en-US" dirty="0" smtClean="0"/>
-              <a:t>Optional: Define Hooks with attribute [</a:t>
-            </a:r>
-            <a:r>
-              <a:rPr lang="en-US" dirty="0" err="1" smtClean="0"/>
-              <a:t>StorableHook</a:t>
-            </a:r>
-            <a:r>
-              <a:rPr lang="en-US" dirty="0" smtClean="0"/>
-              <a:t>] to react on loading/saving events</a:t>
-            </a:r>
-          </a:p>
-          <a:p>
-            <a:r>
-              <a:rPr lang="en-US" dirty="0" smtClean="0"/>
-              <a:t>Implement </a:t>
-            </a:r>
-            <a:r>
-              <a:rPr lang="en-US" dirty="0" err="1" smtClean="0"/>
-              <a:t>IStorableContent</a:t>
-            </a:r>
-            <a:r>
-              <a:rPr lang="en-US" dirty="0" smtClean="0"/>
-              <a:t> to signal that this is a root object</a:t>
+              <a:t>Actual cloning happens in the cloning constructor</a:t>
             </a:r>
             <a:endParaRPr lang="en-US" dirty="0"/>
           </a:p>
@@ -4315,7 +4292,7 @@
     </p:spTree>
     <p:extLst>
       <p:ext uri="{BB962C8B-B14F-4D97-AF65-F5344CB8AC3E}">
-        <p14:creationId xmlns:p14="http://schemas.microsoft.com/office/powerpoint/2010/main" val="1640062128"/>
+        <p14:creationId xmlns:p14="http://schemas.microsoft.com/office/powerpoint/2010/main" val="2327004729"/>
       </p:ext>
     </p:extLst>
   </p:cSld>
@@ -4361,12 +4338,22 @@
         </p:nvSpPr>
         <p:spPr/>
         <p:txBody>
-          <a:bodyPr/>
+          <a:bodyPr>
+            <a:normAutofit/>
+          </a:bodyPr>
           <a:lstStyle/>
           <a:p>
             <a:r>
               <a:rPr lang="de-AT" dirty="0" err="1"/>
-              <a:t>Persistence</a:t>
+              <a:t>Deep</a:t>
+            </a:r>
+            <a:r>
+              <a:rPr lang="de-AT" dirty="0"/>
+              <a:t> </a:t>
+            </a:r>
+            <a:r>
+              <a:rPr lang="de-AT" dirty="0" err="1" smtClean="0"/>
+              <a:t>Cloning</a:t>
             </a:r>
             <a:endParaRPr lang="de-AT" dirty="0"/>
           </a:p>
@@ -4447,7 +4434,7 @@
       </p:sp>
       <p:pic>
         <p:nvPicPr>
-          <p:cNvPr id="7" name="Grafik 6"/>
+          <p:cNvPr id="3" name="Grafik 2"/>
           <p:cNvPicPr>
             <a:picLocks noChangeAspect="1"/>
           </p:cNvPicPr>
@@ -4461,8 +4448,8 @@
         </p:blipFill>
         <p:spPr>
           <a:xfrm>
-            <a:off x="1037601" y="1417638"/>
-            <a:ext cx="7068797" cy="4313361"/>
+            <a:off x="747096" y="1736812"/>
+            <a:ext cx="7649809" cy="3384376"/>
           </a:xfrm>
           <a:prstGeom prst="rect">
             <a:avLst/>
@@ -4471,65 +4458,14 @@
       </p:pic>
       <p:sp>
         <p:nvSpPr>
-          <p:cNvPr id="3" name="Legende mit Linie 2 2"/>
+          <p:cNvPr id="7" name="Rechteck 6"/>
           <p:cNvSpPr/>
           <p:nvPr/>
         </p:nvSpPr>
         <p:spPr>
           <a:xfrm>
-            <a:off x="6161347" y="1691680"/>
-            <a:ext cx="2917305" cy="868958"/>
-          </a:xfrm>
-          <a:prstGeom prst="borderCallout2">
-            <a:avLst>
-              <a:gd name="adj1" fmla="val 18750"/>
-              <a:gd name="adj2" fmla="val -8333"/>
-              <a:gd name="adj3" fmla="val 18750"/>
-              <a:gd name="adj4" fmla="val -16667"/>
-              <a:gd name="adj5" fmla="val 75602"/>
-              <a:gd name="adj6" fmla="val -127618"/>
-            </a:avLst>
-          </a:prstGeom>
-        </p:spPr>
-        <p:style>
-          <a:lnRef idx="2">
-            <a:schemeClr val="accent1">
-              <a:shade val="50000"/>
-            </a:schemeClr>
-          </a:lnRef>
-          <a:fillRef idx="1">
-            <a:schemeClr val="accent1"/>
-          </a:fillRef>
-          <a:effectRef idx="0">
-            <a:schemeClr val="accent1"/>
-          </a:effectRef>
-          <a:fontRef idx="minor">
-            <a:schemeClr val="lt1"/>
-          </a:fontRef>
-        </p:style>
-        <p:txBody>
-          <a:bodyPr rtlCol="0" anchor="ctr"/>
-          <a:lstStyle/>
-          <a:p>
-            <a:pPr algn="ctr"/>
-            <a:r>
-              <a:rPr lang="en-US" dirty="0" smtClean="0"/>
-              <a:t>Properties that should be stored in a file have to be marked with [Storable]</a:t>
-            </a:r>
-            <a:endParaRPr lang="en-US" dirty="0"/>
-          </a:p>
-        </p:txBody>
-      </p:sp>
-      <p:sp>
-        <p:nvSpPr>
-          <p:cNvPr id="8" name="Rechteck 7"/>
-          <p:cNvSpPr/>
-          <p:nvPr/>
-        </p:nvSpPr>
-        <p:spPr>
-          <a:xfrm>
-            <a:off x="1037600" y="1427079"/>
-            <a:ext cx="1806207" cy="360040"/>
+            <a:off x="1403648" y="3706974"/>
+            <a:ext cx="6768752" cy="874154"/>
           </a:xfrm>
           <a:prstGeom prst="rect">
             <a:avLst/>
@@ -4568,14 +4504,14 @@
       </p:sp>
       <p:sp>
         <p:nvSpPr>
-          <p:cNvPr id="9" name="Rechteck 8"/>
+          <p:cNvPr id="8" name="Rechteck 7"/>
           <p:cNvSpPr/>
           <p:nvPr/>
         </p:nvSpPr>
         <p:spPr>
           <a:xfrm>
-            <a:off x="1331639" y="2204864"/>
-            <a:ext cx="1259161" cy="290776"/>
+            <a:off x="1259631" y="2132856"/>
+            <a:ext cx="7137273" cy="1440160"/>
           </a:xfrm>
           <a:prstGeom prst="rect">
             <a:avLst/>
@@ -4614,14 +4550,14 @@
       </p:sp>
       <p:sp>
         <p:nvSpPr>
-          <p:cNvPr id="10" name="Rechteck 9"/>
+          <p:cNvPr id="9" name="Rechteck 8"/>
           <p:cNvSpPr/>
           <p:nvPr/>
         </p:nvSpPr>
         <p:spPr>
           <a:xfrm>
-            <a:off x="1241138" y="5085183"/>
-            <a:ext cx="6787245" cy="645815"/>
+            <a:off x="3321937" y="1772816"/>
+            <a:ext cx="601991" cy="360040"/>
           </a:xfrm>
           <a:prstGeom prst="rect">
             <a:avLst/>
@@ -4660,14 +4596,14 @@
       </p:sp>
       <p:sp>
         <p:nvSpPr>
-          <p:cNvPr id="11" name="Legende mit Linie 2 10"/>
+          <p:cNvPr id="10" name="Legende mit Linie 2 9"/>
           <p:cNvSpPr/>
           <p:nvPr/>
         </p:nvSpPr>
         <p:spPr>
           <a:xfrm>
-            <a:off x="6161346" y="3395114"/>
-            <a:ext cx="2803141" cy="1224134"/>
+            <a:off x="4355976" y="692696"/>
+            <a:ext cx="1800200" cy="724942"/>
           </a:xfrm>
           <a:prstGeom prst="borderCallout2">
             <a:avLst>
@@ -4675,8 +4611,8 @@
               <a:gd name="adj2" fmla="val -8333"/>
               <a:gd name="adj3" fmla="val 18750"/>
               <a:gd name="adj4" fmla="val -16667"/>
-              <a:gd name="adj5" fmla="val 141517"/>
-              <a:gd name="adj6" fmla="val -112473"/>
+              <a:gd name="adj5" fmla="val 145262"/>
+              <a:gd name="adj6" fmla="val -40730"/>
             </a:avLst>
           </a:prstGeom>
         </p:spPr>
@@ -4703,15 +4639,62 @@
             <a:pPr algn="ctr"/>
             <a:r>
               <a:rPr lang="en-US" dirty="0" smtClean="0"/>
-              <a:t>Mandatory storable constructor. Used by the persistence when </a:t>
+              <a:t>Item implements </a:t>
             </a:r>
             <a:r>
               <a:rPr lang="en-US" dirty="0" err="1" smtClean="0"/>
-              <a:t>deserializing</a:t>
-            </a:r>
+              <a:t>IDeepCloneable</a:t>
+            </a:r>
+            <a:endParaRPr lang="en-US" dirty="0"/>
+          </a:p>
+        </p:txBody>
+      </p:sp>
+      <p:sp>
+        <p:nvSpPr>
+          <p:cNvPr id="11" name="Legende mit Linie 2 10"/>
+          <p:cNvSpPr/>
+          <p:nvPr/>
+        </p:nvSpPr>
+        <p:spPr>
+          <a:xfrm>
+            <a:off x="4752020" y="5047725"/>
+            <a:ext cx="2808312" cy="939013"/>
+          </a:xfrm>
+          <a:prstGeom prst="borderCallout2">
+            <a:avLst>
+              <a:gd name="adj1" fmla="val 18750"/>
+              <a:gd name="adj2" fmla="val -8333"/>
+              <a:gd name="adj3" fmla="val 18750"/>
+              <a:gd name="adj4" fmla="val -16667"/>
+              <a:gd name="adj5" fmla="val -85024"/>
+              <a:gd name="adj6" fmla="val -43579"/>
+            </a:avLst>
+          </a:prstGeom>
+        </p:spPr>
+        <p:style>
+          <a:lnRef idx="2">
+            <a:schemeClr val="accent1">
+              <a:shade val="50000"/>
+            </a:schemeClr>
+          </a:lnRef>
+          <a:fillRef idx="1">
+            <a:schemeClr val="accent1"/>
+          </a:fillRef>
+          <a:effectRef idx="0">
+            <a:schemeClr val="accent1"/>
+          </a:effectRef>
+          <a:fontRef idx="minor">
+            <a:schemeClr val="lt1"/>
+          </a:fontRef>
+        </p:style>
+        <p:txBody>
+          <a:bodyPr rtlCol="0" anchor="ctr"/>
+          <a:lstStyle/>
+          <a:p>
+            <a:pPr algn="ctr"/>
             <a:r>
               <a:rPr lang="en-US" dirty="0" smtClean="0"/>
-              <a:t>. </a:t>
+              <a:t>Call Cloning-Constructor which implements the cloning</a:t>
             </a:r>
             <a:endParaRPr lang="en-US" dirty="0"/>
           </a:p>
@@ -4720,7 +4703,7 @@
     </p:spTree>
     <p:extLst>
       <p:ext uri="{BB962C8B-B14F-4D97-AF65-F5344CB8AC3E}">
-        <p14:creationId xmlns:p14="http://schemas.microsoft.com/office/powerpoint/2010/main" val="2870596769"/>
+        <p14:creationId xmlns:p14="http://schemas.microsoft.com/office/powerpoint/2010/main" val="3714925677"/>
       </p:ext>
     </p:extLst>
   </p:cSld>
@@ -4770,268 +4753,105 @@
           <a:lstStyle/>
           <a:p>
             <a:r>
+              <a:rPr lang="de-AT" dirty="0" err="1"/>
+              <a:t>Persistence</a:t>
+            </a:r>
+            <a:endParaRPr lang="de-AT" dirty="0"/>
+          </a:p>
+        </p:txBody>
+      </p:sp>
+      <p:sp>
+        <p:nvSpPr>
+          <p:cNvPr id="3" name="Inhaltsplatzhalter 2"/>
+          <p:cNvSpPr>
+            <a:spLocks noGrp="1"/>
+          </p:cNvSpPr>
+          <p:nvPr>
+            <p:ph idx="1"/>
+          </p:nvPr>
+        </p:nvSpPr>
+        <p:spPr/>
+        <p:txBody>
+          <a:bodyPr>
+            <a:normAutofit fontScale="92500" lnSpcReduction="20000"/>
+          </a:bodyPr>
+          <a:lstStyle/>
+          <a:p>
+            <a:r>
+              <a:rPr lang="en-US" dirty="0" smtClean="0"/>
+              <a:t>HL provides it‘s own serialization mechanism</a:t>
+            </a:r>
+          </a:p>
+          <a:p>
+            <a:r>
+              <a:rPr lang="en-US" dirty="0" smtClean="0"/>
+              <a:t>A class that should be </a:t>
+            </a:r>
+            <a:r>
+              <a:rPr lang="en-US" dirty="0" err="1" smtClean="0"/>
+              <a:t>serializable</a:t>
+            </a:r>
+            <a:r>
+              <a:rPr lang="en-US" dirty="0" smtClean="0"/>
+              <a:t> has to be marked with the [</a:t>
+            </a:r>
+            <a:r>
+              <a:rPr lang="de-AT" dirty="0" err="1" smtClean="0"/>
+              <a:t>StorableClass</a:t>
+            </a:r>
+            <a:r>
               <a:rPr lang="de-AT" dirty="0" smtClean="0"/>
-              <a:t>Items</a:t>
-            </a:r>
-            <a:endParaRPr lang="de-AT" dirty="0"/>
-          </a:p>
-        </p:txBody>
-      </p:sp>
-      <p:sp>
-        <p:nvSpPr>
-          <p:cNvPr id="3" name="Inhaltsplatzhalter 2"/>
-          <p:cNvSpPr>
-            <a:spLocks noGrp="1"/>
-          </p:cNvSpPr>
-          <p:nvPr>
-            <p:ph idx="1"/>
-          </p:nvPr>
-        </p:nvSpPr>
-        <p:spPr/>
-        <p:txBody>
-          <a:bodyPr>
-            <a:normAutofit fontScale="92500" lnSpcReduction="10000"/>
-          </a:bodyPr>
-          <a:lstStyle/>
-          <a:p>
-            <a:r>
-              <a:rPr lang="de-AT" dirty="0" smtClean="0"/>
-              <a:t>Items </a:t>
-            </a:r>
-            <a:r>
-              <a:rPr lang="de-AT" dirty="0" err="1" smtClean="0"/>
-              <a:t>have</a:t>
-            </a:r>
-            <a:endParaRPr lang="de-AT" dirty="0" smtClean="0"/>
-          </a:p>
-          <a:p>
-            <a:pPr lvl="1"/>
-            <a:r>
-              <a:rPr lang="de-AT" dirty="0" smtClean="0"/>
-              <a:t>A </a:t>
-            </a:r>
-            <a:r>
-              <a:rPr lang="de-AT" dirty="0" err="1"/>
-              <a:t>n</a:t>
-            </a:r>
-            <a:r>
-              <a:rPr lang="de-AT" dirty="0" err="1" smtClean="0"/>
-              <a:t>ame</a:t>
-            </a:r>
-            <a:endParaRPr lang="de-AT" dirty="0" smtClean="0"/>
-          </a:p>
-          <a:p>
-            <a:pPr lvl="1"/>
-            <a:r>
-              <a:rPr lang="de-AT" dirty="0" smtClean="0"/>
-              <a:t>A </a:t>
-            </a:r>
-            <a:r>
-              <a:rPr lang="de-AT" dirty="0" err="1" smtClean="0"/>
-              <a:t>description</a:t>
-            </a:r>
-            <a:endParaRPr lang="de-AT" dirty="0" smtClean="0"/>
-          </a:p>
-          <a:p>
-            <a:pPr lvl="1"/>
-            <a:r>
-              <a:rPr lang="de-AT" dirty="0" smtClean="0"/>
-              <a:t>An </a:t>
-            </a:r>
-            <a:r>
-              <a:rPr lang="de-AT" dirty="0" err="1" smtClean="0"/>
-              <a:t>icon</a:t>
-            </a:r>
-            <a:endParaRPr lang="de-AT" dirty="0" smtClean="0"/>
-          </a:p>
-          <a:p>
-            <a:pPr lvl="1"/>
-            <a:r>
-              <a:rPr lang="de-AT" dirty="0" err="1" smtClean="0"/>
-              <a:t>ToStringChanged</a:t>
-            </a:r>
-            <a:r>
-              <a:rPr lang="de-AT" dirty="0" smtClean="0"/>
-              <a:t> </a:t>
-            </a:r>
-            <a:r>
-              <a:rPr lang="de-AT" dirty="0" err="1" smtClean="0"/>
-              <a:t>and</a:t>
-            </a:r>
-            <a:r>
-              <a:rPr lang="de-AT" dirty="0" smtClean="0"/>
-              <a:t> </a:t>
-            </a:r>
-            <a:r>
-              <a:rPr lang="de-AT" dirty="0" err="1" smtClean="0"/>
-              <a:t>ItemImageChanged</a:t>
-            </a:r>
-            <a:r>
-              <a:rPr lang="de-AT" dirty="0" smtClean="0"/>
-              <a:t> </a:t>
-            </a:r>
-            <a:r>
-              <a:rPr lang="de-AT" dirty="0" err="1" smtClean="0"/>
-              <a:t>events</a:t>
-            </a:r>
-            <a:endParaRPr lang="de-AT" dirty="0" smtClean="0"/>
-          </a:p>
-          <a:p>
-            <a:r>
-              <a:rPr lang="de-AT" dirty="0" smtClean="0"/>
-              <a:t>All Items </a:t>
-            </a:r>
-            <a:r>
-              <a:rPr lang="de-AT" dirty="0" err="1" smtClean="0"/>
-              <a:t>are</a:t>
-            </a:r>
-            <a:r>
-              <a:rPr lang="de-AT" dirty="0" smtClean="0"/>
-              <a:t> </a:t>
-            </a:r>
-            <a:r>
-              <a:rPr lang="de-AT" dirty="0" err="1" smtClean="0"/>
-              <a:t>DeepCloneables</a:t>
-            </a:r>
-            <a:r>
-              <a:rPr lang="de-AT" dirty="0" smtClean="0"/>
-              <a:t> </a:t>
-            </a:r>
-            <a:r>
-              <a:rPr lang="de-AT" dirty="0" err="1" smtClean="0"/>
-              <a:t>and</a:t>
-            </a:r>
-            <a:r>
-              <a:rPr lang="de-AT" dirty="0" smtClean="0"/>
-              <a:t> </a:t>
-            </a:r>
-            <a:r>
-              <a:rPr lang="de-AT" dirty="0" err="1" smtClean="0"/>
-              <a:t>Storable</a:t>
-            </a:r>
-            <a:endParaRPr lang="de-AT" dirty="0" smtClean="0"/>
-          </a:p>
-          <a:p>
-            <a:r>
-              <a:rPr lang="de-AT" dirty="0" smtClean="0"/>
-              <a:t>Most Items </a:t>
-            </a:r>
-            <a:r>
-              <a:rPr lang="de-AT" dirty="0" err="1" smtClean="0"/>
-              <a:t>are</a:t>
-            </a:r>
-            <a:r>
-              <a:rPr lang="de-AT" dirty="0" smtClean="0"/>
-              <a:t> </a:t>
-            </a:r>
-            <a:r>
-              <a:rPr lang="de-AT" dirty="0" err="1" smtClean="0"/>
-              <a:t>marked</a:t>
-            </a:r>
-            <a:r>
-              <a:rPr lang="de-AT" dirty="0" smtClean="0"/>
-              <a:t> </a:t>
-            </a:r>
-            <a:r>
-              <a:rPr lang="de-AT" dirty="0" err="1" smtClean="0"/>
-              <a:t>as</a:t>
-            </a:r>
-            <a:r>
-              <a:rPr lang="de-AT" dirty="0" smtClean="0"/>
-              <a:t> </a:t>
-            </a:r>
-            <a:r>
-              <a:rPr lang="de-AT" dirty="0" err="1" smtClean="0"/>
-              <a:t>IContent</a:t>
-            </a:r>
-            <a:r>
-              <a:rPr lang="de-AT" dirty="0" smtClean="0"/>
-              <a:t> </a:t>
-            </a:r>
-            <a:r>
-              <a:rPr lang="de-AT" dirty="0" err="1" smtClean="0"/>
-              <a:t>to</a:t>
-            </a:r>
-            <a:r>
-              <a:rPr lang="de-AT" dirty="0" smtClean="0"/>
-              <a:t> </a:t>
-            </a:r>
-            <a:r>
-              <a:rPr lang="de-AT" dirty="0" err="1" smtClean="0"/>
-              <a:t>allow</a:t>
-            </a:r>
-            <a:r>
-              <a:rPr lang="de-AT" dirty="0" smtClean="0"/>
-              <a:t> </a:t>
-            </a:r>
-            <a:r>
-              <a:rPr lang="de-AT" dirty="0" err="1" smtClean="0"/>
-              <a:t>displaying</a:t>
-            </a:r>
-            <a:r>
-              <a:rPr lang="de-AT" dirty="0" smtClean="0"/>
-              <a:t> in </a:t>
-            </a:r>
-            <a:r>
-              <a:rPr lang="de-AT" dirty="0" err="1" smtClean="0"/>
-              <a:t>views</a:t>
-            </a:r>
-            <a:endParaRPr lang="de-AT" dirty="0" smtClean="0"/>
-          </a:p>
-          <a:p>
-            <a:r>
-              <a:rPr lang="de-AT" dirty="0" err="1" smtClean="0"/>
-              <a:t>Use</a:t>
-            </a:r>
-            <a:r>
-              <a:rPr lang="de-AT" dirty="0" smtClean="0"/>
-              <a:t> [Item] </a:t>
-            </a:r>
-            <a:r>
-              <a:rPr lang="de-AT" dirty="0" err="1" smtClean="0"/>
+              <a:t>] </a:t>
+            </a:r>
+            <a:r>
+              <a:rPr lang="en-US" dirty="0" smtClean="0"/>
               <a:t>attribute</a:t>
             </a:r>
-            <a:r>
-              <a:rPr lang="de-AT" dirty="0" smtClean="0"/>
-              <a:t> </a:t>
-            </a:r>
-            <a:r>
-              <a:rPr lang="de-AT" dirty="0" err="1" smtClean="0"/>
-              <a:t>to</a:t>
-            </a:r>
-            <a:r>
-              <a:rPr lang="de-AT" dirty="0" smtClean="0"/>
-              <a:t> </a:t>
-            </a:r>
-            <a:r>
-              <a:rPr lang="de-AT" dirty="0" err="1" smtClean="0"/>
-              <a:t>set</a:t>
-            </a:r>
-            <a:r>
-              <a:rPr lang="de-AT" dirty="0" smtClean="0"/>
-              <a:t> </a:t>
-            </a:r>
-            <a:r>
-              <a:rPr lang="de-AT" dirty="0" err="1" smtClean="0"/>
-              <a:t>name</a:t>
-            </a:r>
-            <a:r>
-              <a:rPr lang="de-AT" dirty="0" smtClean="0"/>
-              <a:t> </a:t>
-            </a:r>
-            <a:r>
-              <a:rPr lang="de-AT" dirty="0" err="1" smtClean="0"/>
-              <a:t>and</a:t>
-            </a:r>
-            <a:r>
-              <a:rPr lang="de-AT" dirty="0" smtClean="0"/>
-              <a:t> </a:t>
-            </a:r>
-            <a:r>
-              <a:rPr lang="de-AT" dirty="0" err="1" smtClean="0"/>
-              <a:t>description</a:t>
-            </a:r>
-            <a:endParaRPr lang="de-AT" dirty="0"/>
+          </a:p>
+          <a:p>
+            <a:r>
+              <a:rPr lang="en-US" dirty="0" smtClean="0"/>
+              <a:t>Properties that should be serialized have to be marked with the [Storable] attribute</a:t>
+            </a:r>
+          </a:p>
+          <a:p>
+            <a:r>
+              <a:rPr lang="en-US" dirty="0" err="1" smtClean="0"/>
+              <a:t>StorableConstructor</a:t>
+            </a:r>
+            <a:r>
+              <a:rPr lang="en-US" dirty="0" smtClean="0"/>
+              <a:t> has to be implemented</a:t>
+            </a:r>
+          </a:p>
+          <a:p>
+            <a:r>
+              <a:rPr lang="en-US" dirty="0" smtClean="0"/>
+              <a:t>Optional: Define Hooks with attribute [</a:t>
+            </a:r>
+            <a:r>
+              <a:rPr lang="en-US" dirty="0" err="1" smtClean="0"/>
+              <a:t>StorableHook</a:t>
+            </a:r>
+            <a:r>
+              <a:rPr lang="en-US" dirty="0" smtClean="0"/>
+              <a:t>] to react on loading/saving events</a:t>
+            </a:r>
+          </a:p>
+          <a:p>
+            <a:r>
+              <a:rPr lang="en-US" dirty="0" smtClean="0"/>
+              <a:t>Implement </a:t>
+            </a:r>
+            <a:r>
+              <a:rPr lang="en-US" dirty="0" err="1" smtClean="0"/>
+              <a:t>IStorableContent</a:t>
+            </a:r>
+            <a:r>
+              <a:rPr lang="en-US" dirty="0" smtClean="0"/>
+              <a:t> to signal that this is a root object</a:t>
+            </a:r>
+            <a:endParaRPr lang="en-US" dirty="0"/>
           </a:p>
         </p:txBody>
       </p:sp>
@@ -5111,7 +4931,7 @@
     </p:spTree>
     <p:extLst>
       <p:ext uri="{BB962C8B-B14F-4D97-AF65-F5344CB8AC3E}">
-        <p14:creationId xmlns:p14="http://schemas.microsoft.com/office/powerpoint/2010/main" val="3949132639"/>
+        <p14:creationId xmlns:p14="http://schemas.microsoft.com/office/powerpoint/2010/main" val="1640062128"/>
       </p:ext>
     </p:extLst>
   </p:cSld>
@@ -5161,8 +4981,8 @@
           <a:lstStyle/>
           <a:p>
             <a:r>
-              <a:rPr lang="de-AT" dirty="0" smtClean="0"/>
-              <a:t>Items</a:t>
+              <a:rPr lang="de-AT" dirty="0" err="1"/>
+              <a:t>Persistence</a:t>
             </a:r>
             <a:endParaRPr lang="de-AT" dirty="0"/>
           </a:p>
@@ -5257,8 +5077,8 @@
         </p:blipFill>
         <p:spPr>
           <a:xfrm>
-            <a:off x="1115616" y="2132856"/>
-            <a:ext cx="6912656" cy="1882771"/>
+            <a:off x="1037601" y="1417638"/>
+            <a:ext cx="7068797" cy="4313361"/>
           </a:xfrm>
           <a:prstGeom prst="rect">
             <a:avLst/>
@@ -5267,14 +5087,65 @@
       </p:pic>
       <p:sp>
         <p:nvSpPr>
+          <p:cNvPr id="3" name="Legende mit Linie 2 2"/>
+          <p:cNvSpPr/>
+          <p:nvPr/>
+        </p:nvSpPr>
+        <p:spPr>
+          <a:xfrm>
+            <a:off x="6161347" y="1691680"/>
+            <a:ext cx="2917305" cy="868958"/>
+          </a:xfrm>
+          <a:prstGeom prst="borderCallout2">
+            <a:avLst>
+              <a:gd name="adj1" fmla="val 18750"/>
+              <a:gd name="adj2" fmla="val -8333"/>
+              <a:gd name="adj3" fmla="val 18750"/>
+              <a:gd name="adj4" fmla="val -16667"/>
+              <a:gd name="adj5" fmla="val 75602"/>
+              <a:gd name="adj6" fmla="val -127618"/>
+            </a:avLst>
+          </a:prstGeom>
+        </p:spPr>
+        <p:style>
+          <a:lnRef idx="2">
+            <a:schemeClr val="accent1">
+              <a:shade val="50000"/>
+            </a:schemeClr>
+          </a:lnRef>
+          <a:fillRef idx="1">
+            <a:schemeClr val="accent1"/>
+          </a:fillRef>
+          <a:effectRef idx="0">
+            <a:schemeClr val="accent1"/>
+          </a:effectRef>
+          <a:fontRef idx="minor">
+            <a:schemeClr val="lt1"/>
+          </a:fontRef>
+        </p:style>
+        <p:txBody>
+          <a:bodyPr rtlCol="0" anchor="ctr"/>
+          <a:lstStyle/>
+          <a:p>
+            <a:pPr algn="ctr"/>
+            <a:r>
+              <a:rPr lang="en-US" dirty="0" smtClean="0"/>
+              <a:t>Properties that should be stored in a file have to be marked with [Storable]</a:t>
+            </a:r>
+            <a:endParaRPr lang="en-US" dirty="0"/>
+          </a:p>
+        </p:txBody>
+      </p:sp>
+      <p:sp>
+        <p:nvSpPr>
           <p:cNvPr id="8" name="Rechteck 7"/>
           <p:cNvSpPr/>
           <p:nvPr/>
         </p:nvSpPr>
         <p:spPr>
           <a:xfrm>
-            <a:off x="1172970" y="2132855"/>
-            <a:ext cx="4983206" cy="275123"/>
+            <a:off x="1037600" y="1427079"/>
+            <a:ext cx="1806207" cy="360040"/>
           </a:xfrm>
           <a:prstGeom prst="rect">
             <a:avLst/>
@@ -5319,8 +5190,8 @@
         </p:nvSpPr>
         <p:spPr>
           <a:xfrm>
-            <a:off x="1172970" y="3218299"/>
-            <a:ext cx="6639390" cy="797328"/>
+            <a:off x="1331639" y="2204864"/>
+            <a:ext cx="1259161" cy="290776"/>
           </a:xfrm>
           <a:prstGeom prst="rect">
             <a:avLst/>
@@ -5357,10 +5228,115 @@
           </a:p>
         </p:txBody>
       </p:sp>
+      <p:sp>
+        <p:nvSpPr>
+          <p:cNvPr id="10" name="Rechteck 9"/>
+          <p:cNvSpPr/>
+          <p:nvPr/>
+        </p:nvSpPr>
+        <p:spPr>
+          <a:xfrm>
+            <a:off x="1241138" y="5085183"/>
+            <a:ext cx="6787245" cy="645815"/>
+          </a:xfrm>
+          <a:prstGeom prst="rect">
+            <a:avLst/>
+          </a:prstGeom>
+          <a:noFill/>
+          <a:ln>
+            <a:solidFill>
+              <a:srgbClr val="FF0000"/>
+            </a:solidFill>
+          </a:ln>
+        </p:spPr>
+        <p:style>
+          <a:lnRef idx="2">
+            <a:schemeClr val="accent1">
+              <a:shade val="50000"/>
+            </a:schemeClr>
+          </a:lnRef>
+          <a:fillRef idx="1">
+            <a:schemeClr val="accent1"/>
+          </a:fillRef>
+          <a:effectRef idx="0">
+            <a:schemeClr val="accent1"/>
+          </a:effectRef>
+          <a:fontRef idx="minor">
+            <a:schemeClr val="lt1"/>
+          </a:fontRef>
+        </p:style>
+        <p:txBody>
+          <a:bodyPr rtlCol="0" anchor="ctr"/>
+          <a:lstStyle/>
+          <a:p>
+            <a:pPr algn="ctr"/>
+            <a:endParaRPr lang="de-AT"/>
+          </a:p>
+        </p:txBody>
+      </p:sp>
+      <p:sp>
+        <p:nvSpPr>
+          <p:cNvPr id="11" name="Legende mit Linie 2 10"/>
+          <p:cNvSpPr/>
+          <p:nvPr/>
+        </p:nvSpPr>
+        <p:spPr>
+          <a:xfrm>
+            <a:off x="6161346" y="3395114"/>
+            <a:ext cx="2803141" cy="1224134"/>
+          </a:xfrm>
+          <a:prstGeom prst="borderCallout2">
+            <a:avLst>
+              <a:gd name="adj1" fmla="val 18750"/>
+              <a:gd name="adj2" fmla="val -8333"/>
+              <a:gd name="adj3" fmla="val 18750"/>
+              <a:gd name="adj4" fmla="val -16667"/>
+              <a:gd name="adj5" fmla="val 141517"/>
+              <a:gd name="adj6" fmla="val -112473"/>
+            </a:avLst>
+          </a:prstGeom>
+        </p:spPr>
+        <p:style>
+          <a:lnRef idx="2">
+            <a:schemeClr val="accent1">
+              <a:shade val="50000"/>
+            </a:schemeClr>
+          </a:lnRef>
+          <a:fillRef idx="1">
+            <a:schemeClr val="accent1"/>
+          </a:fillRef>
+          <a:effectRef idx="0">
+            <a:schemeClr val="accent1"/>
+          </a:effectRef>
+          <a:fontRef idx="minor">
+            <a:schemeClr val="lt1"/>
+          </a:fontRef>
+        </p:style>
+        <p:txBody>
+          <a:bodyPr rtlCol="0" anchor="ctr"/>
+          <a:lstStyle/>
+          <a:p>
+            <a:pPr algn="ctr"/>
+            <a:r>
+              <a:rPr lang="en-US" dirty="0" smtClean="0"/>
+              <a:t>Mandatory storable constructor. Used by the persistence when </a:t>
+            </a:r>
+            <a:r>
+              <a:rPr lang="en-US" dirty="0" err="1" smtClean="0"/>
+              <a:t>deserializing</a:t>
+            </a:r>
+            <a:r>
+              <a:rPr lang="en-US" dirty="0" smtClean="0"/>
+              <a:t>. </a:t>
+            </a:r>
+            <a:endParaRPr lang="en-US" dirty="0"/>
+          </a:p>
+        </p:txBody>
+      </p:sp>
     </p:spTree>
     <p:extLst>
       <p:ext uri="{BB962C8B-B14F-4D97-AF65-F5344CB8AC3E}">
-        <p14:creationId xmlns:p14="http://schemas.microsoft.com/office/powerpoint/2010/main" val="2195862484"/>
+        <p14:creationId xmlns:p14="http://schemas.microsoft.com/office/powerpoint/2010/main" val="2870596769"/>
       </p:ext>
     </p:extLst>
   </p:cSld>
@@ -5406,18 +5382,12 @@
         </p:nvSpPr>
         <p:spPr/>
         <p:txBody>
-          <a:bodyPr>
-            <a:normAutofit/>
-          </a:bodyPr>
-          <a:lstStyle/>
-          <a:p>
-            <a:r>
-              <a:rPr lang="de-AT" dirty="0"/>
-              <a:t>HL Data </a:t>
-            </a:r>
-            <a:r>
-              <a:rPr lang="de-AT" dirty="0" err="1" smtClean="0"/>
-              <a:t>Types</a:t>
+          <a:bodyPr/>
+          <a:lstStyle/>
+          <a:p>
+            <a:r>
+              <a:rPr lang="de-AT" dirty="0" smtClean="0"/>
+              <a:t>Items</a:t>
             </a:r>
             <a:endParaRPr lang="de-AT" dirty="0"/>
           </a:p>
@@ -5441,109 +5411,243 @@
           <a:lstStyle/>
           <a:p>
             <a:r>
-              <a:rPr lang="en-US" dirty="0" smtClean="0"/>
-              <a:t>Located in </a:t>
-            </a:r>
-            <a:r>
-              <a:rPr lang="en-US" dirty="0" err="1" smtClean="0"/>
-              <a:t>HeuristicLab.Data</a:t>
-            </a:r>
-            <a:r>
-              <a:rPr lang="en-US" dirty="0" smtClean="0"/>
-              <a:t> (and corresponding views in </a:t>
-            </a:r>
-            <a:r>
-              <a:rPr lang="en-US" dirty="0" err="1" smtClean="0"/>
-              <a:t>Data.Views</a:t>
-            </a:r>
-            <a:r>
-              <a:rPr lang="en-US" dirty="0" smtClean="0"/>
-              <a:t>)</a:t>
-            </a:r>
-          </a:p>
-          <a:p>
-            <a:r>
-              <a:rPr lang="en-US" dirty="0" smtClean="0"/>
-              <a:t>Wrap standard .NET data types and provide functionality necessary for UIs:</a:t>
-            </a:r>
+              <a:rPr lang="de-AT" dirty="0" smtClean="0"/>
+              <a:t>Items </a:t>
+            </a:r>
+            <a:r>
+              <a:rPr lang="de-AT" dirty="0" err="1" smtClean="0"/>
+              <a:t>have</a:t>
+            </a:r>
+            <a:endParaRPr lang="de-AT" dirty="0" smtClean="0"/>
           </a:p>
           <a:p>
             <a:pPr lvl="1"/>
             <a:r>
-              <a:rPr lang="en-US" dirty="0" err="1" smtClean="0"/>
-              <a:t>ValueChanged</a:t>
-            </a:r>
-            <a:r>
-              <a:rPr lang="en-US" dirty="0" smtClean="0"/>
-              <a:t> Event</a:t>
-            </a:r>
+              <a:rPr lang="de-AT" dirty="0" smtClean="0"/>
+              <a:t>A </a:t>
+            </a:r>
+            <a:r>
+              <a:rPr lang="de-AT" dirty="0" err="1"/>
+              <a:t>n</a:t>
+            </a:r>
+            <a:r>
+              <a:rPr lang="de-AT" dirty="0" err="1" smtClean="0"/>
+              <a:t>ame</a:t>
+            </a:r>
+            <a:endParaRPr lang="de-AT" dirty="0" smtClean="0"/>
           </a:p>
           <a:p>
             <a:pPr lvl="1"/>
             <a:r>
-              <a:rPr lang="en-US" dirty="0" smtClean="0"/>
-              <a:t>Parsing of strings</a:t>
-            </a:r>
+              <a:rPr lang="de-AT" dirty="0" smtClean="0"/>
+              <a:t>A </a:t>
+            </a:r>
+            <a:r>
+              <a:rPr lang="de-AT" dirty="0" err="1" smtClean="0"/>
+              <a:t>description</a:t>
+            </a:r>
+            <a:endParaRPr lang="de-AT" dirty="0" smtClean="0"/>
           </a:p>
           <a:p>
             <a:pPr lvl="1"/>
             <a:r>
-              <a:rPr lang="en-US" dirty="0" smtClean="0"/>
-              <a:t>Validation</a:t>
-            </a:r>
-          </a:p>
-          <a:p>
-            <a:r>
-              <a:rPr lang="en-US" dirty="0" err="1" smtClean="0"/>
-              <a:t>DataTypes</a:t>
-            </a:r>
-            <a:r>
-              <a:rPr lang="en-US" dirty="0" smtClean="0"/>
-              <a:t> include</a:t>
-            </a:r>
+              <a:rPr lang="de-AT" dirty="0" smtClean="0"/>
+              <a:t>An </a:t>
+            </a:r>
+            <a:r>
+              <a:rPr lang="de-AT" dirty="0" err="1" smtClean="0"/>
+              <a:t>icon</a:t>
+            </a:r>
+            <a:endParaRPr lang="de-AT" dirty="0" smtClean="0"/>
           </a:p>
           <a:p>
             <a:pPr lvl="1"/>
             <a:r>
-              <a:rPr lang="en-US" dirty="0" err="1" smtClean="0"/>
-              <a:t>IntValue</a:t>
-            </a:r>
-            <a:r>
-              <a:rPr lang="en-US" dirty="0" smtClean="0"/>
-              <a:t>, </a:t>
-            </a:r>
-            <a:r>
-              <a:rPr lang="en-US" dirty="0" err="1" smtClean="0"/>
-              <a:t>DoubleValue</a:t>
-            </a:r>
-            <a:r>
-              <a:rPr lang="en-US" dirty="0" smtClean="0"/>
-              <a:t>, </a:t>
-            </a:r>
-            <a:r>
-              <a:rPr lang="en-US" dirty="0" err="1" smtClean="0"/>
-              <a:t>PercentValue</a:t>
-            </a:r>
-            <a:r>
-              <a:rPr lang="en-US" dirty="0" smtClean="0"/>
-              <a:t>, </a:t>
-            </a:r>
-            <a:r>
-              <a:rPr lang="en-US" dirty="0" err="1" smtClean="0"/>
-              <a:t>StringValue</a:t>
-            </a:r>
-            <a:r>
-              <a:rPr lang="en-US" dirty="0" smtClean="0"/>
-              <a:t>,…</a:t>
-            </a:r>
-          </a:p>
-          <a:p>
-            <a:pPr lvl="1"/>
-            <a:r>
-              <a:rPr lang="en-US" dirty="0" smtClean="0"/>
-              <a:t>Ranges, Arrays, Matrices</a:t>
-            </a:r>
-            <a:endParaRPr lang="en-US" dirty="0"/>
+              <a:rPr lang="de-AT" dirty="0" err="1" smtClean="0"/>
+              <a:t>ToStringChanged</a:t>
+            </a:r>
+            <a:r>
+              <a:rPr lang="de-AT" dirty="0" smtClean="0"/>
+              <a:t> </a:t>
+            </a:r>
+            <a:r>
+              <a:rPr lang="de-AT" dirty="0" err="1" smtClean="0"/>
+              <a:t>and</a:t>
+            </a:r>
+            <a:r>
+              <a:rPr lang="de-AT" dirty="0" smtClean="0"/>
+              <a:t> </a:t>
+            </a:r>
+            <a:r>
+              <a:rPr lang="de-AT" dirty="0" err="1" smtClean="0"/>
+              <a:t>ItemImageChanged</a:t>
+            </a:r>
+            <a:r>
+              <a:rPr lang="de-AT" dirty="0" smtClean="0"/>
+              <a:t> </a:t>
+            </a:r>
+            <a:r>
+              <a:rPr lang="de-AT" dirty="0" err="1" smtClean="0"/>
+              <a:t>events</a:t>
+            </a:r>
+            <a:endParaRPr lang="de-AT" dirty="0" smtClean="0"/>
+          </a:p>
+          <a:p>
+            <a:r>
+              <a:rPr lang="de-AT" dirty="0" smtClean="0"/>
+              <a:t>All Items </a:t>
+            </a:r>
+            <a:r>
+              <a:rPr lang="de-AT" dirty="0" err="1" smtClean="0"/>
+              <a:t>are</a:t>
+            </a:r>
+            <a:r>
+              <a:rPr lang="de-AT" dirty="0" smtClean="0"/>
+              <a:t> </a:t>
+            </a:r>
+            <a:r>
+              <a:rPr lang="de-AT" dirty="0" err="1" smtClean="0"/>
+              <a:t>DeepCloneables</a:t>
+            </a:r>
+            <a:r>
+              <a:rPr lang="de-AT" dirty="0" smtClean="0"/>
+              <a:t> </a:t>
+            </a:r>
+            <a:r>
+              <a:rPr lang="de-AT" dirty="0" err="1" smtClean="0"/>
+              <a:t>and</a:t>
+            </a:r>
+            <a:r>
+              <a:rPr lang="de-AT" dirty="0" smtClean="0"/>
+              <a:t> </a:t>
+            </a:r>
+            <a:r>
+              <a:rPr lang="de-AT" dirty="0" err="1" smtClean="0"/>
+              <a:t>Storable</a:t>
+            </a:r>
+            <a:endParaRPr lang="de-AT" dirty="0" smtClean="0"/>
+          </a:p>
+          <a:p>
+            <a:r>
+              <a:rPr lang="de-AT" dirty="0" smtClean="0"/>
+              <a:t>Most Items </a:t>
+            </a:r>
+            <a:r>
+              <a:rPr lang="de-AT" dirty="0" err="1" smtClean="0"/>
+              <a:t>are</a:t>
+            </a:r>
+            <a:r>
+              <a:rPr lang="de-AT" dirty="0" smtClean="0"/>
+              <a:t> </a:t>
+            </a:r>
+            <a:r>
+              <a:rPr lang="de-AT" dirty="0" err="1" smtClean="0"/>
+              <a:t>marked</a:t>
+            </a:r>
+            <a:r>
+              <a:rPr lang="de-AT" dirty="0" smtClean="0"/>
+              <a:t> </a:t>
+            </a:r>
+            <a:r>
+              <a:rPr lang="de-AT" dirty="0" err="1" smtClean="0"/>
+              <a:t>as</a:t>
+            </a:r>
+            <a:r>
+              <a:rPr lang="de-AT" dirty="0" smtClean="0"/>
+              <a:t> </a:t>
+            </a:r>
+            <a:r>
+              <a:rPr lang="de-AT" dirty="0" err="1" smtClean="0"/>
+              <a:t>IContent</a:t>
+            </a:r>
+            <a:r>
+              <a:rPr lang="de-AT" dirty="0" smtClean="0"/>
+              <a:t> </a:t>
+            </a:r>
+            <a:r>
+              <a:rPr lang="de-AT" dirty="0" err="1" smtClean="0"/>
+              <a:t>to</a:t>
+            </a:r>
+            <a:r>
+              <a:rPr lang="de-AT" dirty="0" smtClean="0"/>
+              <a:t> </a:t>
+            </a:r>
+            <a:r>
+              <a:rPr lang="de-AT" dirty="0" err="1" smtClean="0"/>
+              <a:t>allow</a:t>
+            </a:r>
+            <a:r>
+              <a:rPr lang="de-AT" dirty="0" smtClean="0"/>
+              <a:t> </a:t>
+            </a:r>
+            <a:r>
+              <a:rPr lang="de-AT" dirty="0" err="1" smtClean="0"/>
+              <a:t>displaying</a:t>
+            </a:r>
+            <a:r>
+              <a:rPr lang="de-AT" dirty="0" smtClean="0"/>
+              <a:t> in </a:t>
+            </a:r>
+            <a:r>
+              <a:rPr lang="de-AT" dirty="0" err="1" smtClean="0"/>
+              <a:t>views</a:t>
+            </a:r>
+            <a:endParaRPr lang="de-AT" dirty="0" smtClean="0"/>
+          </a:p>
+          <a:p>
+            <a:r>
+              <a:rPr lang="de-AT" dirty="0" err="1" smtClean="0"/>
+              <a:t>Use</a:t>
+            </a:r>
+            <a:r>
+              <a:rPr lang="de-AT" dirty="0" smtClean="0"/>
+              <a:t> [Item] </a:t>
+            </a:r>
+            <a:r>
+              <a:rPr lang="de-AT" dirty="0" err="1" smtClean="0"/>
+              <a:t>attribute</a:t>
+            </a:r>
+            <a:r>
+              <a:rPr lang="de-AT" dirty="0" smtClean="0"/>
+              <a:t> </a:t>
+            </a:r>
+            <a:r>
+              <a:rPr lang="de-AT" dirty="0" err="1" smtClean="0"/>
+              <a:t>to</a:t>
+            </a:r>
+            <a:r>
+              <a:rPr lang="de-AT" dirty="0" smtClean="0"/>
+              <a:t> </a:t>
+            </a:r>
+            <a:r>
+              <a:rPr lang="de-AT" dirty="0" err="1" smtClean="0"/>
+              <a:t>set</a:t>
+            </a:r>
+            <a:r>
+              <a:rPr lang="de-AT" dirty="0" smtClean="0"/>
+              <a:t> </a:t>
+            </a:r>
+            <a:r>
+              <a:rPr lang="de-AT" dirty="0" err="1" smtClean="0"/>
+              <a:t>name</a:t>
+            </a:r>
+            <a:r>
+              <a:rPr lang="de-AT" dirty="0" smtClean="0"/>
+              <a:t> </a:t>
+            </a:r>
+            <a:r>
+              <a:rPr lang="de-AT" dirty="0" err="1" smtClean="0"/>
+              <a:t>and</a:t>
+            </a:r>
+            <a:r>
+              <a:rPr lang="de-AT" dirty="0" smtClean="0"/>
+              <a:t> </a:t>
+            </a:r>
+            <a:r>
+              <a:rPr lang="de-AT" dirty="0" err="1" smtClean="0"/>
+              <a:t>description</a:t>
+            </a:r>
+            <a:endParaRPr lang="de-AT" dirty="0"/>
           </a:p>
         </p:txBody>
       </p:sp>
@@ -5623,7 +5727,7 @@
     </p:spTree>
     <p:extLst>
       <p:ext uri="{BB962C8B-B14F-4D97-AF65-F5344CB8AC3E}">
-        <p14:creationId xmlns:p14="http://schemas.microsoft.com/office/powerpoint/2010/main" val="3628336749"/>
+        <p14:creationId xmlns:p14="http://schemas.microsoft.com/office/powerpoint/2010/main" val="3949132639"/>
       </p:ext>
     </p:extLst>
   </p:cSld>
@@ -5673,68 +5777,9 @@
           <a:lstStyle/>
           <a:p>
             <a:r>
-              <a:rPr lang="de-AT" dirty="0" err="1" smtClean="0"/>
-              <a:t>Collections</a:t>
-            </a:r>
-            <a:endParaRPr lang="de-AT" dirty="0"/>
-          </a:p>
-        </p:txBody>
-      </p:sp>
-      <p:sp>
-        <p:nvSpPr>
-          <p:cNvPr id="3" name="Inhaltsplatzhalter 2"/>
-          <p:cNvSpPr>
-            <a:spLocks noGrp="1"/>
-          </p:cNvSpPr>
-          <p:nvPr>
-            <p:ph idx="1"/>
-          </p:nvPr>
-        </p:nvSpPr>
-        <p:spPr/>
-        <p:txBody>
-          <a:bodyPr/>
-          <a:lstStyle/>
-          <a:p>
-            <a:r>
-              <a:rPr lang="en-US" dirty="0" smtClean="0"/>
-              <a:t>Located in </a:t>
-            </a:r>
-            <a:r>
-              <a:rPr lang="en-US" dirty="0" err="1" smtClean="0"/>
-              <a:t>HeuristicLab.Collections</a:t>
-            </a:r>
-            <a:r>
-              <a:rPr lang="en-US" dirty="0" smtClean="0"/>
-              <a:t>/Core (and </a:t>
-            </a:r>
-            <a:r>
-              <a:rPr lang="en-US" dirty="0" err="1" smtClean="0"/>
-              <a:t>Core.Views</a:t>
-            </a:r>
-            <a:r>
-              <a:rPr lang="en-US" dirty="0" smtClean="0"/>
-              <a:t> for the corresponding views)</a:t>
-            </a:r>
-          </a:p>
-          <a:p>
-            <a:r>
-              <a:rPr lang="en-US" dirty="0" smtClean="0"/>
-              <a:t>Same as with data types, provide UI friendly wrappers for .NET collections (e.g. additional events)</a:t>
-            </a:r>
-          </a:p>
-          <a:p>
-            <a:r>
-              <a:rPr lang="en-US" dirty="0" smtClean="0"/>
-              <a:t>There are Lists, Arrays, Sets, Dictionaries and read-only collections</a:t>
-            </a:r>
-          </a:p>
-          <a:p>
-            <a:r>
-              <a:rPr lang="en-US" dirty="0" smtClean="0"/>
-              <a:t>Most are designed for Items</a:t>
-            </a:r>
-          </a:p>
-          <a:p>
+              <a:rPr lang="de-AT" dirty="0" smtClean="0"/>
+              <a:t>Items</a:t>
+            </a:r>
             <a:endParaRPr lang="de-AT" dirty="0"/>
           </a:p>
         </p:txBody>
@@ -5812,10 +5857,126 @@
           </a:p>
         </p:txBody>
       </p:sp>
+      <p:pic>
+        <p:nvPicPr>
+          <p:cNvPr id="7" name="Grafik 6"/>
+          <p:cNvPicPr>
+            <a:picLocks noChangeAspect="1"/>
+          </p:cNvPicPr>
+          <p:nvPr/>
+        </p:nvPicPr>
+        <p:blipFill>
+          <a:blip r:embed="rId2"/>
+          <a:stretch>
+            <a:fillRect/>
+          </a:stretch>
+        </p:blipFill>
+        <p:spPr>
+          <a:xfrm>
+            <a:off x="1115616" y="2132856"/>
+            <a:ext cx="6912656" cy="1882771"/>
+          </a:xfrm>
+          <a:prstGeom prst="rect">
+            <a:avLst/>
+          </a:prstGeom>
+        </p:spPr>
+      </p:pic>
+      <p:sp>
+        <p:nvSpPr>
+          <p:cNvPr id="8" name="Rechteck 7"/>
+          <p:cNvSpPr/>
+          <p:nvPr/>
+        </p:nvSpPr>
+        <p:spPr>
+          <a:xfrm>
+            <a:off x="1172970" y="2132855"/>
+            <a:ext cx="4983206" cy="275123"/>
+          </a:xfrm>
+          <a:prstGeom prst="rect">
+            <a:avLst/>
+          </a:prstGeom>
+          <a:noFill/>
+          <a:ln>
+            <a:solidFill>
+              <a:srgbClr val="FF0000"/>
+            </a:solidFill>
+          </a:ln>
+        </p:spPr>
+        <p:style>
+          <a:lnRef idx="2">
+            <a:schemeClr val="accent1">
+              <a:shade val="50000"/>
+            </a:schemeClr>
+          </a:lnRef>
+          <a:fillRef idx="1">
+            <a:schemeClr val="accent1"/>
+          </a:fillRef>
+          <a:effectRef idx="0">
+            <a:schemeClr val="accent1"/>
+          </a:effectRef>
+          <a:fontRef idx="minor">
+            <a:schemeClr val="lt1"/>
+          </a:fontRef>
+        </p:style>
+        <p:txBody>
+          <a:bodyPr rtlCol="0" anchor="ctr"/>
+          <a:lstStyle/>
+          <a:p>
+            <a:pPr algn="ctr"/>
+            <a:endParaRPr lang="de-AT"/>
+          </a:p>
+        </p:txBody>
+      </p:sp>
+      <p:sp>
+        <p:nvSpPr>
+          <p:cNvPr id="9" name="Rechteck 8"/>
+          <p:cNvSpPr/>
+          <p:nvPr/>
+        </p:nvSpPr>
+        <p:spPr>
+          <a:xfrm>
+            <a:off x="1172970" y="3218299"/>
+            <a:ext cx="6639390" cy="797328"/>
+          </a:xfrm>
+          <a:prstGeom prst="rect">
+            <a:avLst/>
+          </a:prstGeom>
+          <a:noFill/>
+          <a:ln>
+            <a:solidFill>
+              <a:srgbClr val="FF0000"/>
+            </a:solidFill>
+          </a:ln>
+        </p:spPr>
+        <p:style>
+          <a:lnRef idx="2">
+            <a:schemeClr val="accent1">
+              <a:shade val="50000"/>
+            </a:schemeClr>
+          </a:lnRef>
+          <a:fillRef idx="1">
+            <a:schemeClr val="accent1"/>
+          </a:fillRef>
+          <a:effectRef idx="0">
+            <a:schemeClr val="accent1"/>
+          </a:effectRef>
+          <a:fontRef idx="minor">
+            <a:schemeClr val="lt1"/>
+          </a:fontRef>
+        </p:style>
+        <p:txBody>
+          <a:bodyPr rtlCol="0" anchor="ctr"/>
+          <a:lstStyle/>
+          <a:p>
+            <a:pPr algn="ctr"/>
+            <a:endParaRPr lang="de-AT"/>
+          </a:p>
+        </p:txBody>
+      </p:sp>
     </p:spTree>
     <p:extLst>
       <p:ext uri="{BB962C8B-B14F-4D97-AF65-F5344CB8AC3E}">
-        <p14:creationId xmlns:p14="http://schemas.microsoft.com/office/powerpoint/2010/main" val="954800952"/>
+        <p14:creationId xmlns:p14="http://schemas.microsoft.com/office/powerpoint/2010/main" val="2195862484"/>
       </p:ext>
     </p:extLst>
   </p:cSld>
@@ -5868,19 +6029,11 @@
           <a:p>
             <a:r>
               <a:rPr lang="de-AT" dirty="0"/>
-              <a:t>Content </a:t>
-            </a:r>
-            <a:r>
-              <a:rPr lang="de-AT" dirty="0" err="1"/>
-              <a:t>and</a:t>
-            </a:r>
-            <a:r>
-              <a:rPr lang="de-AT" dirty="0"/>
-              <a:t> </a:t>
-            </a:r>
-            <a:r>
-              <a:rPr lang="de-AT" dirty="0" smtClean="0"/>
-              <a:t>Views</a:t>
+              <a:t>HL Data </a:t>
+            </a:r>
+            <a:r>
+              <a:rPr lang="de-AT" dirty="0" err="1" smtClean="0"/>
+              <a:t>Types</a:t>
             </a:r>
             <a:endParaRPr lang="de-AT" dirty="0"/>
           </a:p>
@@ -5899,85 +6052,114 @@
         <p:spPr/>
         <p:txBody>
           <a:bodyPr>
-            <a:normAutofit fontScale="85000" lnSpcReduction="10000"/>
+            <a:normAutofit fontScale="92500" lnSpcReduction="10000"/>
           </a:bodyPr>
           <a:lstStyle/>
           <a:p>
             <a:r>
               <a:rPr lang="en-US" dirty="0" smtClean="0"/>
-              <a:t>HL provides views for all data types, collections and much more (including input validation and updates)</a:t>
-            </a:r>
-          </a:p>
-          <a:p>
+              <a:t>Located in </a:t>
+            </a:r>
+            <a:r>
+              <a:rPr lang="en-US" dirty="0" err="1" smtClean="0"/>
+              <a:t>HeuristicLab.Data</a:t>
+            </a:r>
             <a:r>
               <a:rPr lang="en-US" dirty="0" smtClean="0"/>
-              <a:t>Views display (and manipulate) Content</a:t>
-            </a:r>
-          </a:p>
-          <a:p>
+              <a:t> (and corresponding views in </a:t>
+            </a:r>
+            <a:r>
+              <a:rPr lang="en-US" dirty="0" err="1" smtClean="0"/>
+              <a:t>Data.Views</a:t>
+            </a:r>
             <a:r>
               <a:rPr lang="en-US" dirty="0" smtClean="0"/>
-              <a:t>Use [Content] attribute to define the type of Content a view can display</a:t>
+              <a:t>)</a:t>
+            </a:r>
+          </a:p>
+          <a:p>
+            <a:r>
+              <a:rPr lang="en-US" dirty="0" smtClean="0"/>
+              <a:t>Wrap standard .NET data types and provide functionality necessary for UIs:</a:t>
+            </a:r>
+          </a:p>
+          <a:p>
+            <a:pPr lvl="1"/>
+            <a:r>
+              <a:rPr lang="en-US" dirty="0" err="1" smtClean="0"/>
+              <a:t>ValueChanged</a:t>
+            </a:r>
+            <a:r>
+              <a:rPr lang="en-US" dirty="0" smtClean="0"/>
+              <a:t> Event</a:t>
+            </a:r>
+          </a:p>
+          <a:p>
+            <a:pPr lvl="1"/>
+            <a:r>
+              <a:rPr lang="en-US" dirty="0" smtClean="0"/>
+              <a:t>Parsing of strings</a:t>
+            </a:r>
+          </a:p>
+          <a:p>
+            <a:pPr lvl="1"/>
+            <a:r>
+              <a:rPr lang="en-US" dirty="0" smtClean="0"/>
+              <a:t>Validation</a:t>
+            </a:r>
+          </a:p>
+          <a:p>
+            <a:r>
+              <a:rPr lang="en-US" dirty="0" err="1" smtClean="0"/>
+              <a:t>DataTypes</a:t>
+            </a:r>
+            <a:r>
+              <a:rPr lang="en-US" dirty="0" smtClean="0"/>
+              <a:t> include</a:t>
+            </a:r>
+          </a:p>
+          <a:p>
+            <a:pPr lvl="1"/>
+            <a:r>
+              <a:rPr lang="en-US" dirty="0" err="1" smtClean="0"/>
+              <a:t>IntValue</a:t>
+            </a:r>
+            <a:r>
+              <a:rPr lang="en-US" dirty="0" smtClean="0"/>
+              <a:t>, </a:t>
+            </a:r>
+            <a:r>
+              <a:rPr lang="en-US" dirty="0" err="1" smtClean="0"/>
+              <a:t>DoubleValue</a:t>
+            </a:r>
+            <a:r>
+              <a:rPr lang="en-US" dirty="0" smtClean="0"/>
+              <a:t>, </a:t>
+            </a:r>
+            <a:r>
+              <a:rPr lang="en-US" dirty="0" err="1" smtClean="0"/>
+              <a:t>PercentValue</a:t>
+            </a:r>
+            <a:r>
+              <a:rPr lang="en-US" dirty="0" smtClean="0"/>
+              <a:t>, </a:t>
+            </a:r>
+            <a:r>
+              <a:rPr lang="en-US" dirty="0" err="1" smtClean="0"/>
+              <a:t>StringValue</a:t>
+            </a:r>
+            <a:r>
+              <a:rPr lang="en-US" dirty="0" smtClean="0"/>
+              <a:t>,…</a:t>
+            </a:r>
+          </a:p>
+          <a:p>
+            <a:pPr lvl="1"/>
+            <a:r>
+              <a:rPr lang="en-US" dirty="0" smtClean="0"/>
+              <a:t>Ranges, Arrays, Matrices</a:t>
             </a:r>
             <a:endParaRPr lang="en-US" dirty="0"/>
-          </a:p>
-          <a:p>
-            <a:r>
-              <a:rPr lang="en-US" dirty="0" smtClean="0"/>
-              <a:t>Inherit </a:t>
-            </a:r>
-            <a:r>
-              <a:rPr lang="en-US" dirty="0" err="1" smtClean="0"/>
-              <a:t>UserControl</a:t>
-            </a:r>
-            <a:r>
-              <a:rPr lang="en-US" dirty="0" smtClean="0"/>
-              <a:t> from </a:t>
-            </a:r>
-            <a:r>
-              <a:rPr lang="en-US" dirty="0" err="1" smtClean="0"/>
-              <a:t>AsynchronousContentView</a:t>
-            </a:r>
-            <a:r>
-              <a:rPr lang="en-US" dirty="0" smtClean="0"/>
-              <a:t> or </a:t>
-            </a:r>
-            <a:r>
-              <a:rPr lang="en-US" dirty="0" err="1" smtClean="0"/>
-              <a:t>ItemView</a:t>
-            </a:r>
-            <a:endParaRPr lang="en-US" dirty="0" smtClean="0"/>
-          </a:p>
-          <a:p>
-            <a:r>
-              <a:rPr lang="en-US" dirty="0" smtClean="0"/>
-              <a:t>Content is set by HeuristicLab or manually</a:t>
-            </a:r>
-          </a:p>
-          <a:p>
-            <a:r>
-              <a:rPr lang="en-US" dirty="0" smtClean="0"/>
-              <a:t>React on events (e.g. </a:t>
-            </a:r>
-            <a:r>
-              <a:rPr lang="en-US" dirty="0" err="1" smtClean="0"/>
-              <a:t>OnContentChanged</a:t>
-            </a:r>
-            <a:r>
-              <a:rPr lang="en-US" dirty="0" smtClean="0"/>
-              <a:t>, (De)</a:t>
-            </a:r>
-            <a:r>
-              <a:rPr lang="en-US" dirty="0" err="1" smtClean="0"/>
-              <a:t>RegisterContentEvents</a:t>
-            </a:r>
-            <a:r>
-              <a:rPr lang="en-US" dirty="0" smtClean="0"/>
-              <a:t>, …)</a:t>
-            </a:r>
-          </a:p>
-          <a:p>
-            <a:endParaRPr lang="de-AT" dirty="0"/>
           </a:p>
         </p:txBody>
       </p:sp>
@@ -6057,7 +6239,7 @@
     </p:spTree>
     <p:extLst>
       <p:ext uri="{BB962C8B-B14F-4D97-AF65-F5344CB8AC3E}">
-        <p14:creationId xmlns:p14="http://schemas.microsoft.com/office/powerpoint/2010/main" val="401323083"/>
+        <p14:creationId xmlns:p14="http://schemas.microsoft.com/office/powerpoint/2010/main" val="3628336749"/>
       </p:ext>
     </p:extLst>
   </p:cSld>
@@ -6107,17 +6289,69 @@
           <a:lstStyle/>
           <a:p>
             <a:r>
-              <a:rPr lang="de-AT" dirty="0"/>
-              <a:t>Content </a:t>
-            </a:r>
-            <a:r>
-              <a:rPr lang="de-AT" dirty="0" err="1"/>
-              <a:t>and</a:t>
-            </a:r>
-            <a:r>
-              <a:rPr lang="de-AT" dirty="0"/>
-              <a:t> Views</a:t>
-            </a:r>
+              <a:rPr lang="de-AT" dirty="0" err="1" smtClean="0"/>
+              <a:t>Collections</a:t>
+            </a:r>
+            <a:endParaRPr lang="de-AT" dirty="0"/>
+          </a:p>
+        </p:txBody>
+      </p:sp>
+      <p:sp>
+        <p:nvSpPr>
+          <p:cNvPr id="3" name="Inhaltsplatzhalter 2"/>
+          <p:cNvSpPr>
+            <a:spLocks noGrp="1"/>
+          </p:cNvSpPr>
+          <p:nvPr>
+            <p:ph idx="1"/>
+          </p:nvPr>
+        </p:nvSpPr>
+        <p:spPr/>
+        <p:txBody>
+          <a:bodyPr/>
+          <a:lstStyle/>
+          <a:p>
+            <a:r>
+              <a:rPr lang="en-US" dirty="0" smtClean="0"/>
+              <a:t>Located in </a:t>
+            </a:r>
+            <a:r>
+              <a:rPr lang="en-US" dirty="0" err="1" smtClean="0"/>
+              <a:t>HeuristicLab.Collections</a:t>
+            </a:r>
+            <a:r>
+              <a:rPr lang="en-US" dirty="0" smtClean="0"/>
+              <a:t>/Core (and </a:t>
+            </a:r>
+            <a:r>
+              <a:rPr lang="en-US" dirty="0" err="1" smtClean="0"/>
+              <a:t>Core.Views</a:t>
+            </a:r>
+            <a:r>
+              <a:rPr lang="en-US" dirty="0" smtClean="0"/>
+              <a:t> for the corresponding views)</a:t>
+            </a:r>
+          </a:p>
+          <a:p>
+            <a:r>
+              <a:rPr lang="en-US" dirty="0" smtClean="0"/>
+              <a:t>Same as with data types, provide UI friendly wrappers for .NET collections (e.g. additional events)</a:t>
+            </a:r>
+          </a:p>
+          <a:p>
+            <a:r>
+              <a:rPr lang="en-US" dirty="0" smtClean="0"/>
+              <a:t>There are Lists, Arrays, Sets, Dictionaries and read-only collections</a:t>
+            </a:r>
+          </a:p>
+          <a:p>
+            <a:r>
+              <a:rPr lang="en-US" dirty="0" smtClean="0"/>
+              <a:t>Most are designed for Items</a:t>
+            </a:r>
+          </a:p>
+          <a:p>
+            <a:endParaRPr lang="de-AT" dirty="0"/>
           </a:p>
         </p:txBody>
       </p:sp>
@@ -6194,361 +6428,10 @@
           </a:p>
         </p:txBody>
       </p:sp>
-      <p:pic>
-        <p:nvPicPr>
-          <p:cNvPr id="7" name="Grafik 6"/>
-          <p:cNvPicPr>
-            <a:picLocks noChangeAspect="1"/>
-          </p:cNvPicPr>
-          <p:nvPr/>
-        </p:nvPicPr>
-        <p:blipFill>
-          <a:blip r:embed="rId2"/>
-          <a:stretch>
-            <a:fillRect/>
-          </a:stretch>
-        </p:blipFill>
-        <p:spPr>
-          <a:xfrm>
-            <a:off x="695972" y="1195387"/>
-            <a:ext cx="6877616" cy="5160963"/>
-          </a:xfrm>
-          <a:prstGeom prst="rect">
-            <a:avLst/>
-          </a:prstGeom>
-        </p:spPr>
-      </p:pic>
-      <p:sp>
-        <p:nvSpPr>
-          <p:cNvPr id="8" name="Rechteck 7"/>
-          <p:cNvSpPr/>
-          <p:nvPr/>
-        </p:nvSpPr>
-        <p:spPr>
-          <a:xfrm>
-            <a:off x="683432" y="1404084"/>
-            <a:ext cx="2440768" cy="368732"/>
-          </a:xfrm>
-          <a:prstGeom prst="rect">
-            <a:avLst/>
-          </a:prstGeom>
-          <a:noFill/>
-          <a:ln>
-            <a:solidFill>
-              <a:srgbClr val="FF0000"/>
-            </a:solidFill>
-          </a:ln>
-        </p:spPr>
-        <p:style>
-          <a:lnRef idx="2">
-            <a:schemeClr val="accent1">
-              <a:shade val="50000"/>
-            </a:schemeClr>
-          </a:lnRef>
-          <a:fillRef idx="1">
-            <a:schemeClr val="accent1"/>
-          </a:fillRef>
-          <a:effectRef idx="0">
-            <a:schemeClr val="accent1"/>
-          </a:effectRef>
-          <a:fontRef idx="minor">
-            <a:schemeClr val="lt1"/>
-          </a:fontRef>
-        </p:style>
-        <p:txBody>
-          <a:bodyPr rtlCol="0" anchor="ctr"/>
-          <a:lstStyle/>
-          <a:p>
-            <a:pPr algn="ctr"/>
-            <a:endParaRPr lang="de-AT"/>
-          </a:p>
-        </p:txBody>
-      </p:sp>
-      <p:sp>
-        <p:nvSpPr>
-          <p:cNvPr id="3" name="Legende mit Linie 2 2"/>
-          <p:cNvSpPr/>
-          <p:nvPr/>
-        </p:nvSpPr>
-        <p:spPr>
-          <a:xfrm>
-            <a:off x="5106963" y="1417638"/>
-            <a:ext cx="2736304" cy="720080"/>
-          </a:xfrm>
-          <a:prstGeom prst="borderCallout2">
-            <a:avLst>
-              <a:gd name="adj1" fmla="val 18750"/>
-              <a:gd name="adj2" fmla="val -8333"/>
-              <a:gd name="adj3" fmla="val 18750"/>
-              <a:gd name="adj4" fmla="val -16667"/>
-              <a:gd name="adj5" fmla="val 10252"/>
-              <a:gd name="adj6" fmla="val -72272"/>
-            </a:avLst>
-          </a:prstGeom>
-        </p:spPr>
-        <p:style>
-          <a:lnRef idx="2">
-            <a:schemeClr val="accent1">
-              <a:shade val="50000"/>
-            </a:schemeClr>
-          </a:lnRef>
-          <a:fillRef idx="1">
-            <a:schemeClr val="accent1"/>
-          </a:fillRef>
-          <a:effectRef idx="0">
-            <a:schemeClr val="accent1"/>
-          </a:effectRef>
-          <a:fontRef idx="minor">
-            <a:schemeClr val="lt1"/>
-          </a:fontRef>
-        </p:style>
-        <p:txBody>
-          <a:bodyPr rtlCol="0" anchor="ctr"/>
-          <a:lstStyle/>
-          <a:p>
-            <a:pPr algn="ctr"/>
-            <a:r>
-              <a:rPr lang="en-US" dirty="0" smtClean="0"/>
-              <a:t>Defines what Content can be displayed with this view</a:t>
-            </a:r>
-            <a:endParaRPr lang="en-US" dirty="0"/>
-          </a:p>
-        </p:txBody>
-      </p:sp>
-      <p:sp>
-        <p:nvSpPr>
-          <p:cNvPr id="9" name="Rechteck 8"/>
-          <p:cNvSpPr/>
-          <p:nvPr/>
-        </p:nvSpPr>
-        <p:spPr>
-          <a:xfrm>
-            <a:off x="3034744" y="1783639"/>
-            <a:ext cx="709100" cy="133193"/>
-          </a:xfrm>
-          <a:prstGeom prst="rect">
-            <a:avLst/>
-          </a:prstGeom>
-          <a:noFill/>
-          <a:ln>
-            <a:solidFill>
-              <a:srgbClr val="FF0000"/>
-            </a:solidFill>
-          </a:ln>
-        </p:spPr>
-        <p:style>
-          <a:lnRef idx="2">
-            <a:schemeClr val="accent1">
-              <a:shade val="50000"/>
-            </a:schemeClr>
-          </a:lnRef>
-          <a:fillRef idx="1">
-            <a:schemeClr val="accent1"/>
-          </a:fillRef>
-          <a:effectRef idx="0">
-            <a:schemeClr val="accent1"/>
-          </a:effectRef>
-          <a:fontRef idx="minor">
-            <a:schemeClr val="lt1"/>
-          </a:fontRef>
-        </p:style>
-        <p:txBody>
-          <a:bodyPr rtlCol="0" anchor="ctr"/>
-          <a:lstStyle/>
-          <a:p>
-            <a:pPr algn="ctr"/>
-            <a:endParaRPr lang="de-AT"/>
-          </a:p>
-        </p:txBody>
-      </p:sp>
-      <p:sp>
-        <p:nvSpPr>
-          <p:cNvPr id="10" name="Rechteck 9"/>
-          <p:cNvSpPr/>
-          <p:nvPr/>
-        </p:nvSpPr>
-        <p:spPr>
-          <a:xfrm>
-            <a:off x="803920" y="1916832"/>
-            <a:ext cx="2831976" cy="565571"/>
-          </a:xfrm>
-          <a:prstGeom prst="rect">
-            <a:avLst/>
-          </a:prstGeom>
-          <a:noFill/>
-          <a:ln>
-            <a:solidFill>
-              <a:srgbClr val="FF0000"/>
-            </a:solidFill>
-          </a:ln>
-        </p:spPr>
-        <p:style>
-          <a:lnRef idx="2">
-            <a:schemeClr val="accent1">
-              <a:shade val="50000"/>
-            </a:schemeClr>
-          </a:lnRef>
-          <a:fillRef idx="1">
-            <a:schemeClr val="accent1"/>
-          </a:fillRef>
-          <a:effectRef idx="0">
-            <a:schemeClr val="accent1"/>
-          </a:effectRef>
-          <a:fontRef idx="minor">
-            <a:schemeClr val="lt1"/>
-          </a:fontRef>
-        </p:style>
-        <p:txBody>
-          <a:bodyPr rtlCol="0" anchor="ctr"/>
-          <a:lstStyle/>
-          <a:p>
-            <a:pPr algn="ctr"/>
-            <a:endParaRPr lang="de-AT"/>
-          </a:p>
-        </p:txBody>
-      </p:sp>
-      <p:sp>
-        <p:nvSpPr>
-          <p:cNvPr id="11" name="Rechteck 10"/>
-          <p:cNvSpPr/>
-          <p:nvPr/>
-        </p:nvSpPr>
-        <p:spPr>
-          <a:xfrm>
-            <a:off x="2654058" y="2626419"/>
-            <a:ext cx="2061957" cy="208548"/>
-          </a:xfrm>
-          <a:prstGeom prst="rect">
-            <a:avLst/>
-          </a:prstGeom>
-          <a:noFill/>
-          <a:ln>
-            <a:solidFill>
-              <a:srgbClr val="FF0000"/>
-            </a:solidFill>
-          </a:ln>
-        </p:spPr>
-        <p:style>
-          <a:lnRef idx="2">
-            <a:schemeClr val="accent1">
-              <a:shade val="50000"/>
-            </a:schemeClr>
-          </a:lnRef>
-          <a:fillRef idx="1">
-            <a:schemeClr val="accent1"/>
-          </a:fillRef>
-          <a:effectRef idx="0">
-            <a:schemeClr val="accent1"/>
-          </a:effectRef>
-          <a:fontRef idx="minor">
-            <a:schemeClr val="lt1"/>
-          </a:fontRef>
-        </p:style>
-        <p:txBody>
-          <a:bodyPr rtlCol="0" anchor="ctr"/>
-          <a:lstStyle/>
-          <a:p>
-            <a:pPr algn="ctr"/>
-            <a:endParaRPr lang="de-AT"/>
-          </a:p>
-        </p:txBody>
-      </p:sp>
-      <p:sp>
-        <p:nvSpPr>
-          <p:cNvPr id="12" name="Rechteck 11"/>
-          <p:cNvSpPr/>
-          <p:nvPr/>
-        </p:nvSpPr>
-        <p:spPr>
-          <a:xfrm>
-            <a:off x="2694712" y="3508334"/>
-            <a:ext cx="1877288" cy="208698"/>
-          </a:xfrm>
-          <a:prstGeom prst="rect">
-            <a:avLst/>
-          </a:prstGeom>
-          <a:noFill/>
-          <a:ln>
-            <a:solidFill>
-              <a:srgbClr val="FF0000"/>
-            </a:solidFill>
-          </a:ln>
-        </p:spPr>
-        <p:style>
-          <a:lnRef idx="2">
-            <a:schemeClr val="accent1">
-              <a:shade val="50000"/>
-            </a:schemeClr>
-          </a:lnRef>
-          <a:fillRef idx="1">
-            <a:schemeClr val="accent1"/>
-          </a:fillRef>
-          <a:effectRef idx="0">
-            <a:schemeClr val="accent1"/>
-          </a:effectRef>
-          <a:fontRef idx="minor">
-            <a:schemeClr val="lt1"/>
-          </a:fontRef>
-        </p:style>
-        <p:txBody>
-          <a:bodyPr rtlCol="0" anchor="ctr"/>
-          <a:lstStyle/>
-          <a:p>
-            <a:pPr algn="ctr"/>
-            <a:endParaRPr lang="de-AT"/>
-          </a:p>
-        </p:txBody>
-      </p:sp>
-      <p:sp>
-        <p:nvSpPr>
-          <p:cNvPr id="13" name="Rechteck 12"/>
-          <p:cNvSpPr/>
-          <p:nvPr/>
-        </p:nvSpPr>
-        <p:spPr>
-          <a:xfrm>
-            <a:off x="2702046" y="4390399"/>
-            <a:ext cx="1440160" cy="204746"/>
-          </a:xfrm>
-          <a:prstGeom prst="rect">
-            <a:avLst/>
-          </a:prstGeom>
-          <a:noFill/>
-          <a:ln>
-            <a:solidFill>
-              <a:srgbClr val="FF0000"/>
-            </a:solidFill>
-          </a:ln>
-        </p:spPr>
-        <p:style>
-          <a:lnRef idx="2">
-            <a:schemeClr val="accent1">
-              <a:shade val="50000"/>
-            </a:schemeClr>
-          </a:lnRef>
-          <a:fillRef idx="1">
-            <a:schemeClr val="accent1"/>
-          </a:fillRef>
-          <a:effectRef idx="0">
-            <a:schemeClr val="accent1"/>
-          </a:effectRef>
-          <a:fontRef idx="minor">
-            <a:schemeClr val="lt1"/>
-          </a:fontRef>
-        </p:style>
-        <p:txBody>
-          <a:bodyPr rtlCol="0" anchor="ctr"/>
-          <a:lstStyle/>
-          <a:p>
-            <a:pPr algn="ctr"/>
-            <a:endParaRPr lang="de-AT"/>
-          </a:p>
-        </p:txBody>
-      </p:sp>
     </p:spTree>
     <p:extLst>
       <p:ext uri="{BB962C8B-B14F-4D97-AF65-F5344CB8AC3E}">
-        <p14:creationId xmlns:p14="http://schemas.microsoft.com/office/powerpoint/2010/main" val="2975546834"/>
+        <p14:creationId xmlns:p14="http://schemas.microsoft.com/office/powerpoint/2010/main" val="954800952"/>
       </p:ext>
     </p:extLst>
   </p:cSld>
@@ -6594,129 +6477,123 @@
         </p:nvSpPr>
         <p:spPr/>
         <p:txBody>
-          <a:bodyPr/>
+          <a:bodyPr>
+            <a:normAutofit/>
+          </a:bodyPr>
+          <a:lstStyle/>
+          <a:p>
+            <a:r>
+              <a:rPr lang="de-AT" dirty="0"/>
+              <a:t>Content </a:t>
+            </a:r>
+            <a:r>
+              <a:rPr lang="de-AT" dirty="0" err="1"/>
+              <a:t>and</a:t>
+            </a:r>
+            <a:r>
+              <a:rPr lang="de-AT" dirty="0"/>
+              <a:t> </a:t>
+            </a:r>
+            <a:r>
+              <a:rPr lang="de-AT" dirty="0" smtClean="0"/>
+              <a:t>Views</a:t>
+            </a:r>
+            <a:endParaRPr lang="de-AT" dirty="0"/>
+          </a:p>
+        </p:txBody>
+      </p:sp>
+      <p:sp>
+        <p:nvSpPr>
+          <p:cNvPr id="3" name="Inhaltsplatzhalter 2"/>
+          <p:cNvSpPr>
+            <a:spLocks noGrp="1"/>
+          </p:cNvSpPr>
+          <p:nvPr>
+            <p:ph idx="1"/>
+          </p:nvPr>
+        </p:nvSpPr>
+        <p:spPr/>
+        <p:txBody>
+          <a:bodyPr>
+            <a:normAutofit fontScale="85000" lnSpcReduction="10000"/>
+          </a:bodyPr>
           <a:lstStyle/>
           <a:p>
             <a:r>
               <a:rPr lang="en-US" dirty="0" smtClean="0"/>
-              <a:t>Displaying Content</a:t>
+              <a:t>HL provides views for all data types, collections and much more (including input validation and updates)</a:t>
+            </a:r>
+          </a:p>
+          <a:p>
+            <a:r>
+              <a:rPr lang="en-US" dirty="0" smtClean="0"/>
+              <a:t>Views display (and manipulate) Content</a:t>
+            </a:r>
+          </a:p>
+          <a:p>
+            <a:r>
+              <a:rPr lang="en-US" dirty="0" smtClean="0"/>
+              <a:t>Use [Content] attribute to define the type of Content a view can display</a:t>
             </a:r>
             <a:endParaRPr lang="en-US" dirty="0"/>
           </a:p>
-        </p:txBody>
-      </p:sp>
-      <p:sp>
-        <p:nvSpPr>
-          <p:cNvPr id="3" name="Inhaltsplatzhalter 2"/>
-          <p:cNvSpPr>
-            <a:spLocks noGrp="1"/>
-          </p:cNvSpPr>
-          <p:nvPr>
-            <p:ph idx="1"/>
-          </p:nvPr>
-        </p:nvSpPr>
-        <p:spPr/>
-        <p:txBody>
-          <a:bodyPr>
-            <a:normAutofit fontScale="92500" lnSpcReduction="10000"/>
-          </a:bodyPr>
-          <a:lstStyle/>
           <a:p>
             <a:r>
               <a:rPr lang="en-US" dirty="0" smtClean="0"/>
-              <a:t>Manually:</a:t>
-            </a:r>
-          </a:p>
-          <a:p>
-            <a:pPr lvl="1"/>
+              <a:t>Inherit </a:t>
+            </a:r>
+            <a:r>
+              <a:rPr lang="en-US" dirty="0" err="1" smtClean="0"/>
+              <a:t>UserControl</a:t>
+            </a:r>
             <a:r>
               <a:rPr lang="en-US" dirty="0" smtClean="0"/>
-              <a:t>Log </a:t>
+              <a:t> from </a:t>
             </a:r>
             <a:r>
               <a:rPr lang="en-US" dirty="0" err="1" smtClean="0"/>
-              <a:t>log</a:t>
+              <a:t>AsynchronousContentView</a:t>
             </a:r>
             <a:r>
               <a:rPr lang="en-US" dirty="0" smtClean="0"/>
-              <a:t> = new Log();</a:t>
-            </a:r>
-          </a:p>
-          <a:p>
-            <a:pPr lvl="1"/>
+              <a:t> or </a:t>
+            </a:r>
             <a:r>
               <a:rPr lang="en-US" dirty="0" err="1" smtClean="0"/>
-              <a:t>LogView</a:t>
-            </a:r>
+              <a:t>ItemView</a:t>
+            </a:r>
+            <a:endParaRPr lang="en-US" dirty="0" smtClean="0"/>
+          </a:p>
+          <a:p>
             <a:r>
               <a:rPr lang="en-US" dirty="0" smtClean="0"/>
-              <a:t> </a:t>
+              <a:t>Content is set by HeuristicLab or manually</a:t>
+            </a:r>
+          </a:p>
+          <a:p>
+            <a:r>
+              <a:rPr lang="en-US" dirty="0" smtClean="0"/>
+              <a:t>React on events (e.g. </a:t>
             </a:r>
             <a:r>
               <a:rPr lang="en-US" dirty="0" err="1" smtClean="0"/>
-              <a:t>logview</a:t>
+              <a:t>OnContentChanged</a:t>
             </a:r>
             <a:r>
               <a:rPr lang="en-US" dirty="0" smtClean="0"/>
-              <a:t> = new </a:t>
+              <a:t>, (De)</a:t>
             </a:r>
             <a:r>
               <a:rPr lang="en-US" dirty="0" err="1" smtClean="0"/>
-              <a:t>LogView</a:t>
+              <a:t>RegisterContentEvents</a:t>
             </a:r>
             <a:r>
               <a:rPr lang="en-US" dirty="0" smtClean="0"/>
-              <a:t>();</a:t>
-            </a:r>
-          </a:p>
-          <a:p>
-            <a:pPr lvl="1"/>
-            <a:r>
-              <a:rPr lang="en-US" dirty="0" err="1" smtClean="0"/>
-              <a:t>logview.Content</a:t>
-            </a:r>
-            <a:r>
-              <a:rPr lang="en-US" dirty="0" smtClean="0"/>
-              <a:t> = log;</a:t>
-            </a:r>
-          </a:p>
-          <a:p>
-            <a:endParaRPr lang="en-US" dirty="0" smtClean="0"/>
-          </a:p>
-          <a:p>
-            <a:r>
-              <a:rPr lang="en-US" dirty="0" smtClean="0"/>
-              <a:t>In an own tab using discovery:</a:t>
-            </a:r>
-          </a:p>
-          <a:p>
-            <a:pPr lvl="1"/>
-            <a:r>
-              <a:rPr lang="en-US" dirty="0" err="1" smtClean="0"/>
-              <a:t>MainFormManager.MainForm.ShowContent</a:t>
-            </a:r>
-            <a:r>
-              <a:rPr lang="en-US" dirty="0" smtClean="0"/>
-              <a:t>(log);</a:t>
-            </a:r>
-          </a:p>
-          <a:p>
-            <a:endParaRPr lang="en-US" dirty="0" smtClean="0"/>
-          </a:p>
-          <a:p>
-            <a:r>
-              <a:rPr lang="en-US" dirty="0" smtClean="0"/>
-              <a:t>Using a </a:t>
-            </a:r>
-            <a:r>
-              <a:rPr lang="en-US" dirty="0" err="1" smtClean="0"/>
-              <a:t>ViewHost</a:t>
-            </a:r>
-            <a:r>
-              <a:rPr lang="en-US" dirty="0" smtClean="0"/>
-              <a:t> </a:t>
-            </a:r>
-            <a:endParaRPr lang="en-US" dirty="0"/>
+              <a:t>, …)</a:t>
+            </a:r>
+          </a:p>
+          <a:p>
+            <a:endParaRPr lang="de-AT" dirty="0"/>
           </a:p>
         </p:txBody>
       </p:sp>
@@ -6736,10 +6613,13 @@
           <a:lstStyle/>
           <a:p>
             <a:r>
-              <a:rPr lang="de-DE" smtClean="0"/>
-              <a:t>Programming HeuristicLab</a:t>
-            </a:r>
-            <a:endParaRPr lang="de-DE" dirty="0"/>
+              <a:rPr lang="de-DE" dirty="0" err="1"/>
+              <a:t>Programming</a:t>
+            </a:r>
+            <a:r>
+              <a:rPr lang="de-DE" dirty="0"/>
+              <a:t> HeuristicLab</a:t>
+            </a:r>
           </a:p>
         </p:txBody>
       </p:sp>
@@ -6793,13 +6673,20 @@
     </p:spTree>
     <p:extLst>
       <p:ext uri="{BB962C8B-B14F-4D97-AF65-F5344CB8AC3E}">
-        <p14:creationId xmlns:p14="http://schemas.microsoft.com/office/powerpoint/2010/main" val="2267558220"/>
+        <p14:creationId xmlns:p14="http://schemas.microsoft.com/office/powerpoint/2010/main" val="401323083"/>
       </p:ext>
     </p:extLst>
   </p:cSld>
   <p:clrMapOvr>
     <a:masterClrMapping/>
   </p:clrMapOvr>
+  <p:timing>
+    <p:tnLst>
+      <p:par>
+        <p:cTn id="1" dur="indefinite" restart="never" nodeType="tmRoot"/>
+      </p:par>
+    </p:tnLst>
+  </p:timing>
 </p:sld>
 </file>
 
@@ -6836,69 +6723,17 @@
           <a:lstStyle/>
           <a:p>
             <a:r>
-              <a:rPr lang="de-AT" dirty="0" err="1" smtClean="0"/>
-              <a:t>ViewHost</a:t>
-            </a:r>
-            <a:endParaRPr lang="de-AT" dirty="0"/>
-          </a:p>
-        </p:txBody>
-      </p:sp>
-      <p:sp>
-        <p:nvSpPr>
-          <p:cNvPr id="3" name="Inhaltsplatzhalter 2"/>
-          <p:cNvSpPr>
-            <a:spLocks noGrp="1"/>
-          </p:cNvSpPr>
-          <p:nvPr>
-            <p:ph idx="1"/>
-          </p:nvPr>
-        </p:nvSpPr>
-        <p:spPr/>
-        <p:txBody>
-          <a:bodyPr>
-            <a:normAutofit fontScale="92500"/>
-          </a:bodyPr>
-          <a:lstStyle/>
-          <a:p>
-            <a:r>
-              <a:rPr lang="en-US" dirty="0" err="1" smtClean="0"/>
-              <a:t>ViewHost</a:t>
-            </a:r>
-            <a:r>
-              <a:rPr lang="en-US" dirty="0" smtClean="0"/>
-              <a:t> is a special </a:t>
-            </a:r>
-            <a:r>
-              <a:rPr lang="en-US" dirty="0" err="1" smtClean="0"/>
-              <a:t>ContentView</a:t>
-            </a:r>
-            <a:r>
-              <a:rPr lang="en-US" dirty="0" smtClean="0"/>
-              <a:t> that changes it‘s appearance based on the type of Content</a:t>
-            </a:r>
-          </a:p>
-          <a:p>
-            <a:r>
-              <a:rPr lang="en-US" dirty="0" smtClean="0"/>
-              <a:t>[Content] attribute marks a view for a certain content type</a:t>
-            </a:r>
-          </a:p>
-          <a:p>
-            <a:r>
-              <a:rPr lang="en-US" dirty="0" err="1" smtClean="0"/>
-              <a:t>ViewHost</a:t>
-            </a:r>
-            <a:r>
-              <a:rPr lang="en-US" dirty="0" smtClean="0"/>
-              <a:t> looks up the view based on the Content type and uses it to display the Content</a:t>
-            </a:r>
-          </a:p>
-          <a:p>
-            <a:r>
-              <a:rPr lang="en-US" dirty="0" smtClean="0"/>
-              <a:t>Useful for views that can contain different Content types or collection views</a:t>
-            </a:r>
-            <a:endParaRPr lang="en-US" dirty="0"/>
+              <a:rPr lang="de-AT" dirty="0"/>
+              <a:t>Content </a:t>
+            </a:r>
+            <a:r>
+              <a:rPr lang="de-AT" dirty="0" err="1"/>
+              <a:t>and</a:t>
+            </a:r>
+            <a:r>
+              <a:rPr lang="de-AT" dirty="0"/>
+              <a:t> Views</a:t>
+            </a:r>
           </a:p>
         </p:txBody>
       </p:sp>
@@ -6975,10 +6810,361 @@
           </a:p>
         </p:txBody>
       </p:sp>
+      <p:pic>
+        <p:nvPicPr>
+          <p:cNvPr id="7" name="Grafik 6"/>
+          <p:cNvPicPr>
+            <a:picLocks noChangeAspect="1"/>
+          </p:cNvPicPr>
+          <p:nvPr/>
+        </p:nvPicPr>
+        <p:blipFill>
+          <a:blip r:embed="rId2"/>
+          <a:stretch>
+            <a:fillRect/>
+          </a:stretch>
+        </p:blipFill>
+        <p:spPr>
+          <a:xfrm>
+            <a:off x="695972" y="1195387"/>
+            <a:ext cx="6877616" cy="5160963"/>
+          </a:xfrm>
+          <a:prstGeom prst="rect">
+            <a:avLst/>
+          </a:prstGeom>
+        </p:spPr>
+      </p:pic>
+      <p:sp>
+        <p:nvSpPr>
+          <p:cNvPr id="8" name="Rechteck 7"/>
+          <p:cNvSpPr/>
+          <p:nvPr/>
+        </p:nvSpPr>
+        <p:spPr>
+          <a:xfrm>
+            <a:off x="683432" y="1404084"/>
+            <a:ext cx="2440768" cy="368732"/>
+          </a:xfrm>
+          <a:prstGeom prst="rect">
+            <a:avLst/>
+          </a:prstGeom>
+          <a:noFill/>
+          <a:ln>
+            <a:solidFill>
+              <a:srgbClr val="FF0000"/>
+            </a:solidFill>
+          </a:ln>
+        </p:spPr>
+        <p:style>
+          <a:lnRef idx="2">
+            <a:schemeClr val="accent1">
+              <a:shade val="50000"/>
+            </a:schemeClr>
+          </a:lnRef>
+          <a:fillRef idx="1">
+            <a:schemeClr val="accent1"/>
+          </a:fillRef>
+          <a:effectRef idx="0">
+            <a:schemeClr val="accent1"/>
+          </a:effectRef>
+          <a:fontRef idx="minor">
+            <a:schemeClr val="lt1"/>
+          </a:fontRef>
+        </p:style>
+        <p:txBody>
+          <a:bodyPr rtlCol="0" anchor="ctr"/>
+          <a:lstStyle/>
+          <a:p>
+            <a:pPr algn="ctr"/>
+            <a:endParaRPr lang="de-AT"/>
+          </a:p>
+        </p:txBody>
+      </p:sp>
+      <p:sp>
+        <p:nvSpPr>
+          <p:cNvPr id="3" name="Legende mit Linie 2 2"/>
+          <p:cNvSpPr/>
+          <p:nvPr/>
+        </p:nvSpPr>
+        <p:spPr>
+          <a:xfrm>
+            <a:off x="5106963" y="1417638"/>
+            <a:ext cx="2736304" cy="720080"/>
+          </a:xfrm>
+          <a:prstGeom prst="borderCallout2">
+            <a:avLst>
+              <a:gd name="adj1" fmla="val 18750"/>
+              <a:gd name="adj2" fmla="val -8333"/>
+              <a:gd name="adj3" fmla="val 18750"/>
+              <a:gd name="adj4" fmla="val -16667"/>
+              <a:gd name="adj5" fmla="val 10252"/>
+              <a:gd name="adj6" fmla="val -72272"/>
+            </a:avLst>
+          </a:prstGeom>
+        </p:spPr>
+        <p:style>
+          <a:lnRef idx="2">
+            <a:schemeClr val="accent1">
+              <a:shade val="50000"/>
+            </a:schemeClr>
+          </a:lnRef>
+          <a:fillRef idx="1">
+            <a:schemeClr val="accent1"/>
+          </a:fillRef>
+          <a:effectRef idx="0">
+            <a:schemeClr val="accent1"/>
+          </a:effectRef>
+          <a:fontRef idx="minor">
+            <a:schemeClr val="lt1"/>
+          </a:fontRef>
+        </p:style>
+        <p:txBody>
+          <a:bodyPr rtlCol="0" anchor="ctr"/>
+          <a:lstStyle/>
+          <a:p>
+            <a:pPr algn="ctr"/>
+            <a:r>
+              <a:rPr lang="en-US" dirty="0" smtClean="0"/>
+              <a:t>Defines what Content can be displayed with this view</a:t>
+            </a:r>
+            <a:endParaRPr lang="en-US" dirty="0"/>
+          </a:p>
+        </p:txBody>
+      </p:sp>
+      <p:sp>
+        <p:nvSpPr>
+          <p:cNvPr id="9" name="Rechteck 8"/>
+          <p:cNvSpPr/>
+          <p:nvPr/>
+        </p:nvSpPr>
+        <p:spPr>
+          <a:xfrm>
+            <a:off x="3034744" y="1783639"/>
+            <a:ext cx="709100" cy="133193"/>
+          </a:xfrm>
+          <a:prstGeom prst="rect">
+            <a:avLst/>
+          </a:prstGeom>
+          <a:noFill/>
+          <a:ln>
+            <a:solidFill>
+              <a:srgbClr val="FF0000"/>
+            </a:solidFill>
+          </a:ln>
+        </p:spPr>
+        <p:style>
+          <a:lnRef idx="2">
+            <a:schemeClr val="accent1">
+              <a:shade val="50000"/>
+            </a:schemeClr>
+          </a:lnRef>
+          <a:fillRef idx="1">
+            <a:schemeClr val="accent1"/>
+          </a:fillRef>
+          <a:effectRef idx="0">
+            <a:schemeClr val="accent1"/>
+          </a:effectRef>
+          <a:fontRef idx="minor">
+            <a:schemeClr val="lt1"/>
+          </a:fontRef>
+        </p:style>
+        <p:txBody>
+          <a:bodyPr rtlCol="0" anchor="ctr"/>
+          <a:lstStyle/>
+          <a:p>
+            <a:pPr algn="ctr"/>
+            <a:endParaRPr lang="de-AT"/>
+          </a:p>
+        </p:txBody>
+      </p:sp>
+      <p:sp>
+        <p:nvSpPr>
+          <p:cNvPr id="10" name="Rechteck 9"/>
+          <p:cNvSpPr/>
+          <p:nvPr/>
+        </p:nvSpPr>
+        <p:spPr>
+          <a:xfrm>
+            <a:off x="803920" y="1916832"/>
+            <a:ext cx="2831976" cy="565571"/>
+          </a:xfrm>
+          <a:prstGeom prst="rect">
+            <a:avLst/>
+          </a:prstGeom>
+          <a:noFill/>
+          <a:ln>
+            <a:solidFill>
+              <a:srgbClr val="FF0000"/>
+            </a:solidFill>
+          </a:ln>
+        </p:spPr>
+        <p:style>
+          <a:lnRef idx="2">
+            <a:schemeClr val="accent1">
+              <a:shade val="50000"/>
+            </a:schemeClr>
+          </a:lnRef>
+          <a:fillRef idx="1">
+            <a:schemeClr val="accent1"/>
+          </a:fillRef>
+          <a:effectRef idx="0">
+            <a:schemeClr val="accent1"/>
+          </a:effectRef>
+          <a:fontRef idx="minor">
+            <a:schemeClr val="lt1"/>
+          </a:fontRef>
+        </p:style>
+        <p:txBody>
+          <a:bodyPr rtlCol="0" anchor="ctr"/>
+          <a:lstStyle/>
+          <a:p>
+            <a:pPr algn="ctr"/>
+            <a:endParaRPr lang="de-AT"/>
+          </a:p>
+        </p:txBody>
+      </p:sp>
+      <p:sp>
+        <p:nvSpPr>
+          <p:cNvPr id="11" name="Rechteck 10"/>
+          <p:cNvSpPr/>
+          <p:nvPr/>
+        </p:nvSpPr>
+        <p:spPr>
+          <a:xfrm>
+            <a:off x="2654058" y="2626419"/>
+            <a:ext cx="2061957" cy="208548"/>
+          </a:xfrm>
+          <a:prstGeom prst="rect">
+            <a:avLst/>
+          </a:prstGeom>
+          <a:noFill/>
+          <a:ln>
+            <a:solidFill>
+              <a:srgbClr val="FF0000"/>
+            </a:solidFill>
+          </a:ln>
+        </p:spPr>
+        <p:style>
+          <a:lnRef idx="2">
+            <a:schemeClr val="accent1">
+              <a:shade val="50000"/>
+            </a:schemeClr>
+          </a:lnRef>
+          <a:fillRef idx="1">
+            <a:schemeClr val="accent1"/>
+          </a:fillRef>
+          <a:effectRef idx="0">
+            <a:schemeClr val="accent1"/>
+          </a:effectRef>
+          <a:fontRef idx="minor">
+            <a:schemeClr val="lt1"/>
+          </a:fontRef>
+        </p:style>
+        <p:txBody>
+          <a:bodyPr rtlCol="0" anchor="ctr"/>
+          <a:lstStyle/>
+          <a:p>
+            <a:pPr algn="ctr"/>
+            <a:endParaRPr lang="de-AT"/>
+          </a:p>
+        </p:txBody>
+      </p:sp>
+      <p:sp>
+        <p:nvSpPr>
+          <p:cNvPr id="12" name="Rechteck 11"/>
+          <p:cNvSpPr/>
+          <p:nvPr/>
+        </p:nvSpPr>
+        <p:spPr>
+          <a:xfrm>
+            <a:off x="2694712" y="3508334"/>
+            <a:ext cx="1877288" cy="208698"/>
+          </a:xfrm>
+          <a:prstGeom prst="rect">
+            <a:avLst/>
+          </a:prstGeom>
+          <a:noFill/>
+          <a:ln>
+            <a:solidFill>
+              <a:srgbClr val="FF0000"/>
+            </a:solidFill>
+          </a:ln>
+        </p:spPr>
+        <p:style>
+          <a:lnRef idx="2">
+            <a:schemeClr val="accent1">
+              <a:shade val="50000"/>
+            </a:schemeClr>
+          </a:lnRef>
+          <a:fillRef idx="1">
+            <a:schemeClr val="accent1"/>
+          </a:fillRef>
+          <a:effectRef idx="0">
+            <a:schemeClr val="accent1"/>
+          </a:effectRef>
+          <a:fontRef idx="minor">
+            <a:schemeClr val="lt1"/>
+          </a:fontRef>
+        </p:style>
+        <p:txBody>
+          <a:bodyPr rtlCol="0" anchor="ctr"/>
+          <a:lstStyle/>
+          <a:p>
+            <a:pPr algn="ctr"/>
+            <a:endParaRPr lang="de-AT"/>
+          </a:p>
+        </p:txBody>
+      </p:sp>
+      <p:sp>
+        <p:nvSpPr>
+          <p:cNvPr id="13" name="Rechteck 12"/>
+          <p:cNvSpPr/>
+          <p:nvPr/>
+        </p:nvSpPr>
+        <p:spPr>
+          <a:xfrm>
+            <a:off x="2702046" y="4390399"/>
+            <a:ext cx="1440160" cy="204746"/>
+          </a:xfrm>
+          <a:prstGeom prst="rect">
+            <a:avLst/>
+          </a:prstGeom>
+          <a:noFill/>
+          <a:ln>
+            <a:solidFill>
+              <a:srgbClr val="FF0000"/>
+            </a:solidFill>
+          </a:ln>
+        </p:spPr>
+        <p:style>
+          <a:lnRef idx="2">
+            <a:schemeClr val="accent1">
+              <a:shade val="50000"/>
+            </a:schemeClr>
+          </a:lnRef>
+          <a:fillRef idx="1">
+            <a:schemeClr val="accent1"/>
+          </a:fillRef>
+          <a:effectRef idx="0">
+            <a:schemeClr val="accent1"/>
+          </a:effectRef>
+          <a:fontRef idx="minor">
+            <a:schemeClr val="lt1"/>
+          </a:fontRef>
+        </p:style>
+        <p:txBody>
+          <a:bodyPr rtlCol="0" anchor="ctr"/>
+          <a:lstStyle/>
+          <a:p>
+            <a:pPr algn="ctr"/>
+            <a:endParaRPr lang="de-AT"/>
+          </a:p>
+        </p:txBody>
+      </p:sp>
     </p:spTree>
     <p:extLst>
       <p:ext uri="{BB962C8B-B14F-4D97-AF65-F5344CB8AC3E}">
-        <p14:creationId xmlns:p14="http://schemas.microsoft.com/office/powerpoint/2010/main" val="917278489"/>
+        <p14:creationId xmlns:p14="http://schemas.microsoft.com/office/powerpoint/2010/main" val="2975546834"/>
       </p:ext>
     </p:extLst>
   </p:cSld>
@@ -7028,10 +7214,10 @@
           <a:lstStyle/>
           <a:p>
             <a:r>
-              <a:rPr lang="de-AT" dirty="0" err="1" smtClean="0"/>
-              <a:t>Overview</a:t>
-            </a:r>
-            <a:endParaRPr lang="de-AT" dirty="0"/>
+              <a:rPr lang="en-GB" dirty="0" smtClean="0"/>
+              <a:t>Introduction</a:t>
+            </a:r>
+            <a:endParaRPr lang="en-GB" dirty="0"/>
           </a:p>
         </p:txBody>
       </p:sp>
@@ -7048,67 +7234,70 @@
         <p:spPr/>
         <p:txBody>
           <a:bodyPr>
-            <a:normAutofit fontScale="92500" lnSpcReduction="20000"/>
+            <a:normAutofit fontScale="92500"/>
           </a:bodyPr>
           <a:lstStyle/>
           <a:p>
             <a:r>
-              <a:rPr lang="en-US" smtClean="0"/>
-              <a:t>Plugins</a:t>
-            </a:r>
-            <a:endParaRPr lang="en-US" dirty="0" smtClean="0"/>
-          </a:p>
-          <a:p>
-            <a:r>
-              <a:rPr lang="en-US" dirty="0" smtClean="0"/>
-              <a:t>Deep Cloning</a:t>
-            </a:r>
-          </a:p>
-          <a:p>
-            <a:r>
-              <a:rPr lang="en-US" dirty="0" smtClean="0"/>
-              <a:t>HL Object Model</a:t>
-            </a:r>
-          </a:p>
-          <a:p>
-            <a:r>
-              <a:rPr lang="en-US" dirty="0" smtClean="0"/>
-              <a:t>Persistence</a:t>
-            </a:r>
-          </a:p>
-          <a:p>
-            <a:r>
-              <a:rPr lang="en-US" dirty="0" smtClean="0"/>
-              <a:t>Items</a:t>
-            </a:r>
-          </a:p>
-          <a:p>
-            <a:r>
-              <a:rPr lang="en-US" dirty="0" smtClean="0"/>
-              <a:t>HL Data Types</a:t>
-            </a:r>
-          </a:p>
-          <a:p>
-            <a:r>
-              <a:rPr lang="en-US" dirty="0" smtClean="0"/>
-              <a:t>HL Collections</a:t>
-            </a:r>
-          </a:p>
-          <a:p>
-            <a:r>
-              <a:rPr lang="en-US" dirty="0" smtClean="0"/>
-              <a:t>Content and Views</a:t>
-            </a:r>
-          </a:p>
-          <a:p>
-            <a:r>
-              <a:rPr lang="en-US" dirty="0" err="1" smtClean="0"/>
-              <a:t>ViewHost</a:t>
-            </a:r>
-            <a:endParaRPr lang="en-US" dirty="0" smtClean="0"/>
-          </a:p>
-          <a:p>
-            <a:endParaRPr lang="en-US" dirty="0"/>
+              <a:rPr lang="en-GB" dirty="0" smtClean="0"/>
+              <a:t>HeuristicLab (HL) is quite a big project</a:t>
+            </a:r>
+          </a:p>
+          <a:p>
+            <a:r>
+              <a:rPr lang="en-GB" dirty="0" smtClean="0"/>
+              <a:t>As of 3.3.11:</a:t>
+            </a:r>
+          </a:p>
+          <a:p>
+            <a:pPr lvl="1"/>
+            <a:r>
+              <a:rPr lang="en-GB" dirty="0" smtClean="0"/>
+              <a:t>5 VS solutions containing 187 projects</a:t>
+            </a:r>
+          </a:p>
+          <a:p>
+            <a:pPr lvl="1"/>
+            <a:r>
+              <a:rPr lang="en-GB" dirty="0" smtClean="0"/>
+              <a:t>Lines of code: 665.559  + 887.820 (</a:t>
+            </a:r>
+            <a:r>
+              <a:rPr lang="en-GB" dirty="0"/>
+              <a:t>EXT) = </a:t>
+            </a:r>
+            <a:r>
+              <a:rPr lang="en-GB" dirty="0" smtClean="0"/>
+              <a:t>1.553.379 LOC</a:t>
+            </a:r>
+          </a:p>
+          <a:p>
+            <a:pPr lvl="1"/>
+            <a:r>
+              <a:rPr lang="en-GB" dirty="0" smtClean="0"/>
+              <a:t>368 unit tests</a:t>
+            </a:r>
+          </a:p>
+          <a:p>
+            <a:pPr lvl="1"/>
+            <a:r>
+              <a:rPr lang="en-GB" dirty="0" smtClean="0"/>
+              <a:t>Quite a lot of feature branches in the SVN repository</a:t>
+            </a:r>
+          </a:p>
+          <a:p>
+            <a:r>
+              <a:rPr lang="en-GB" dirty="0" smtClean="0"/>
+              <a:t>There are certain patterns that are used throughout all that code</a:t>
+            </a:r>
+          </a:p>
+          <a:p>
+            <a:pPr lvl="1"/>
+            <a:endParaRPr lang="en-GB" dirty="0" smtClean="0"/>
+          </a:p>
+          <a:p>
+            <a:pPr lvl="1"/>
+            <a:endParaRPr lang="en-GB" dirty="0"/>
           </a:p>
         </p:txBody>
       </p:sp>
@@ -7128,13 +7317,10 @@
           <a:lstStyle/>
           <a:p>
             <a:r>
-              <a:rPr lang="de-DE" dirty="0" err="1"/>
-              <a:t>Programming</a:t>
-            </a:r>
-            <a:r>
-              <a:rPr lang="de-DE" dirty="0"/>
-              <a:t> HeuristicLab</a:t>
-            </a:r>
+              <a:rPr lang="de-DE" smtClean="0"/>
+              <a:t>Programming HeuristicLab</a:t>
+            </a:r>
+            <a:endParaRPr lang="de-DE" dirty="0"/>
           </a:p>
         </p:txBody>
       </p:sp>
@@ -7188,20 +7374,13 @@
     </p:spTree>
     <p:extLst>
       <p:ext uri="{BB962C8B-B14F-4D97-AF65-F5344CB8AC3E}">
-        <p14:creationId xmlns:p14="http://schemas.microsoft.com/office/powerpoint/2010/main" val="361769094"/>
+        <p14:creationId xmlns:p14="http://schemas.microsoft.com/office/powerpoint/2010/main" val="151826174"/>
       </p:ext>
     </p:extLst>
   </p:cSld>
   <p:clrMapOvr>
     <a:masterClrMapping/>
   </p:clrMapOvr>
-  <p:timing>
-    <p:tnLst>
-      <p:par>
-        <p:cTn id="1" dur="indefinite" restart="never" nodeType="tmRoot"/>
-      </p:par>
-    </p:tnLst>
-  </p:timing>
 </p:sld>
 </file>
 
@@ -7239,6 +7418,436 @@
           <a:p>
             <a:r>
               <a:rPr lang="en-US" dirty="0" smtClean="0"/>
+              <a:t>Displaying Content</a:t>
+            </a:r>
+            <a:endParaRPr lang="en-US" dirty="0"/>
+          </a:p>
+        </p:txBody>
+      </p:sp>
+      <p:sp>
+        <p:nvSpPr>
+          <p:cNvPr id="3" name="Inhaltsplatzhalter 2"/>
+          <p:cNvSpPr>
+            <a:spLocks noGrp="1"/>
+          </p:cNvSpPr>
+          <p:nvPr>
+            <p:ph idx="1"/>
+          </p:nvPr>
+        </p:nvSpPr>
+        <p:spPr/>
+        <p:txBody>
+          <a:bodyPr>
+            <a:normAutofit fontScale="92500" lnSpcReduction="10000"/>
+          </a:bodyPr>
+          <a:lstStyle/>
+          <a:p>
+            <a:r>
+              <a:rPr lang="en-US" dirty="0" smtClean="0"/>
+              <a:t>Manually:</a:t>
+            </a:r>
+          </a:p>
+          <a:p>
+            <a:pPr lvl="1"/>
+            <a:r>
+              <a:rPr lang="en-US" dirty="0" smtClean="0"/>
+              <a:t>Log </a:t>
+            </a:r>
+            <a:r>
+              <a:rPr lang="en-US" dirty="0" err="1" smtClean="0"/>
+              <a:t>log</a:t>
+            </a:r>
+            <a:r>
+              <a:rPr lang="en-US" dirty="0" smtClean="0"/>
+              <a:t> = new Log();</a:t>
+            </a:r>
+          </a:p>
+          <a:p>
+            <a:pPr lvl="1"/>
+            <a:r>
+              <a:rPr lang="en-US" dirty="0" err="1" smtClean="0"/>
+              <a:t>LogView</a:t>
+            </a:r>
+            <a:r>
+              <a:rPr lang="en-US" dirty="0" smtClean="0"/>
+              <a:t> </a:t>
+            </a:r>
+            <a:r>
+              <a:rPr lang="en-US" dirty="0" err="1" smtClean="0"/>
+              <a:t>logview</a:t>
+            </a:r>
+            <a:r>
+              <a:rPr lang="en-US" dirty="0" smtClean="0"/>
+              <a:t> = new </a:t>
+            </a:r>
+            <a:r>
+              <a:rPr lang="en-US" dirty="0" err="1" smtClean="0"/>
+              <a:t>LogView</a:t>
+            </a:r>
+            <a:r>
+              <a:rPr lang="en-US" dirty="0" smtClean="0"/>
+              <a:t>();</a:t>
+            </a:r>
+          </a:p>
+          <a:p>
+            <a:pPr lvl="1"/>
+            <a:r>
+              <a:rPr lang="en-US" dirty="0" err="1" smtClean="0"/>
+              <a:t>logview.Content</a:t>
+            </a:r>
+            <a:r>
+              <a:rPr lang="en-US" dirty="0" smtClean="0"/>
+              <a:t> = log;</a:t>
+            </a:r>
+          </a:p>
+          <a:p>
+            <a:endParaRPr lang="en-US" dirty="0" smtClean="0"/>
+          </a:p>
+          <a:p>
+            <a:r>
+              <a:rPr lang="en-US" dirty="0" smtClean="0"/>
+              <a:t>In an own tab using discovery:</a:t>
+            </a:r>
+          </a:p>
+          <a:p>
+            <a:pPr lvl="1"/>
+            <a:r>
+              <a:rPr lang="en-US" dirty="0" err="1" smtClean="0"/>
+              <a:t>MainFormManager.MainForm.ShowContent</a:t>
+            </a:r>
+            <a:r>
+              <a:rPr lang="en-US" dirty="0" smtClean="0"/>
+              <a:t>(log);</a:t>
+            </a:r>
+          </a:p>
+          <a:p>
+            <a:endParaRPr lang="en-US" dirty="0" smtClean="0"/>
+          </a:p>
+          <a:p>
+            <a:r>
+              <a:rPr lang="en-US" dirty="0" smtClean="0"/>
+              <a:t>Using a </a:t>
+            </a:r>
+            <a:r>
+              <a:rPr lang="en-US" dirty="0" err="1" smtClean="0"/>
+              <a:t>ViewHost</a:t>
+            </a:r>
+            <a:r>
+              <a:rPr lang="en-US" dirty="0" smtClean="0"/>
+              <a:t> </a:t>
+            </a:r>
+            <a:endParaRPr lang="en-US" dirty="0"/>
+          </a:p>
+        </p:txBody>
+      </p:sp>
+      <p:sp>
+        <p:nvSpPr>
+          <p:cNvPr id="4" name="Datumsplatzhalter 3"/>
+          <p:cNvSpPr>
+            <a:spLocks noGrp="1"/>
+          </p:cNvSpPr>
+          <p:nvPr>
+            <p:ph type="dt" sz="half" idx="10"/>
+          </p:nvPr>
+        </p:nvSpPr>
+        <p:spPr/>
+        <p:txBody>
+          <a:bodyPr/>
+          <a:lstStyle/>
+          <a:p>
+            <a:r>
+              <a:rPr lang="de-DE" smtClean="0"/>
+              <a:t>Programming HeuristicLab</a:t>
+            </a:r>
+            <a:endParaRPr lang="de-DE" dirty="0"/>
+          </a:p>
+        </p:txBody>
+      </p:sp>
+      <p:sp>
+        <p:nvSpPr>
+          <p:cNvPr id="5" name="Fußzeilenplatzhalter 4"/>
+          <p:cNvSpPr>
+            <a:spLocks noGrp="1"/>
+          </p:cNvSpPr>
+          <p:nvPr>
+            <p:ph type="ftr" sz="quarter" idx="11"/>
+          </p:nvPr>
+        </p:nvSpPr>
+        <p:spPr/>
+        <p:txBody>
+          <a:bodyPr/>
+          <a:lstStyle/>
+          <a:p>
+            <a:r>
+              <a:rPr lang="de-DE" smtClean="0"/>
+              <a:t>http://dev.heuristiclab.com</a:t>
+            </a:r>
+            <a:endParaRPr lang="de-DE"/>
+          </a:p>
+        </p:txBody>
+      </p:sp>
+      <p:sp>
+        <p:nvSpPr>
+          <p:cNvPr id="6" name="Foliennummernplatzhalter 5"/>
+          <p:cNvSpPr>
+            <a:spLocks noGrp="1"/>
+          </p:cNvSpPr>
+          <p:nvPr>
+            <p:ph type="sldNum" sz="quarter" idx="12"/>
+          </p:nvPr>
+        </p:nvSpPr>
+        <p:spPr/>
+        <p:txBody>
+          <a:bodyPr/>
+          <a:lstStyle/>
+          <a:p>
+            <a:fld id="{6C6AE60A-B69C-4790-82F7-3882EDF23186}" type="slidenum">
+              <a:rPr lang="de-DE" smtClean="0"/>
+              <a:pPr/>
+              <a:t>20</a:t>
+            </a:fld>
+            <a:endParaRPr lang="de-DE"/>
+          </a:p>
+        </p:txBody>
+      </p:sp>
+    </p:spTree>
+    <p:extLst>
+      <p:ext uri="{BB962C8B-B14F-4D97-AF65-F5344CB8AC3E}">
+        <p14:creationId xmlns:p14="http://schemas.microsoft.com/office/powerpoint/2010/main" val="2267558220"/>
+      </p:ext>
+    </p:extLst>
+  </p:cSld>
+  <p:clrMapOvr>
+    <a:masterClrMapping/>
+  </p:clrMapOvr>
+</p:sld>
+</file>
+
+<file path=ppt/slides/slide21.xml><?xml version="1.0" encoding="utf-8"?>
+<p:sld xmlns:a="http://schemas.openxmlformats.org/drawingml/2006/main" xmlns:r="http://schemas.openxmlformats.org/officeDocument/2006/relationships" xmlns:p="http://schemas.openxmlformats.org/presentationml/2006/main">
+  <p:cSld>
+    <p:spTree>
+      <p:nvGrpSpPr>
+        <p:cNvPr id="1" name=""/>
+        <p:cNvGrpSpPr/>
+        <p:nvPr/>
+      </p:nvGrpSpPr>
+      <p:grpSpPr>
+        <a:xfrm>
+          <a:off x="0" y="0"/>
+          <a:ext cx="0" cy="0"/>
+          <a:chOff x="0" y="0"/>
+          <a:chExt cx="0" cy="0"/>
+        </a:xfrm>
+      </p:grpSpPr>
+      <p:sp>
+        <p:nvSpPr>
+          <p:cNvPr id="2" name="Titel 1"/>
+          <p:cNvSpPr>
+            <a:spLocks noGrp="1"/>
+          </p:cNvSpPr>
+          <p:nvPr>
+            <p:ph type="title"/>
+          </p:nvPr>
+        </p:nvSpPr>
+        <p:spPr/>
+        <p:txBody>
+          <a:bodyPr/>
+          <a:lstStyle/>
+          <a:p>
+            <a:r>
+              <a:rPr lang="de-AT" dirty="0" err="1" smtClean="0"/>
+              <a:t>ViewHost</a:t>
+            </a:r>
+            <a:endParaRPr lang="de-AT" dirty="0"/>
+          </a:p>
+        </p:txBody>
+      </p:sp>
+      <p:sp>
+        <p:nvSpPr>
+          <p:cNvPr id="3" name="Inhaltsplatzhalter 2"/>
+          <p:cNvSpPr>
+            <a:spLocks noGrp="1"/>
+          </p:cNvSpPr>
+          <p:nvPr>
+            <p:ph idx="1"/>
+          </p:nvPr>
+        </p:nvSpPr>
+        <p:spPr/>
+        <p:txBody>
+          <a:bodyPr>
+            <a:normAutofit fontScale="92500"/>
+          </a:bodyPr>
+          <a:lstStyle/>
+          <a:p>
+            <a:r>
+              <a:rPr lang="en-US" dirty="0" err="1" smtClean="0"/>
+              <a:t>ViewHost</a:t>
+            </a:r>
+            <a:r>
+              <a:rPr lang="en-US" dirty="0" smtClean="0"/>
+              <a:t> is a special </a:t>
+            </a:r>
+            <a:r>
+              <a:rPr lang="en-US" dirty="0" err="1" smtClean="0"/>
+              <a:t>ContentView</a:t>
+            </a:r>
+            <a:r>
+              <a:rPr lang="en-US" dirty="0" smtClean="0"/>
+              <a:t> that changes it‘s appearance based on the type of Content</a:t>
+            </a:r>
+          </a:p>
+          <a:p>
+            <a:r>
+              <a:rPr lang="en-US" dirty="0" smtClean="0"/>
+              <a:t>[Content] attribute marks a view for a certain content type</a:t>
+            </a:r>
+          </a:p>
+          <a:p>
+            <a:r>
+              <a:rPr lang="en-US" dirty="0" err="1" smtClean="0"/>
+              <a:t>ViewHost</a:t>
+            </a:r>
+            <a:r>
+              <a:rPr lang="en-US" dirty="0" smtClean="0"/>
+              <a:t> looks up the view based on the Content type and uses it to display the Content</a:t>
+            </a:r>
+          </a:p>
+          <a:p>
+            <a:r>
+              <a:rPr lang="en-US" dirty="0" smtClean="0"/>
+              <a:t>Useful for views that can contain different Content types or collection views</a:t>
+            </a:r>
+            <a:endParaRPr lang="en-US" dirty="0"/>
+          </a:p>
+        </p:txBody>
+      </p:sp>
+      <p:sp>
+        <p:nvSpPr>
+          <p:cNvPr id="4" name="Datumsplatzhalter 3"/>
+          <p:cNvSpPr>
+            <a:spLocks noGrp="1"/>
+          </p:cNvSpPr>
+          <p:nvPr>
+            <p:ph type="dt" sz="half" idx="10"/>
+          </p:nvPr>
+        </p:nvSpPr>
+        <p:spPr/>
+        <p:txBody>
+          <a:bodyPr/>
+          <a:lstStyle/>
+          <a:p>
+            <a:r>
+              <a:rPr lang="de-DE" dirty="0" err="1"/>
+              <a:t>Programming</a:t>
+            </a:r>
+            <a:r>
+              <a:rPr lang="de-DE" dirty="0"/>
+              <a:t> HeuristicLab</a:t>
+            </a:r>
+          </a:p>
+        </p:txBody>
+      </p:sp>
+      <p:sp>
+        <p:nvSpPr>
+          <p:cNvPr id="5" name="Fußzeilenplatzhalter 4"/>
+          <p:cNvSpPr>
+            <a:spLocks noGrp="1"/>
+          </p:cNvSpPr>
+          <p:nvPr>
+            <p:ph type="ftr" sz="quarter" idx="11"/>
+          </p:nvPr>
+        </p:nvSpPr>
+        <p:spPr/>
+        <p:txBody>
+          <a:bodyPr/>
+          <a:lstStyle/>
+          <a:p>
+            <a:r>
+              <a:rPr lang="de-DE" smtClean="0"/>
+              <a:t>http://dev.heuristiclab.com</a:t>
+            </a:r>
+            <a:endParaRPr lang="de-DE"/>
+          </a:p>
+        </p:txBody>
+      </p:sp>
+      <p:sp>
+        <p:nvSpPr>
+          <p:cNvPr id="6" name="Foliennummernplatzhalter 5"/>
+          <p:cNvSpPr>
+            <a:spLocks noGrp="1"/>
+          </p:cNvSpPr>
+          <p:nvPr>
+            <p:ph type="sldNum" sz="quarter" idx="12"/>
+          </p:nvPr>
+        </p:nvSpPr>
+        <p:spPr/>
+        <p:txBody>
+          <a:bodyPr/>
+          <a:lstStyle/>
+          <a:p>
+            <a:fld id="{6C6AE60A-B69C-4790-82F7-3882EDF23186}" type="slidenum">
+              <a:rPr lang="de-DE" smtClean="0"/>
+              <a:pPr/>
+              <a:t>21</a:t>
+            </a:fld>
+            <a:endParaRPr lang="de-DE"/>
+          </a:p>
+        </p:txBody>
+      </p:sp>
+    </p:spTree>
+    <p:extLst>
+      <p:ext uri="{BB962C8B-B14F-4D97-AF65-F5344CB8AC3E}">
+        <p14:creationId xmlns:p14="http://schemas.microsoft.com/office/powerpoint/2010/main" val="917278489"/>
+      </p:ext>
+    </p:extLst>
+  </p:cSld>
+  <p:clrMapOvr>
+    <a:masterClrMapping/>
+  </p:clrMapOvr>
+  <p:timing>
+    <p:tnLst>
+      <p:par>
+        <p:cTn id="1" dur="indefinite" restart="never" nodeType="tmRoot"/>
+      </p:par>
+    </p:tnLst>
+  </p:timing>
+</p:sld>
+</file>
+
+<file path=ppt/slides/slide22.xml><?xml version="1.0" encoding="utf-8"?>
+<p:sld xmlns:a="http://schemas.openxmlformats.org/drawingml/2006/main" xmlns:r="http://schemas.openxmlformats.org/officeDocument/2006/relationships" xmlns:p="http://schemas.openxmlformats.org/presentationml/2006/main">
+  <p:cSld>
+    <p:spTree>
+      <p:nvGrpSpPr>
+        <p:cNvPr id="1" name=""/>
+        <p:cNvGrpSpPr/>
+        <p:nvPr/>
+      </p:nvGrpSpPr>
+      <p:grpSpPr>
+        <a:xfrm>
+          <a:off x="0" y="0"/>
+          <a:ext cx="0" cy="0"/>
+          <a:chOff x="0" y="0"/>
+          <a:chExt cx="0" cy="0"/>
+        </a:xfrm>
+      </p:grpSpPr>
+      <p:sp>
+        <p:nvSpPr>
+          <p:cNvPr id="2" name="Titel 1"/>
+          <p:cNvSpPr>
+            <a:spLocks noGrp="1"/>
+          </p:cNvSpPr>
+          <p:nvPr>
+            <p:ph type="title"/>
+          </p:nvPr>
+        </p:nvSpPr>
+        <p:spPr/>
+        <p:txBody>
+          <a:bodyPr/>
+          <a:lstStyle/>
+          <a:p>
+            <a:r>
+              <a:rPr lang="en-US" dirty="0" smtClean="0"/>
               <a:t>Useful Links</a:t>
             </a:r>
             <a:endParaRPr lang="en-US" dirty="0"/>
@@ -7312,7 +7921,7 @@
             <a:fld id="{6C6AE60A-B69C-4790-82F7-3882EDF23186}" type="slidenum">
               <a:rPr lang="en-US" smtClean="0"/>
               <a:pPr/>
-              <a:t>20</a:t>
+              <a:t>22</a:t>
             </a:fld>
             <a:endParaRPr lang="en-US"/>
           </a:p>
@@ -7455,6 +8064,404 @@
       </p:grpSpPr>
       <p:sp>
         <p:nvSpPr>
+          <p:cNvPr id="2" name="Titel 1"/>
+          <p:cNvSpPr>
+            <a:spLocks noGrp="1"/>
+          </p:cNvSpPr>
+          <p:nvPr>
+            <p:ph type="title"/>
+          </p:nvPr>
+        </p:nvSpPr>
+        <p:spPr/>
+        <p:txBody>
+          <a:bodyPr/>
+          <a:lstStyle/>
+          <a:p>
+            <a:r>
+              <a:rPr lang="en-GB" dirty="0" smtClean="0"/>
+              <a:t>Extension Points</a:t>
+            </a:r>
+            <a:endParaRPr lang="en-GB" dirty="0"/>
+          </a:p>
+        </p:txBody>
+      </p:sp>
+      <p:sp>
+        <p:nvSpPr>
+          <p:cNvPr id="3" name="Inhaltsplatzhalter 2"/>
+          <p:cNvSpPr>
+            <a:spLocks noGrp="1"/>
+          </p:cNvSpPr>
+          <p:nvPr>
+            <p:ph idx="1"/>
+          </p:nvPr>
+        </p:nvSpPr>
+        <p:spPr/>
+        <p:txBody>
+          <a:bodyPr/>
+          <a:lstStyle/>
+          <a:p>
+            <a:r>
+              <a:rPr lang="en-GB" dirty="0" smtClean="0"/>
+              <a:t>HL can be extended in multiple ways</a:t>
+            </a:r>
+          </a:p>
+          <a:p>
+            <a:pPr lvl="1"/>
+            <a:r>
+              <a:rPr lang="en-GB" dirty="0" smtClean="0"/>
+              <a:t>Plugins</a:t>
+            </a:r>
+          </a:p>
+          <a:p>
+            <a:pPr lvl="1"/>
+            <a:r>
+              <a:rPr lang="en-GB" dirty="0" smtClean="0"/>
+              <a:t>User-Defined algorithm</a:t>
+            </a:r>
+          </a:p>
+          <a:p>
+            <a:pPr lvl="1"/>
+            <a:r>
+              <a:rPr lang="en-GB" dirty="0" smtClean="0"/>
+              <a:t>User-Defined problem</a:t>
+            </a:r>
+          </a:p>
+          <a:p>
+            <a:pPr lvl="1"/>
+            <a:r>
+              <a:rPr lang="en-GB" dirty="0" smtClean="0"/>
+              <a:t>Programmable operators</a:t>
+            </a:r>
+          </a:p>
+          <a:p>
+            <a:pPr lvl="1"/>
+            <a:r>
+              <a:rPr lang="en-GB" dirty="0" smtClean="0"/>
+              <a:t>C# Script</a:t>
+            </a:r>
+          </a:p>
+          <a:p>
+            <a:pPr lvl="1"/>
+            <a:r>
+              <a:rPr lang="en-GB" dirty="0" smtClean="0"/>
+              <a:t>Programmable Problem</a:t>
+            </a:r>
+            <a:endParaRPr lang="en-GB" dirty="0"/>
+          </a:p>
+        </p:txBody>
+      </p:sp>
+      <p:sp>
+        <p:nvSpPr>
+          <p:cNvPr id="4" name="Datumsplatzhalter 3"/>
+          <p:cNvSpPr>
+            <a:spLocks noGrp="1"/>
+          </p:cNvSpPr>
+          <p:nvPr>
+            <p:ph type="dt" sz="half" idx="10"/>
+          </p:nvPr>
+        </p:nvSpPr>
+        <p:spPr/>
+        <p:txBody>
+          <a:bodyPr/>
+          <a:lstStyle/>
+          <a:p>
+            <a:r>
+              <a:rPr lang="de-DE" smtClean="0"/>
+              <a:t>Programming HeuristicLab</a:t>
+            </a:r>
+            <a:endParaRPr lang="de-DE" dirty="0"/>
+          </a:p>
+        </p:txBody>
+      </p:sp>
+      <p:sp>
+        <p:nvSpPr>
+          <p:cNvPr id="5" name="Fußzeilenplatzhalter 4"/>
+          <p:cNvSpPr>
+            <a:spLocks noGrp="1"/>
+          </p:cNvSpPr>
+          <p:nvPr>
+            <p:ph type="ftr" sz="quarter" idx="11"/>
+          </p:nvPr>
+        </p:nvSpPr>
+        <p:spPr/>
+        <p:txBody>
+          <a:bodyPr/>
+          <a:lstStyle/>
+          <a:p>
+            <a:r>
+              <a:rPr lang="de-DE" smtClean="0"/>
+              <a:t>http://dev.heuristiclab.com</a:t>
+            </a:r>
+            <a:endParaRPr lang="de-DE"/>
+          </a:p>
+        </p:txBody>
+      </p:sp>
+      <p:sp>
+        <p:nvSpPr>
+          <p:cNvPr id="6" name="Foliennummernplatzhalter 5"/>
+          <p:cNvSpPr>
+            <a:spLocks noGrp="1"/>
+          </p:cNvSpPr>
+          <p:nvPr>
+            <p:ph type="sldNum" sz="quarter" idx="12"/>
+          </p:nvPr>
+        </p:nvSpPr>
+        <p:spPr/>
+        <p:txBody>
+          <a:bodyPr/>
+          <a:lstStyle/>
+          <a:p>
+            <a:fld id="{6C6AE60A-B69C-4790-82F7-3882EDF23186}" type="slidenum">
+              <a:rPr lang="de-DE" smtClean="0"/>
+              <a:pPr/>
+              <a:t>3</a:t>
+            </a:fld>
+            <a:endParaRPr lang="de-DE"/>
+          </a:p>
+        </p:txBody>
+      </p:sp>
+    </p:spTree>
+    <p:extLst>
+      <p:ext uri="{BB962C8B-B14F-4D97-AF65-F5344CB8AC3E}">
+        <p14:creationId xmlns:p14="http://schemas.microsoft.com/office/powerpoint/2010/main" val="792090517"/>
+      </p:ext>
+    </p:extLst>
+  </p:cSld>
+  <p:clrMapOvr>
+    <a:masterClrMapping/>
+  </p:clrMapOvr>
+</p:sld>
+</file>
+
+<file path=ppt/slides/slide4.xml><?xml version="1.0" encoding="utf-8"?>
+<p:sld xmlns:a="http://schemas.openxmlformats.org/drawingml/2006/main" xmlns:r="http://schemas.openxmlformats.org/officeDocument/2006/relationships" xmlns:p="http://schemas.openxmlformats.org/presentationml/2006/main">
+  <p:cSld>
+    <p:spTree>
+      <p:nvGrpSpPr>
+        <p:cNvPr id="1" name=""/>
+        <p:cNvGrpSpPr/>
+        <p:nvPr/>
+      </p:nvGrpSpPr>
+      <p:grpSpPr>
+        <a:xfrm>
+          <a:off x="0" y="0"/>
+          <a:ext cx="0" cy="0"/>
+          <a:chOff x="0" y="0"/>
+          <a:chExt cx="0" cy="0"/>
+        </a:xfrm>
+      </p:grpSpPr>
+      <p:sp>
+        <p:nvSpPr>
+          <p:cNvPr id="2" name="Titel 1"/>
+          <p:cNvSpPr>
+            <a:spLocks noGrp="1"/>
+          </p:cNvSpPr>
+          <p:nvPr>
+            <p:ph type="title"/>
+          </p:nvPr>
+        </p:nvSpPr>
+        <p:spPr/>
+        <p:txBody>
+          <a:bodyPr/>
+          <a:lstStyle/>
+          <a:p>
+            <a:r>
+              <a:rPr lang="de-AT" dirty="0" err="1" smtClean="0"/>
+              <a:t>Overview</a:t>
+            </a:r>
+            <a:endParaRPr lang="de-AT" dirty="0"/>
+          </a:p>
+        </p:txBody>
+      </p:sp>
+      <p:sp>
+        <p:nvSpPr>
+          <p:cNvPr id="3" name="Inhaltsplatzhalter 2"/>
+          <p:cNvSpPr>
+            <a:spLocks noGrp="1"/>
+          </p:cNvSpPr>
+          <p:nvPr>
+            <p:ph idx="1"/>
+          </p:nvPr>
+        </p:nvSpPr>
+        <p:spPr/>
+        <p:txBody>
+          <a:bodyPr>
+            <a:normAutofit fontScale="92500" lnSpcReduction="20000"/>
+          </a:bodyPr>
+          <a:lstStyle/>
+          <a:p>
+            <a:r>
+              <a:rPr lang="en-US" smtClean="0"/>
+              <a:t>Plugins</a:t>
+            </a:r>
+            <a:endParaRPr lang="en-US" dirty="0" smtClean="0"/>
+          </a:p>
+          <a:p>
+            <a:r>
+              <a:rPr lang="en-US" dirty="0" smtClean="0"/>
+              <a:t>Deep Cloning</a:t>
+            </a:r>
+          </a:p>
+          <a:p>
+            <a:r>
+              <a:rPr lang="en-US" dirty="0" smtClean="0"/>
+              <a:t>HL Object Model</a:t>
+            </a:r>
+          </a:p>
+          <a:p>
+            <a:r>
+              <a:rPr lang="en-US" dirty="0" smtClean="0"/>
+              <a:t>Persistence</a:t>
+            </a:r>
+          </a:p>
+          <a:p>
+            <a:r>
+              <a:rPr lang="en-US" dirty="0" smtClean="0"/>
+              <a:t>Items</a:t>
+            </a:r>
+          </a:p>
+          <a:p>
+            <a:r>
+              <a:rPr lang="en-US" dirty="0" smtClean="0"/>
+              <a:t>HL Data Types</a:t>
+            </a:r>
+          </a:p>
+          <a:p>
+            <a:r>
+              <a:rPr lang="en-US" dirty="0" smtClean="0"/>
+              <a:t>HL Collections</a:t>
+            </a:r>
+          </a:p>
+          <a:p>
+            <a:r>
+              <a:rPr lang="en-US" dirty="0" smtClean="0"/>
+              <a:t>Content and Views</a:t>
+            </a:r>
+          </a:p>
+          <a:p>
+            <a:r>
+              <a:rPr lang="en-US" dirty="0" err="1" smtClean="0"/>
+              <a:t>ViewHost</a:t>
+            </a:r>
+            <a:endParaRPr lang="en-US" dirty="0" smtClean="0"/>
+          </a:p>
+          <a:p>
+            <a:endParaRPr lang="en-US" dirty="0"/>
+          </a:p>
+        </p:txBody>
+      </p:sp>
+      <p:sp>
+        <p:nvSpPr>
+          <p:cNvPr id="4" name="Datumsplatzhalter 3"/>
+          <p:cNvSpPr>
+            <a:spLocks noGrp="1"/>
+          </p:cNvSpPr>
+          <p:nvPr>
+            <p:ph type="dt" sz="half" idx="10"/>
+          </p:nvPr>
+        </p:nvSpPr>
+        <p:spPr/>
+        <p:txBody>
+          <a:bodyPr/>
+          <a:lstStyle/>
+          <a:p>
+            <a:r>
+              <a:rPr lang="de-DE" dirty="0" err="1"/>
+              <a:t>Programming</a:t>
+            </a:r>
+            <a:r>
+              <a:rPr lang="de-DE" dirty="0"/>
+              <a:t> HeuristicLab</a:t>
+            </a:r>
+          </a:p>
+        </p:txBody>
+      </p:sp>
+      <p:sp>
+        <p:nvSpPr>
+          <p:cNvPr id="5" name="Fußzeilenplatzhalter 4"/>
+          <p:cNvSpPr>
+            <a:spLocks noGrp="1"/>
+          </p:cNvSpPr>
+          <p:nvPr>
+            <p:ph type="ftr" sz="quarter" idx="11"/>
+          </p:nvPr>
+        </p:nvSpPr>
+        <p:spPr/>
+        <p:txBody>
+          <a:bodyPr/>
+          <a:lstStyle/>
+          <a:p>
+            <a:r>
+              <a:rPr lang="de-DE" smtClean="0"/>
+              <a:t>http://dev.heuristiclab.com</a:t>
+            </a:r>
+            <a:endParaRPr lang="de-DE"/>
+          </a:p>
+        </p:txBody>
+      </p:sp>
+      <p:sp>
+        <p:nvSpPr>
+          <p:cNvPr id="6" name="Foliennummernplatzhalter 5"/>
+          <p:cNvSpPr>
+            <a:spLocks noGrp="1"/>
+          </p:cNvSpPr>
+          <p:nvPr>
+            <p:ph type="sldNum" sz="quarter" idx="12"/>
+          </p:nvPr>
+        </p:nvSpPr>
+        <p:spPr/>
+        <p:txBody>
+          <a:bodyPr/>
+          <a:lstStyle/>
+          <a:p>
+            <a:fld id="{6C6AE60A-B69C-4790-82F7-3882EDF23186}" type="slidenum">
+              <a:rPr lang="de-DE" smtClean="0"/>
+              <a:pPr/>
+              <a:t>4</a:t>
+            </a:fld>
+            <a:endParaRPr lang="de-DE"/>
+          </a:p>
+        </p:txBody>
+      </p:sp>
+    </p:spTree>
+    <p:extLst>
+      <p:ext uri="{BB962C8B-B14F-4D97-AF65-F5344CB8AC3E}">
+        <p14:creationId xmlns:p14="http://schemas.microsoft.com/office/powerpoint/2010/main" val="361769094"/>
+      </p:ext>
+    </p:extLst>
+  </p:cSld>
+  <p:clrMapOvr>
+    <a:masterClrMapping/>
+  </p:clrMapOvr>
+  <p:timing>
+    <p:tnLst>
+      <p:par>
+        <p:cTn id="1" dur="indefinite" restart="never" nodeType="tmRoot"/>
+      </p:par>
+    </p:tnLst>
+  </p:timing>
+</p:sld>
+</file>
+
+<file path=ppt/slides/slide5.xml><?xml version="1.0" encoding="utf-8"?>
+<p:sld xmlns:a="http://schemas.openxmlformats.org/drawingml/2006/main" xmlns:r="http://schemas.openxmlformats.org/officeDocument/2006/relationships" xmlns:p="http://schemas.openxmlformats.org/presentationml/2006/main">
+  <p:cSld>
+    <p:spTree>
+      <p:nvGrpSpPr>
+        <p:cNvPr id="1" name=""/>
+        <p:cNvGrpSpPr/>
+        <p:nvPr/>
+      </p:nvGrpSpPr>
+      <p:grpSpPr>
+        <a:xfrm>
+          <a:off x="0" y="0"/>
+          <a:ext cx="0" cy="0"/>
+          <a:chOff x="0" y="0"/>
+          <a:chExt cx="0" cy="0"/>
+        </a:xfrm>
+      </p:grpSpPr>
+      <p:sp>
+        <p:nvSpPr>
           <p:cNvPr id="2" name="Title 1"/>
           <p:cNvSpPr>
             <a:spLocks noGrp="1"/>
@@ -7563,7 +8570,7 @@
             <a:fld id="{6C6AE60A-B69C-4790-82F7-3882EDF23186}" type="slidenum">
               <a:rPr lang="de-DE" smtClean="0"/>
               <a:pPr/>
-              <a:t>3</a:t>
+              <a:t>5</a:t>
             </a:fld>
             <a:endParaRPr lang="de-DE"/>
           </a:p>
@@ -7619,7 +8626,7 @@
 </p:sld>
 </file>
 
-<file path=ppt/slides/slide4.xml><?xml version="1.0" encoding="utf-8"?>
+<file path=ppt/slides/slide6.xml><?xml version="1.0" encoding="utf-8"?>
 <p:sld xmlns:a="http://schemas.openxmlformats.org/drawingml/2006/main" xmlns:r="http://schemas.openxmlformats.org/officeDocument/2006/relationships" xmlns:p="http://schemas.openxmlformats.org/presentationml/2006/main">
   <p:cSld>
     <p:spTree>
@@ -7765,7 +8772,7 @@
             <a:fld id="{6C6AE60A-B69C-4790-82F7-3882EDF23186}" type="slidenum">
               <a:rPr lang="de-DE" smtClean="0"/>
               <a:pPr/>
-              <a:t>4</a:t>
+              <a:t>6</a:t>
             </a:fld>
             <a:endParaRPr lang="de-DE"/>
           </a:p>
@@ -7815,7 +8822,7 @@
 </p:sld>
 </file>
 
-<file path=ppt/slides/slide5.xml><?xml version="1.0" encoding="utf-8"?>
+<file path=ppt/slides/slide7.xml><?xml version="1.0" encoding="utf-8"?>
 <p:sld xmlns:a="http://schemas.openxmlformats.org/drawingml/2006/main" xmlns:r="http://schemas.openxmlformats.org/officeDocument/2006/relationships" xmlns:p="http://schemas.openxmlformats.org/presentationml/2006/main">
   <p:cSld>
     <p:spTree>
@@ -7975,7 +8982,7 @@
             <a:fld id="{6C6AE60A-B69C-4790-82F7-3882EDF23186}" type="slidenum">
               <a:rPr lang="de-DE" smtClean="0"/>
               <a:pPr/>
-              <a:t>5</a:t>
+              <a:t>7</a:t>
             </a:fld>
             <a:endParaRPr lang="de-DE"/>
           </a:p>
@@ -8049,7 +9056,7 @@
 </p:sld>
 </file>
 
-<file path=ppt/slides/slide6.xml><?xml version="1.0" encoding="utf-8"?>
+<file path=ppt/slides/slide8.xml><?xml version="1.0" encoding="utf-8"?>
 <p:sld xmlns:a="http://schemas.openxmlformats.org/drawingml/2006/main" xmlns:r="http://schemas.openxmlformats.org/officeDocument/2006/relationships" xmlns:p="http://schemas.openxmlformats.org/presentationml/2006/main">
   <p:cSld>
     <p:spTree>
@@ -8210,7 +9217,7 @@
             <a:fld id="{6C6AE60A-B69C-4790-82F7-3882EDF23186}" type="slidenum">
               <a:rPr lang="de-DE" smtClean="0"/>
               <a:pPr/>
-              <a:t>6</a:t>
+              <a:t>8</a:t>
             </a:fld>
             <a:endParaRPr lang="de-DE"/>
           </a:p>
@@ -8229,7 +9236,7 @@
 </p:sld>
 </file>
 
-<file path=ppt/slides/slide7.xml><?xml version="1.0" encoding="utf-8"?>
+<file path=ppt/slides/slide9.xml><?xml version="1.0" encoding="utf-8"?>
 <p:sld xmlns:a="http://schemas.openxmlformats.org/drawingml/2006/main" xmlns:r="http://schemas.openxmlformats.org/officeDocument/2006/relationships" xmlns:p="http://schemas.openxmlformats.org/presentationml/2006/main">
   <p:cSld>
     <p:spTree>
@@ -8333,7 +9340,7 @@
             <a:fld id="{6C6AE60A-B69C-4790-82F7-3882EDF23186}" type="slidenum">
               <a:rPr lang="de-DE" smtClean="0"/>
               <a:pPr/>
-              <a:t>7</a:t>
+              <a:t>9</a:t>
             </a:fld>
             <a:endParaRPr lang="de-DE"/>
           </a:p>
@@ -8373,620 +9380,6 @@
   <p:clrMapOvr>
     <a:masterClrMapping/>
   </p:clrMapOvr>
-</p:sld>
-</file>
-
-<file path=ppt/slides/slide8.xml><?xml version="1.0" encoding="utf-8"?>
-<p:sld xmlns:a="http://schemas.openxmlformats.org/drawingml/2006/main" xmlns:r="http://schemas.openxmlformats.org/officeDocument/2006/relationships" xmlns:p="http://schemas.openxmlformats.org/presentationml/2006/main">
-  <p:cSld>
-    <p:spTree>
-      <p:nvGrpSpPr>
-        <p:cNvPr id="1" name=""/>
-        <p:cNvGrpSpPr/>
-        <p:nvPr/>
-      </p:nvGrpSpPr>
-      <p:grpSpPr>
-        <a:xfrm>
-          <a:off x="0" y="0"/>
-          <a:ext cx="0" cy="0"/>
-          <a:chOff x="0" y="0"/>
-          <a:chExt cx="0" cy="0"/>
-        </a:xfrm>
-      </p:grpSpPr>
-      <p:sp>
-        <p:nvSpPr>
-          <p:cNvPr id="2" name="Titel 1"/>
-          <p:cNvSpPr>
-            <a:spLocks noGrp="1"/>
-          </p:cNvSpPr>
-          <p:nvPr>
-            <p:ph type="title"/>
-          </p:nvPr>
-        </p:nvSpPr>
-        <p:spPr/>
-        <p:txBody>
-          <a:bodyPr>
-            <a:normAutofit/>
-          </a:bodyPr>
-          <a:lstStyle/>
-          <a:p>
-            <a:r>
-              <a:rPr lang="de-AT" dirty="0" err="1"/>
-              <a:t>Deep</a:t>
-            </a:r>
-            <a:r>
-              <a:rPr lang="de-AT" dirty="0"/>
-              <a:t> </a:t>
-            </a:r>
-            <a:r>
-              <a:rPr lang="de-AT" dirty="0" err="1" smtClean="0"/>
-              <a:t>Cloning</a:t>
-            </a:r>
-            <a:endParaRPr lang="de-AT" dirty="0"/>
-          </a:p>
-        </p:txBody>
-      </p:sp>
-      <p:sp>
-        <p:nvSpPr>
-          <p:cNvPr id="3" name="Inhaltsplatzhalter 2"/>
-          <p:cNvSpPr>
-            <a:spLocks noGrp="1"/>
-          </p:cNvSpPr>
-          <p:nvPr>
-            <p:ph idx="1"/>
-          </p:nvPr>
-        </p:nvSpPr>
-        <p:spPr/>
-        <p:txBody>
-          <a:bodyPr/>
-          <a:lstStyle/>
-          <a:p>
-            <a:r>
-              <a:rPr lang="en-US" dirty="0" smtClean="0"/>
-              <a:t>Objects in HeuristicLab that store data and may be displayed in views/collection views should be deep </a:t>
-            </a:r>
-            <a:r>
-              <a:rPr lang="en-US" dirty="0" err="1" smtClean="0"/>
-              <a:t>cloneable</a:t>
-            </a:r>
-            <a:endParaRPr lang="en-US" dirty="0" smtClean="0"/>
-          </a:p>
-          <a:p>
-            <a:r>
-              <a:rPr lang="en-US" dirty="0" smtClean="0"/>
-              <a:t>UI allows “copying” of these objects</a:t>
-            </a:r>
-          </a:p>
-          <a:p>
-            <a:r>
-              <a:rPr lang="en-US" dirty="0" smtClean="0"/>
-              <a:t>Inherit from either </a:t>
-            </a:r>
-            <a:r>
-              <a:rPr lang="en-US" dirty="0" err="1" smtClean="0"/>
-              <a:t>IDeepCloneable</a:t>
-            </a:r>
-            <a:r>
-              <a:rPr lang="en-US" dirty="0" smtClean="0"/>
-              <a:t> or Item</a:t>
-            </a:r>
-          </a:p>
-          <a:p>
-            <a:r>
-              <a:rPr lang="en-US" dirty="0" smtClean="0"/>
-              <a:t>Implement interface and cloning constructor</a:t>
-            </a:r>
-          </a:p>
-          <a:p>
-            <a:r>
-              <a:rPr lang="en-US" dirty="0" smtClean="0"/>
-              <a:t>Actual cloning happens in the cloning constructor</a:t>
-            </a:r>
-            <a:endParaRPr lang="en-US" dirty="0"/>
-          </a:p>
-        </p:txBody>
-      </p:sp>
-      <p:sp>
-        <p:nvSpPr>
-          <p:cNvPr id="4" name="Datumsplatzhalter 3"/>
-          <p:cNvSpPr>
-            <a:spLocks noGrp="1"/>
-          </p:cNvSpPr>
-          <p:nvPr>
-            <p:ph type="dt" sz="half" idx="10"/>
-          </p:nvPr>
-        </p:nvSpPr>
-        <p:spPr/>
-        <p:txBody>
-          <a:bodyPr/>
-          <a:lstStyle/>
-          <a:p>
-            <a:r>
-              <a:rPr lang="de-DE" dirty="0" err="1"/>
-              <a:t>Programming</a:t>
-            </a:r>
-            <a:r>
-              <a:rPr lang="de-DE" dirty="0"/>
-              <a:t> HeuristicLab</a:t>
-            </a:r>
-          </a:p>
-        </p:txBody>
-      </p:sp>
-      <p:sp>
-        <p:nvSpPr>
-          <p:cNvPr id="5" name="Fußzeilenplatzhalter 4"/>
-          <p:cNvSpPr>
-            <a:spLocks noGrp="1"/>
-          </p:cNvSpPr>
-          <p:nvPr>
-            <p:ph type="ftr" sz="quarter" idx="11"/>
-          </p:nvPr>
-        </p:nvSpPr>
-        <p:spPr/>
-        <p:txBody>
-          <a:bodyPr/>
-          <a:lstStyle/>
-          <a:p>
-            <a:r>
-              <a:rPr lang="de-DE" smtClean="0"/>
-              <a:t>http://dev.heuristiclab.com</a:t>
-            </a:r>
-            <a:endParaRPr lang="de-DE"/>
-          </a:p>
-        </p:txBody>
-      </p:sp>
-      <p:sp>
-        <p:nvSpPr>
-          <p:cNvPr id="6" name="Foliennummernplatzhalter 5"/>
-          <p:cNvSpPr>
-            <a:spLocks noGrp="1"/>
-          </p:cNvSpPr>
-          <p:nvPr>
-            <p:ph type="sldNum" sz="quarter" idx="12"/>
-          </p:nvPr>
-        </p:nvSpPr>
-        <p:spPr/>
-        <p:txBody>
-          <a:bodyPr/>
-          <a:lstStyle/>
-          <a:p>
-            <a:fld id="{6C6AE60A-B69C-4790-82F7-3882EDF23186}" type="slidenum">
-              <a:rPr lang="de-DE" smtClean="0"/>
-              <a:pPr/>
-              <a:t>8</a:t>
-            </a:fld>
-            <a:endParaRPr lang="de-DE"/>
-          </a:p>
-        </p:txBody>
-      </p:sp>
-    </p:spTree>
-    <p:extLst>
-      <p:ext uri="{BB962C8B-B14F-4D97-AF65-F5344CB8AC3E}">
-        <p14:creationId xmlns:p14="http://schemas.microsoft.com/office/powerpoint/2010/main" val="2327004729"/>
-      </p:ext>
-    </p:extLst>
-  </p:cSld>
-  <p:clrMapOvr>
-    <a:masterClrMapping/>
-  </p:clrMapOvr>
-  <p:timing>
-    <p:tnLst>
-      <p:par>
-        <p:cTn id="1" dur="indefinite" restart="never" nodeType="tmRoot"/>
-      </p:par>
-    </p:tnLst>
-  </p:timing>
-</p:sld>
-</file>
-
-<file path=ppt/slides/slide9.xml><?xml version="1.0" encoding="utf-8"?>
-<p:sld xmlns:a="http://schemas.openxmlformats.org/drawingml/2006/main" xmlns:r="http://schemas.openxmlformats.org/officeDocument/2006/relationships" xmlns:p="http://schemas.openxmlformats.org/presentationml/2006/main">
-  <p:cSld>
-    <p:spTree>
-      <p:nvGrpSpPr>
-        <p:cNvPr id="1" name=""/>
-        <p:cNvGrpSpPr/>
-        <p:nvPr/>
-      </p:nvGrpSpPr>
-      <p:grpSpPr>
-        <a:xfrm>
-          <a:off x="0" y="0"/>
-          <a:ext cx="0" cy="0"/>
-          <a:chOff x="0" y="0"/>
-          <a:chExt cx="0" cy="0"/>
-        </a:xfrm>
-      </p:grpSpPr>
-      <p:sp>
-        <p:nvSpPr>
-          <p:cNvPr id="2" name="Titel 1"/>
-          <p:cNvSpPr>
-            <a:spLocks noGrp="1"/>
-          </p:cNvSpPr>
-          <p:nvPr>
-            <p:ph type="title"/>
-          </p:nvPr>
-        </p:nvSpPr>
-        <p:spPr/>
-        <p:txBody>
-          <a:bodyPr>
-            <a:normAutofit/>
-          </a:bodyPr>
-          <a:lstStyle/>
-          <a:p>
-            <a:r>
-              <a:rPr lang="de-AT" dirty="0" err="1"/>
-              <a:t>Deep</a:t>
-            </a:r>
-            <a:r>
-              <a:rPr lang="de-AT" dirty="0"/>
-              <a:t> </a:t>
-            </a:r>
-            <a:r>
-              <a:rPr lang="de-AT" dirty="0" err="1" smtClean="0"/>
-              <a:t>Cloning</a:t>
-            </a:r>
-            <a:endParaRPr lang="de-AT" dirty="0"/>
-          </a:p>
-        </p:txBody>
-      </p:sp>
-      <p:sp>
-        <p:nvSpPr>
-          <p:cNvPr id="4" name="Datumsplatzhalter 3"/>
-          <p:cNvSpPr>
-            <a:spLocks noGrp="1"/>
-          </p:cNvSpPr>
-          <p:nvPr>
-            <p:ph type="dt" sz="half" idx="10"/>
-          </p:nvPr>
-        </p:nvSpPr>
-        <p:spPr/>
-        <p:txBody>
-          <a:bodyPr/>
-          <a:lstStyle/>
-          <a:p>
-            <a:r>
-              <a:rPr lang="de-DE" dirty="0" err="1"/>
-              <a:t>Programming</a:t>
-            </a:r>
-            <a:r>
-              <a:rPr lang="de-DE" dirty="0"/>
-              <a:t> HeuristicLab</a:t>
-            </a:r>
-          </a:p>
-        </p:txBody>
-      </p:sp>
-      <p:sp>
-        <p:nvSpPr>
-          <p:cNvPr id="5" name="Fußzeilenplatzhalter 4"/>
-          <p:cNvSpPr>
-            <a:spLocks noGrp="1"/>
-          </p:cNvSpPr>
-          <p:nvPr>
-            <p:ph type="ftr" sz="quarter" idx="11"/>
-          </p:nvPr>
-        </p:nvSpPr>
-        <p:spPr/>
-        <p:txBody>
-          <a:bodyPr/>
-          <a:lstStyle/>
-          <a:p>
-            <a:r>
-              <a:rPr lang="de-DE" smtClean="0"/>
-              <a:t>http://dev.heuristiclab.com</a:t>
-            </a:r>
-            <a:endParaRPr lang="de-DE"/>
-          </a:p>
-        </p:txBody>
-      </p:sp>
-      <p:sp>
-        <p:nvSpPr>
-          <p:cNvPr id="6" name="Foliennummernplatzhalter 5"/>
-          <p:cNvSpPr>
-            <a:spLocks noGrp="1"/>
-          </p:cNvSpPr>
-          <p:nvPr>
-            <p:ph type="sldNum" sz="quarter" idx="12"/>
-          </p:nvPr>
-        </p:nvSpPr>
-        <p:spPr/>
-        <p:txBody>
-          <a:bodyPr/>
-          <a:lstStyle/>
-          <a:p>
-            <a:fld id="{6C6AE60A-B69C-4790-82F7-3882EDF23186}" type="slidenum">
-              <a:rPr lang="de-DE" smtClean="0"/>
-              <a:pPr/>
-              <a:t>9</a:t>
-            </a:fld>
-            <a:endParaRPr lang="de-DE"/>
-          </a:p>
-        </p:txBody>
-      </p:sp>
-      <p:pic>
-        <p:nvPicPr>
-          <p:cNvPr id="3" name="Grafik 2"/>
-          <p:cNvPicPr>
-            <a:picLocks noChangeAspect="1"/>
-          </p:cNvPicPr>
-          <p:nvPr/>
-        </p:nvPicPr>
-        <p:blipFill>
-          <a:blip r:embed="rId2"/>
-          <a:stretch>
-            <a:fillRect/>
-          </a:stretch>
-        </p:blipFill>
-        <p:spPr>
-          <a:xfrm>
-            <a:off x="747096" y="1736812"/>
-            <a:ext cx="7649809" cy="3384376"/>
-          </a:xfrm>
-          <a:prstGeom prst="rect">
-            <a:avLst/>
-          </a:prstGeom>
-        </p:spPr>
-      </p:pic>
-      <p:sp>
-        <p:nvSpPr>
-          <p:cNvPr id="7" name="Rechteck 6"/>
-          <p:cNvSpPr/>
-          <p:nvPr/>
-        </p:nvSpPr>
-        <p:spPr>
-          <a:xfrm>
-            <a:off x="1403648" y="3706974"/>
-            <a:ext cx="6768752" cy="874154"/>
-          </a:xfrm>
-          <a:prstGeom prst="rect">
-            <a:avLst/>
-          </a:prstGeom>
-          <a:noFill/>
-          <a:ln>
-            <a:solidFill>
-              <a:srgbClr val="FF0000"/>
-            </a:solidFill>
-          </a:ln>
-        </p:spPr>
-        <p:style>
-          <a:lnRef idx="2">
-            <a:schemeClr val="accent1">
-              <a:shade val="50000"/>
-            </a:schemeClr>
-          </a:lnRef>
-          <a:fillRef idx="1">
-            <a:schemeClr val="accent1"/>
-          </a:fillRef>
-          <a:effectRef idx="0">
-            <a:schemeClr val="accent1"/>
-          </a:effectRef>
-          <a:fontRef idx="minor">
-            <a:schemeClr val="lt1"/>
-          </a:fontRef>
-        </p:style>
-        <p:txBody>
-          <a:bodyPr rtlCol="0" anchor="ctr"/>
-          <a:lstStyle/>
-          <a:p>
-            <a:pPr algn="ctr"/>
-            <a:endParaRPr lang="de-AT"/>
-          </a:p>
-        </p:txBody>
-      </p:sp>
-      <p:sp>
-        <p:nvSpPr>
-          <p:cNvPr id="8" name="Rechteck 7"/>
-          <p:cNvSpPr/>
-          <p:nvPr/>
-        </p:nvSpPr>
-        <p:spPr>
-          <a:xfrm>
-            <a:off x="1259631" y="2132856"/>
-            <a:ext cx="7137273" cy="1440160"/>
-          </a:xfrm>
-          <a:prstGeom prst="rect">
-            <a:avLst/>
-          </a:prstGeom>
-          <a:noFill/>
-          <a:ln>
-            <a:solidFill>
-              <a:srgbClr val="FF0000"/>
-            </a:solidFill>
-          </a:ln>
-        </p:spPr>
-        <p:style>
-          <a:lnRef idx="2">
-            <a:schemeClr val="accent1">
-              <a:shade val="50000"/>
-            </a:schemeClr>
-          </a:lnRef>
-          <a:fillRef idx="1">
-            <a:schemeClr val="accent1"/>
-          </a:fillRef>
-          <a:effectRef idx="0">
-            <a:schemeClr val="accent1"/>
-          </a:effectRef>
-          <a:fontRef idx="minor">
-            <a:schemeClr val="lt1"/>
-          </a:fontRef>
-        </p:style>
-        <p:txBody>
-          <a:bodyPr rtlCol="0" anchor="ctr"/>
-          <a:lstStyle/>
-          <a:p>
-            <a:pPr algn="ctr"/>
-            <a:endParaRPr lang="de-AT"/>
-          </a:p>
-        </p:txBody>
-      </p:sp>
-      <p:sp>
-        <p:nvSpPr>
-          <p:cNvPr id="9" name="Rechteck 8"/>
-          <p:cNvSpPr/>
-          <p:nvPr/>
-        </p:nvSpPr>
-        <p:spPr>
-          <a:xfrm>
-            <a:off x="3321937" y="1772816"/>
-            <a:ext cx="601991" cy="360040"/>
-          </a:xfrm>
-          <a:prstGeom prst="rect">
-            <a:avLst/>
-          </a:prstGeom>
-          <a:noFill/>
-          <a:ln>
-            <a:solidFill>
-              <a:srgbClr val="FF0000"/>
-            </a:solidFill>
-          </a:ln>
-        </p:spPr>
-        <p:style>
-          <a:lnRef idx="2">
-            <a:schemeClr val="accent1">
-              <a:shade val="50000"/>
-            </a:schemeClr>
-          </a:lnRef>
-          <a:fillRef idx="1">
-            <a:schemeClr val="accent1"/>
-          </a:fillRef>
-          <a:effectRef idx="0">
-            <a:schemeClr val="accent1"/>
-          </a:effectRef>
-          <a:fontRef idx="minor">
-            <a:schemeClr val="lt1"/>
-          </a:fontRef>
-        </p:style>
-        <p:txBody>
-          <a:bodyPr rtlCol="0" anchor="ctr"/>
-          <a:lstStyle/>
-          <a:p>
-            <a:pPr algn="ctr"/>
-            <a:endParaRPr lang="de-AT"/>
-          </a:p>
-        </p:txBody>
-      </p:sp>
-      <p:sp>
-        <p:nvSpPr>
-          <p:cNvPr id="10" name="Legende mit Linie 2 9"/>
-          <p:cNvSpPr/>
-          <p:nvPr/>
-        </p:nvSpPr>
-        <p:spPr>
-          <a:xfrm>
-            <a:off x="4355976" y="692696"/>
-            <a:ext cx="1800200" cy="724942"/>
-          </a:xfrm>
-          <a:prstGeom prst="borderCallout2">
-            <a:avLst>
-              <a:gd name="adj1" fmla="val 18750"/>
-              <a:gd name="adj2" fmla="val -8333"/>
-              <a:gd name="adj3" fmla="val 18750"/>
-              <a:gd name="adj4" fmla="val -16667"/>
-              <a:gd name="adj5" fmla="val 145262"/>
-              <a:gd name="adj6" fmla="val -40730"/>
-            </a:avLst>
-          </a:prstGeom>
-        </p:spPr>
-        <p:style>
-          <a:lnRef idx="2">
-            <a:schemeClr val="accent1">
-              <a:shade val="50000"/>
-            </a:schemeClr>
-          </a:lnRef>
-          <a:fillRef idx="1">
-            <a:schemeClr val="accent1"/>
-          </a:fillRef>
-          <a:effectRef idx="0">
-            <a:schemeClr val="accent1"/>
-          </a:effectRef>
-          <a:fontRef idx="minor">
-            <a:schemeClr val="lt1"/>
-          </a:fontRef>
-        </p:style>
-        <p:txBody>
-          <a:bodyPr rtlCol="0" anchor="ctr"/>
-          <a:lstStyle/>
-          <a:p>
-            <a:pPr algn="ctr"/>
-            <a:r>
-              <a:rPr lang="en-US" dirty="0" smtClean="0"/>
-              <a:t>Item implements </a:t>
-            </a:r>
-            <a:r>
-              <a:rPr lang="en-US" dirty="0" err="1" smtClean="0"/>
-              <a:t>IDeepCloneable</a:t>
-            </a:r>
-            <a:endParaRPr lang="en-US" dirty="0"/>
-          </a:p>
-        </p:txBody>
-      </p:sp>
-      <p:sp>
-        <p:nvSpPr>
-          <p:cNvPr id="11" name="Legende mit Linie 2 10"/>
-          <p:cNvSpPr/>
-          <p:nvPr/>
-        </p:nvSpPr>
-        <p:spPr>
-          <a:xfrm>
-            <a:off x="4752020" y="5047725"/>
-            <a:ext cx="2808312" cy="939013"/>
-          </a:xfrm>
-          <a:prstGeom prst="borderCallout2">
-            <a:avLst>
-              <a:gd name="adj1" fmla="val 18750"/>
-              <a:gd name="adj2" fmla="val -8333"/>
-              <a:gd name="adj3" fmla="val 18750"/>
-              <a:gd name="adj4" fmla="val -16667"/>
-              <a:gd name="adj5" fmla="val -85024"/>
-              <a:gd name="adj6" fmla="val -43579"/>
-            </a:avLst>
-          </a:prstGeom>
-        </p:spPr>
-        <p:style>
-          <a:lnRef idx="2">
-            <a:schemeClr val="accent1">
-              <a:shade val="50000"/>
-            </a:schemeClr>
-          </a:lnRef>
-          <a:fillRef idx="1">
-            <a:schemeClr val="accent1"/>
-          </a:fillRef>
-          <a:effectRef idx="0">
-            <a:schemeClr val="accent1"/>
-          </a:effectRef>
-          <a:fontRef idx="minor">
-            <a:schemeClr val="lt1"/>
-          </a:fontRef>
-        </p:style>
-        <p:txBody>
-          <a:bodyPr rtlCol="0" anchor="ctr"/>
-          <a:lstStyle/>
-          <a:p>
-            <a:pPr algn="ctr"/>
-            <a:r>
-              <a:rPr lang="en-US" dirty="0" smtClean="0"/>
-              <a:t>Call Cloning-Constructor which implements the cloning</a:t>
-            </a:r>
-            <a:endParaRPr lang="en-US" dirty="0"/>
-          </a:p>
-        </p:txBody>
-      </p:sp>
-    </p:spTree>
-    <p:extLst>
-      <p:ext uri="{BB962C8B-B14F-4D97-AF65-F5344CB8AC3E}">
-        <p14:creationId xmlns:p14="http://schemas.microsoft.com/office/powerpoint/2010/main" val="3714925677"/>
-      </p:ext>
-    </p:extLst>
-  </p:cSld>
-  <p:clrMapOvr>
-    <a:masterClrMapping/>
-  </p:clrMapOvr>
-  <p:timing>
-    <p:tnLst>
-      <p:par>
-        <p:cTn id="1" dur="indefinite" restart="never" nodeType="tmRoot"/>
-      </p:par>
-    </p:tnLst>
-  </p:timing>
 </p:sld>
 </file>
 

--- a/documentation/Tutorials/Programming HeuristicLab - Basics.pptx
+++ b/documentation/Tutorials/Programming HeuristicLab - Basics.pptx
@@ -4693,8 +4693,16 @@
           <a:p>
             <a:pPr algn="ctr"/>
             <a:r>
+              <a:rPr lang="en-US" smtClean="0"/>
+              <a:t>Call </a:t>
+            </a:r>
+            <a:r>
+              <a:rPr lang="en-US" smtClean="0"/>
+              <a:t>cloning constructor </a:t>
+            </a:r>
+            <a:r>
               <a:rPr lang="en-US" dirty="0" smtClean="0"/>
-              <a:t>Call Cloning-Constructor which implements the cloning</a:t>
+              <a:t>which implements the cloning</a:t>
             </a:r>
             <a:endParaRPr lang="en-US" dirty="0"/>
           </a:p>
@@ -7288,7 +7296,15 @@
           <a:p>
             <a:r>
               <a:rPr lang="en-GB" dirty="0" smtClean="0"/>
-              <a:t>There are certain patterns that are used throughout all that code</a:t>
+              <a:t>There are certain </a:t>
+            </a:r>
+            <a:r>
+              <a:rPr lang="en-GB" dirty="0" smtClean="0"/>
+              <a:t>patterns/concepts </a:t>
+            </a:r>
+            <a:r>
+              <a:rPr lang="en-GB" dirty="0" smtClean="0"/>
+              <a:t>that are used throughout all that code</a:t>
             </a:r>
           </a:p>
           <a:p>
@@ -8291,21 +8307,28 @@
           <a:lstStyle/>
           <a:p>
             <a:r>
-              <a:rPr lang="en-US" smtClean="0"/>
+              <a:rPr lang="en-US" dirty="0" smtClean="0"/>
               <a:t>Plugins</a:t>
             </a:r>
-            <a:endParaRPr lang="en-US" dirty="0" smtClean="0"/>
           </a:p>
           <a:p>
             <a:r>
               <a:rPr lang="en-US" dirty="0" smtClean="0"/>
+              <a:t>HL </a:t>
+            </a:r>
+            <a:r>
+              <a:rPr lang="en-US" dirty="0" smtClean="0"/>
+              <a:t>Object </a:t>
+            </a:r>
+            <a:r>
+              <a:rPr lang="en-US" dirty="0" smtClean="0"/>
+              <a:t>Model</a:t>
+            </a:r>
+          </a:p>
+          <a:p>
+            <a:r>
+              <a:rPr lang="en-US" dirty="0"/>
               <a:t>Deep Cloning</a:t>
-            </a:r>
-          </a:p>
-          <a:p>
-            <a:r>
-              <a:rPr lang="en-US" dirty="0" smtClean="0"/>
-              <a:t>HL Object Model</a:t>
             </a:r>
           </a:p>
           <a:p>
@@ -8313,6 +8336,7 @@
               <a:rPr lang="en-US" dirty="0" smtClean="0"/>
               <a:t>Persistence</a:t>
             </a:r>
+            <a:endParaRPr lang="en-US" dirty="0" smtClean="0"/>
           </a:p>
           <a:p>
             <a:r>

--- a/documentation/Tutorials/Programming HeuristicLab - Basics.pptx
+++ b/documentation/Tutorials/Programming HeuristicLab - Basics.pptx
@@ -5,7 +5,7 @@
     <p:sldMasterId id="2147483648" r:id="rId1"/>
   </p:sldMasterIdLst>
   <p:notesMasterIdLst>
-    <p:notesMasterId r:id="rId24"/>
+    <p:notesMasterId r:id="rId25"/>
   </p:notesMasterIdLst>
   <p:sldIdLst>
     <p:sldId id="256" r:id="rId2"/>
@@ -25,11 +25,12 @@
     <p:sldId id="420" r:id="rId16"/>
     <p:sldId id="422" r:id="rId17"/>
     <p:sldId id="423" r:id="rId18"/>
-    <p:sldId id="424" r:id="rId19"/>
-    <p:sldId id="428" r:id="rId20"/>
-    <p:sldId id="430" r:id="rId21"/>
-    <p:sldId id="429" r:id="rId22"/>
-    <p:sldId id="412" r:id="rId23"/>
+    <p:sldId id="435" r:id="rId19"/>
+    <p:sldId id="424" r:id="rId20"/>
+    <p:sldId id="428" r:id="rId21"/>
+    <p:sldId id="430" r:id="rId22"/>
+    <p:sldId id="429" r:id="rId23"/>
+    <p:sldId id="412" r:id="rId24"/>
   </p:sldIdLst>
   <p:sldSz cx="9144000" cy="6858000" type="screen4x3"/>
   <p:notesSz cx="6858000" cy="9144000"/>
@@ -230,7 +231,7 @@
             <a:fld id="{EF88095B-826C-4D0E-ACE1-419E2A1A3ECD}" type="datetimeFigureOut">
               <a:rPr lang="de-AT" smtClean="0"/>
               <a:pPr/>
-              <a:t>23.03.2015</a:t>
+              <a:t>24.03.2015</a:t>
             </a:fld>
             <a:endParaRPr lang="de-AT"/>
           </a:p>
@@ -4014,34 +4015,8 @@
         </p:blipFill>
         <p:spPr bwMode="auto">
           <a:xfrm>
-            <a:off x="3691573" y="5589240"/>
+            <a:off x="6771586" y="5589240"/>
             <a:ext cx="1760854" cy="1074420"/>
-          </a:xfrm>
-          <a:prstGeom prst="rect">
-            <a:avLst/>
-          </a:prstGeom>
-          <a:noFill/>
-        </p:spPr>
-      </p:pic>
-      <p:pic>
-        <p:nvPicPr>
-          <p:cNvPr id="11" name="Picture 6" descr="C:\FH\Ressel\documents\Logo\Ressel_Logo (transparent).png"/>
-          <p:cNvPicPr>
-            <a:picLocks noChangeAspect="1" noChangeArrowheads="1"/>
-          </p:cNvPicPr>
-          <p:nvPr/>
-        </p:nvPicPr>
-        <p:blipFill>
-          <a:blip r:embed="rId4" cstate="print"/>
-          <a:srcRect/>
-          <a:stretch>
-            <a:fillRect/>
-          </a:stretch>
-        </p:blipFill>
-        <p:spPr bwMode="auto">
-          <a:xfrm>
-            <a:off x="5916145" y="5733256"/>
-            <a:ext cx="2832319" cy="758656"/>
           </a:xfrm>
           <a:prstGeom prst="rect">
             <a:avLst/>
@@ -4058,7 +4033,7 @@
           <p:nvPr/>
         </p:nvPicPr>
         <p:blipFill>
-          <a:blip r:embed="rId5" cstate="print">
+          <a:blip r:embed="rId4" cstate="print">
             <a:extLst>
               <a:ext uri="{28A0092B-C50C-407E-A947-70E740481C1C}">
                 <a14:useLocalDpi xmlns:a14="http://schemas.microsoft.com/office/drawing/2010/main" val="0"/>
@@ -4168,7 +4143,9 @@
         </p:nvSpPr>
         <p:spPr/>
         <p:txBody>
-          <a:bodyPr/>
+          <a:bodyPr>
+            <a:normAutofit lnSpcReduction="10000"/>
+          </a:bodyPr>
           <a:lstStyle/>
           <a:p>
             <a:r>
@@ -4193,7 +4170,10 @@
               <a:t>Inherit from either </a:t>
             </a:r>
             <a:r>
-              <a:rPr lang="en-US" dirty="0" err="1" smtClean="0"/>
+              <a:rPr lang="en-US" dirty="0" err="1" smtClean="0">
+                <a:latin typeface="Courier New" panose="02070309020205020404" pitchFamily="49" charset="0"/>
+                <a:cs typeface="Courier New" panose="02070309020205020404" pitchFamily="49" charset="0"/>
+              </a:rPr>
               <a:t>IDeepCloneable</a:t>
             </a:r>
             <a:r>
@@ -4602,8 +4582,8 @@
         </p:nvSpPr>
         <p:spPr>
           <a:xfrm>
-            <a:off x="4355976" y="692696"/>
-            <a:ext cx="1800200" cy="724942"/>
+            <a:off x="4539830" y="717482"/>
+            <a:ext cx="2160240" cy="724942"/>
           </a:xfrm>
           <a:prstGeom prst="borderCallout2">
             <a:avLst>
@@ -4638,14 +4618,27 @@
           <a:p>
             <a:pPr algn="ctr"/>
             <a:r>
+              <a:rPr lang="en-US" dirty="0" smtClean="0">
+                <a:latin typeface="Courier New" panose="02070309020205020404" pitchFamily="49" charset="0"/>
+                <a:cs typeface="Courier New" panose="02070309020205020404" pitchFamily="49" charset="0"/>
+              </a:rPr>
+              <a:t>Item</a:t>
+            </a:r>
+            <a:r>
               <a:rPr lang="en-US" dirty="0" smtClean="0"/>
-              <a:t>Item implements </a:t>
-            </a:r>
-            <a:r>
-              <a:rPr lang="en-US" dirty="0" err="1" smtClean="0"/>
+              <a:t> implements </a:t>
+            </a:r>
+            <a:r>
+              <a:rPr lang="en-US" dirty="0" err="1" smtClean="0">
+                <a:latin typeface="Courier New" panose="02070309020205020404" pitchFamily="49" charset="0"/>
+                <a:cs typeface="Courier New" panose="02070309020205020404" pitchFamily="49" charset="0"/>
+              </a:rPr>
               <a:t>IDeepCloneable</a:t>
             </a:r>
-            <a:endParaRPr lang="en-US" dirty="0"/>
+            <a:endParaRPr lang="en-US" dirty="0">
+              <a:latin typeface="Courier New" panose="02070309020205020404" pitchFamily="49" charset="0"/>
+              <a:cs typeface="Courier New" panose="02070309020205020404" pitchFamily="49" charset="0"/>
+            </a:endParaRPr>
           </a:p>
         </p:txBody>
       </p:sp>
@@ -4694,11 +4687,7 @@
             <a:pPr algn="ctr"/>
             <a:r>
               <a:rPr lang="en-US" smtClean="0"/>
-              <a:t>Call </a:t>
-            </a:r>
-            <a:r>
-              <a:rPr lang="en-US" smtClean="0"/>
-              <a:t>cloning constructor </a:t>
+              <a:t>Call cloning constructor </a:t>
             </a:r>
             <a:r>
               <a:rPr lang="en-US" dirty="0" smtClean="0"/>
@@ -4781,7 +4770,7 @@
         <p:spPr/>
         <p:txBody>
           <a:bodyPr>
-            <a:normAutofit fontScale="92500" lnSpcReduction="20000"/>
+            <a:normAutofit fontScale="85000" lnSpcReduction="10000"/>
           </a:bodyPr>
           <a:lstStyle/>
           <a:p>
@@ -4793,23 +4782,25 @@
           <a:p>
             <a:r>
               <a:rPr lang="en-US" dirty="0" smtClean="0"/>
-              <a:t>A class that should be </a:t>
-            </a:r>
-            <a:r>
-              <a:rPr lang="en-US" dirty="0" err="1" smtClean="0"/>
-              <a:t>serializable</a:t>
-            </a:r>
-            <a:r>
-              <a:rPr lang="en-US" dirty="0" smtClean="0"/>
-              <a:t> has to be marked with the [</a:t>
-            </a:r>
-            <a:r>
-              <a:rPr lang="de-AT" dirty="0" err="1" smtClean="0"/>
+              <a:t>A class that should be serializable has to be marked with the </a:t>
+            </a:r>
+            <a:r>
+              <a:rPr lang="de-AT" dirty="0" err="1" smtClean="0">
+                <a:latin typeface="Courier New" panose="02070309020205020404" pitchFamily="49" charset="0"/>
+                <a:cs typeface="Courier New" panose="02070309020205020404" pitchFamily="49" charset="0"/>
+              </a:rPr>
               <a:t>StorableClass</a:t>
             </a:r>
             <a:r>
+              <a:rPr lang="de-AT" dirty="0" smtClean="0">
+                <a:latin typeface="Courier New" panose="02070309020205020404" pitchFamily="49" charset="0"/>
+                <a:cs typeface="Courier New" panose="02070309020205020404" pitchFamily="49" charset="0"/>
+              </a:rPr>
+              <a:t>[]</a:t>
+            </a:r>
+            <a:r>
               <a:rPr lang="de-AT" dirty="0" smtClean="0"/>
-              <a:t>] </a:t>
+              <a:t> </a:t>
             </a:r>
             <a:r>
               <a:rPr lang="en-US" dirty="0" smtClean="0"/>
@@ -4819,31 +4810,48 @@
           <a:p>
             <a:r>
               <a:rPr lang="en-US" dirty="0" smtClean="0"/>
-              <a:t>Properties that should be serialized have to be marked with the [Storable] attribute</a:t>
-            </a:r>
-          </a:p>
-          <a:p>
-            <a:r>
-              <a:rPr lang="en-US" dirty="0" err="1" smtClean="0"/>
-              <a:t>StorableConstructor</a:t>
+              <a:t>Properties that should be serialized have to be marked with the </a:t>
+            </a:r>
+            <a:r>
+              <a:rPr lang="en-US" dirty="0" smtClean="0">
+                <a:latin typeface="Courier New" panose="02070309020205020404" pitchFamily="49" charset="0"/>
+                <a:cs typeface="Courier New" panose="02070309020205020404" pitchFamily="49" charset="0"/>
+              </a:rPr>
+              <a:t>Storable[]</a:t>
             </a:r>
             <a:r>
               <a:rPr lang="en-US" dirty="0" smtClean="0"/>
-              <a:t> has to be implemented</a:t>
+              <a:t> attribute</a:t>
             </a:r>
           </a:p>
           <a:p>
             <a:r>
               <a:rPr lang="en-US" dirty="0" smtClean="0"/>
-              <a:t>Optional: Define Hooks with attribute [</a:t>
-            </a:r>
-            <a:r>
-              <a:rPr lang="en-US" dirty="0" err="1" smtClean="0"/>
+              <a:t>Storable constructor has to be implemented</a:t>
+            </a:r>
+          </a:p>
+          <a:p>
+            <a:r>
+              <a:rPr lang="en-US" dirty="0" smtClean="0"/>
+              <a:t>Optional: Define hooks with attribute </a:t>
+            </a:r>
+            <a:r>
+              <a:rPr lang="en-US" dirty="0" err="1" smtClean="0">
+                <a:latin typeface="Courier New" panose="02070309020205020404" pitchFamily="49" charset="0"/>
+                <a:cs typeface="Courier New" panose="02070309020205020404" pitchFamily="49" charset="0"/>
+              </a:rPr>
               <a:t>StorableHook</a:t>
             </a:r>
             <a:r>
+              <a:rPr lang="en-US" dirty="0" smtClean="0">
+                <a:latin typeface="Courier New" panose="02070309020205020404" pitchFamily="49" charset="0"/>
+                <a:cs typeface="Courier New" panose="02070309020205020404" pitchFamily="49" charset="0"/>
+              </a:rPr>
+              <a:t>[]</a:t>
+            </a:r>
+            <a:r>
               <a:rPr lang="en-US" dirty="0" smtClean="0"/>
-              <a:t>] to react on loading/saving events</a:t>
+              <a:t> to react on loading/saving events</a:t>
             </a:r>
           </a:p>
           <a:p>
@@ -4852,7 +4860,10 @@
               <a:t>Implement </a:t>
             </a:r>
             <a:r>
-              <a:rPr lang="en-US" dirty="0" err="1" smtClean="0"/>
+              <a:rPr lang="en-US" dirty="0" err="1" smtClean="0">
+                <a:latin typeface="Courier New" panose="02070309020205020404" pitchFamily="49" charset="0"/>
+                <a:cs typeface="Courier New" panose="02070309020205020404" pitchFamily="49" charset="0"/>
+              </a:rPr>
               <a:t>IStorableContent</a:t>
             </a:r>
             <a:r>
@@ -5138,9 +5149,19 @@
             <a:pPr algn="ctr"/>
             <a:r>
               <a:rPr lang="en-US" dirty="0" smtClean="0"/>
-              <a:t>Properties that should be stored in a file have to be marked with [Storable]</a:t>
-            </a:r>
-            <a:endParaRPr lang="en-US" dirty="0"/>
+              <a:t>Properties that should be stored in a file have to be marked with </a:t>
+            </a:r>
+            <a:r>
+              <a:rPr lang="en-US" dirty="0" smtClean="0">
+                <a:latin typeface="Courier New" panose="02070309020205020404" pitchFamily="49" charset="0"/>
+                <a:cs typeface="Courier New" panose="02070309020205020404" pitchFamily="49" charset="0"/>
+              </a:rPr>
+              <a:t>Storable[]</a:t>
+            </a:r>
+            <a:endParaRPr lang="en-US" dirty="0">
+              <a:latin typeface="Courier New" panose="02070309020205020404" pitchFamily="49" charset="0"/>
+              <a:cs typeface="Courier New" panose="02070309020205020404" pitchFamily="49" charset="0"/>
+            </a:endParaRPr>
           </a:p>
         </p:txBody>
       </p:sp>
@@ -5414,7 +5435,7 @@
         <p:spPr/>
         <p:txBody>
           <a:bodyPr>
-            <a:normAutofit fontScale="92500" lnSpcReduction="10000"/>
+            <a:normAutofit fontScale="92500" lnSpcReduction="20000"/>
           </a:bodyPr>
           <a:lstStyle/>
           <a:p>
@@ -5471,7 +5492,10 @@
           <a:p>
             <a:pPr lvl="1"/>
             <a:r>
-              <a:rPr lang="de-AT" dirty="0" err="1" smtClean="0"/>
+              <a:rPr lang="de-AT" dirty="0" err="1" smtClean="0">
+                <a:latin typeface="Courier New" panose="02070309020205020404" pitchFamily="49" charset="0"/>
+                <a:cs typeface="Courier New" panose="02070309020205020404" pitchFamily="49" charset="0"/>
+              </a:rPr>
               <a:t>ToStringChanged</a:t>
             </a:r>
             <a:r>
@@ -5487,7 +5511,10 @@
               <a:t> </a:t>
             </a:r>
             <a:r>
-              <a:rPr lang="de-AT" dirty="0" err="1" smtClean="0"/>
+              <a:rPr lang="de-AT" dirty="0" err="1" smtClean="0">
+                <a:latin typeface="Courier New" panose="02070309020205020404" pitchFamily="49" charset="0"/>
+                <a:cs typeface="Courier New" panose="02070309020205020404" pitchFamily="49" charset="0"/>
+              </a:rPr>
               <a:t>ItemImageChanged</a:t>
             </a:r>
             <a:r>
@@ -5565,7 +5592,10 @@
               <a:t> </a:t>
             </a:r>
             <a:r>
-              <a:rPr lang="de-AT" dirty="0" err="1" smtClean="0"/>
+              <a:rPr lang="de-AT" dirty="0" err="1" smtClean="0">
+                <a:latin typeface="Courier New" panose="02070309020205020404" pitchFamily="49" charset="0"/>
+                <a:cs typeface="Courier New" panose="02070309020205020404" pitchFamily="49" charset="0"/>
+              </a:rPr>
               <a:t>IContent</a:t>
             </a:r>
             <a:r>
@@ -5609,7 +5639,18 @@
             </a:r>
             <a:r>
               <a:rPr lang="de-AT" dirty="0" smtClean="0"/>
-              <a:t> [Item] </a:t>
+              <a:t> </a:t>
+            </a:r>
+            <a:r>
+              <a:rPr lang="de-AT" dirty="0" smtClean="0">
+                <a:latin typeface="Courier New" panose="02070309020205020404" pitchFamily="49" charset="0"/>
+                <a:cs typeface="Courier New" panose="02070309020205020404" pitchFamily="49" charset="0"/>
+              </a:rPr>
+              <a:t>Item[]</a:t>
+            </a:r>
+            <a:r>
+              <a:rPr lang="de-AT" dirty="0" smtClean="0"/>
+              <a:t> </a:t>
             </a:r>
             <a:r>
               <a:rPr lang="de-AT" dirty="0" err="1" smtClean="0"/>
@@ -6060,7 +6101,7 @@
         <p:spPr/>
         <p:txBody>
           <a:bodyPr>
-            <a:normAutofit fontScale="92500" lnSpcReduction="10000"/>
+            <a:normAutofit fontScale="92500" lnSpcReduction="20000"/>
           </a:bodyPr>
           <a:lstStyle/>
           <a:p>
@@ -6069,7 +6110,10 @@
               <a:t>Located in </a:t>
             </a:r>
             <a:r>
-              <a:rPr lang="en-US" dirty="0" err="1" smtClean="0"/>
+              <a:rPr lang="en-US" dirty="0" err="1" smtClean="0">
+                <a:latin typeface="Courier New" panose="02070309020205020404" pitchFamily="49" charset="0"/>
+                <a:cs typeface="Courier New" panose="02070309020205020404" pitchFamily="49" charset="0"/>
+              </a:rPr>
               <a:t>HeuristicLab.Data</a:t>
             </a:r>
             <a:r>
@@ -6077,7 +6121,10 @@
               <a:t> (and corresponding views in </a:t>
             </a:r>
             <a:r>
-              <a:rPr lang="en-US" dirty="0" err="1" smtClean="0"/>
+              <a:rPr lang="en-US" dirty="0" err="1" smtClean="0">
+                <a:latin typeface="Courier New" panose="02070309020205020404" pitchFamily="49" charset="0"/>
+                <a:cs typeface="Courier New" panose="02070309020205020404" pitchFamily="49" charset="0"/>
+              </a:rPr>
               <a:t>Data.Views</a:t>
             </a:r>
             <a:r>
@@ -6094,12 +6141,15 @@
           <a:p>
             <a:pPr lvl="1"/>
             <a:r>
-              <a:rPr lang="en-US" dirty="0" err="1" smtClean="0"/>
+              <a:rPr lang="en-US" dirty="0" err="1" smtClean="0">
+                <a:latin typeface="Courier New" panose="02070309020205020404" pitchFamily="49" charset="0"/>
+                <a:cs typeface="Courier New" panose="02070309020205020404" pitchFamily="49" charset="0"/>
+              </a:rPr>
               <a:t>ValueChanged</a:t>
             </a:r>
             <a:r>
               <a:rPr lang="en-US" dirty="0" smtClean="0"/>
-              <a:t> Event</a:t>
+              <a:t> event</a:t>
             </a:r>
           </a:p>
           <a:p>
@@ -6118,42 +6168,59 @@
           </a:p>
           <a:p>
             <a:r>
-              <a:rPr lang="en-US" dirty="0" err="1" smtClean="0"/>
-              <a:t>DataTypes</a:t>
-            </a:r>
-            <a:r>
               <a:rPr lang="en-US" dirty="0" smtClean="0"/>
-              <a:t> include</a:t>
+              <a:t>Data types include</a:t>
             </a:r>
           </a:p>
           <a:p>
             <a:pPr lvl="1"/>
             <a:r>
-              <a:rPr lang="en-US" dirty="0" err="1" smtClean="0"/>
+              <a:rPr lang="en-US" dirty="0" err="1" smtClean="0">
+                <a:latin typeface="Courier New" panose="02070309020205020404" pitchFamily="49" charset="0"/>
+                <a:cs typeface="Courier New" panose="02070309020205020404" pitchFamily="49" charset="0"/>
+              </a:rPr>
               <a:t>IntValue</a:t>
             </a:r>
             <a:r>
-              <a:rPr lang="en-US" dirty="0" smtClean="0"/>
+              <a:rPr lang="en-US" dirty="0" smtClean="0">
+                <a:latin typeface="Courier New" panose="02070309020205020404" pitchFamily="49" charset="0"/>
+                <a:cs typeface="Courier New" panose="02070309020205020404" pitchFamily="49" charset="0"/>
+              </a:rPr>
               <a:t>, </a:t>
             </a:r>
             <a:r>
-              <a:rPr lang="en-US" dirty="0" err="1" smtClean="0"/>
+              <a:rPr lang="en-US" dirty="0" err="1" smtClean="0">
+                <a:latin typeface="Courier New" panose="02070309020205020404" pitchFamily="49" charset="0"/>
+                <a:cs typeface="Courier New" panose="02070309020205020404" pitchFamily="49" charset="0"/>
+              </a:rPr>
               <a:t>DoubleValue</a:t>
             </a:r>
             <a:r>
-              <a:rPr lang="en-US" dirty="0" smtClean="0"/>
+              <a:rPr lang="en-US" dirty="0" smtClean="0">
+                <a:latin typeface="Courier New" panose="02070309020205020404" pitchFamily="49" charset="0"/>
+                <a:cs typeface="Courier New" panose="02070309020205020404" pitchFamily="49" charset="0"/>
+              </a:rPr>
               <a:t>, </a:t>
             </a:r>
             <a:r>
-              <a:rPr lang="en-US" dirty="0" err="1" smtClean="0"/>
+              <a:rPr lang="en-US" dirty="0" err="1" smtClean="0">
+                <a:latin typeface="Courier New" panose="02070309020205020404" pitchFamily="49" charset="0"/>
+                <a:cs typeface="Courier New" panose="02070309020205020404" pitchFamily="49" charset="0"/>
+              </a:rPr>
               <a:t>PercentValue</a:t>
             </a:r>
             <a:r>
-              <a:rPr lang="en-US" dirty="0" smtClean="0"/>
+              <a:rPr lang="en-US" dirty="0" smtClean="0">
+                <a:latin typeface="Courier New" panose="02070309020205020404" pitchFamily="49" charset="0"/>
+                <a:cs typeface="Courier New" panose="02070309020205020404" pitchFamily="49" charset="0"/>
+              </a:rPr>
               <a:t>, </a:t>
             </a:r>
             <a:r>
-              <a:rPr lang="en-US" dirty="0" err="1" smtClean="0"/>
+              <a:rPr lang="en-US" dirty="0" err="1" smtClean="0">
+                <a:latin typeface="Courier New" panose="02070309020205020404" pitchFamily="49" charset="0"/>
+                <a:cs typeface="Courier New" panose="02070309020205020404" pitchFamily="49" charset="0"/>
+              </a:rPr>
               <a:t>StringValue</a:t>
             </a:r>
             <a:r>
@@ -6316,7 +6383,9 @@
         </p:nvSpPr>
         <p:spPr/>
         <p:txBody>
-          <a:bodyPr/>
+          <a:bodyPr>
+            <a:normAutofit fontScale="92500"/>
+          </a:bodyPr>
           <a:lstStyle/>
           <a:p>
             <a:r>
@@ -6324,15 +6393,28 @@
               <a:t>Located in </a:t>
             </a:r>
             <a:r>
-              <a:rPr lang="en-US" dirty="0" err="1" smtClean="0"/>
+              <a:rPr lang="en-US" dirty="0" err="1" smtClean="0">
+                <a:latin typeface="Courier New" panose="02070309020205020404" pitchFamily="49" charset="0"/>
+                <a:cs typeface="Courier New" panose="02070309020205020404" pitchFamily="49" charset="0"/>
+              </a:rPr>
               <a:t>HeuristicLab.Collections</a:t>
             </a:r>
             <a:r>
+              <a:rPr lang="en-US" dirty="0" smtClean="0">
+                <a:latin typeface="Courier New" panose="02070309020205020404" pitchFamily="49" charset="0"/>
+                <a:cs typeface="Courier New" panose="02070309020205020404" pitchFamily="49" charset="0"/>
+              </a:rPr>
+              <a:t>/Core</a:t>
+            </a:r>
+            <a:r>
               <a:rPr lang="en-US" dirty="0" smtClean="0"/>
-              <a:t>/Core (and </a:t>
-            </a:r>
-            <a:r>
-              <a:rPr lang="en-US" dirty="0" err="1" smtClean="0"/>
+              <a:t> (and </a:t>
+            </a:r>
+            <a:r>
+              <a:rPr lang="en-US" dirty="0" err="1" smtClean="0">
+                <a:latin typeface="Courier New" panose="02070309020205020404" pitchFamily="49" charset="0"/>
+                <a:cs typeface="Courier New" panose="02070309020205020404" pitchFamily="49" charset="0"/>
+              </a:rPr>
               <a:t>Core.Views</a:t>
             </a:r>
             <a:r>
@@ -6343,7 +6425,15 @@
           <a:p>
             <a:r>
               <a:rPr lang="en-US" dirty="0" smtClean="0"/>
-              <a:t>Same as with data types, provide UI friendly wrappers for .NET collections (e.g. additional events)</a:t>
+              <a:t>Same as with data types, provide UI friendly wrappers for .NET collections (e.g</a:t>
+            </a:r>
+            <a:r>
+              <a:rPr lang="en-US" dirty="0" smtClean="0"/>
+              <a:t>., </a:t>
+            </a:r>
+            <a:r>
+              <a:rPr lang="en-US" dirty="0" smtClean="0"/>
+              <a:t>additional events)</a:t>
             </a:r>
           </a:p>
           <a:p>
@@ -6485,28 +6575,14 @@
         </p:nvSpPr>
         <p:spPr/>
         <p:txBody>
-          <a:bodyPr>
-            <a:normAutofit/>
-          </a:bodyPr>
-          <a:lstStyle/>
-          <a:p>
-            <a:r>
-              <a:rPr lang="de-AT" dirty="0"/>
-              <a:t>Content </a:t>
-            </a:r>
-            <a:r>
-              <a:rPr lang="de-AT" dirty="0" err="1"/>
-              <a:t>and</a:t>
-            </a:r>
-            <a:r>
-              <a:rPr lang="de-AT" dirty="0"/>
-              <a:t> </a:t>
-            </a:r>
-            <a:r>
-              <a:rPr lang="de-AT" dirty="0" smtClean="0"/>
-              <a:t>Views</a:t>
-            </a:r>
-            <a:endParaRPr lang="de-AT" dirty="0"/>
+          <a:bodyPr/>
+          <a:lstStyle/>
+          <a:p>
+            <a:r>
+              <a:rPr lang="en-GB" dirty="0" smtClean="0"/>
+              <a:t>Data Types and Collections</a:t>
+            </a:r>
+            <a:endParaRPr lang="en-GB" dirty="0"/>
           </a:p>
         </p:txBody>
       </p:sp>
@@ -6522,86 +6598,10 @@
         </p:nvSpPr>
         <p:spPr/>
         <p:txBody>
-          <a:bodyPr>
-            <a:normAutofit fontScale="85000" lnSpcReduction="10000"/>
-          </a:bodyPr>
-          <a:lstStyle/>
-          <a:p>
-            <a:r>
-              <a:rPr lang="en-US" dirty="0" smtClean="0"/>
-              <a:t>HL provides views for all data types, collections and much more (including input validation and updates)</a:t>
-            </a:r>
-          </a:p>
-          <a:p>
-            <a:r>
-              <a:rPr lang="en-US" dirty="0" smtClean="0"/>
-              <a:t>Views display (and manipulate) Content</a:t>
-            </a:r>
-          </a:p>
-          <a:p>
-            <a:r>
-              <a:rPr lang="en-US" dirty="0" smtClean="0"/>
-              <a:t>Use [Content] attribute to define the type of Content a view can display</a:t>
-            </a:r>
-            <a:endParaRPr lang="en-US" dirty="0"/>
-          </a:p>
-          <a:p>
-            <a:r>
-              <a:rPr lang="en-US" dirty="0" smtClean="0"/>
-              <a:t>Inherit </a:t>
-            </a:r>
-            <a:r>
-              <a:rPr lang="en-US" dirty="0" err="1" smtClean="0"/>
-              <a:t>UserControl</a:t>
-            </a:r>
-            <a:r>
-              <a:rPr lang="en-US" dirty="0" smtClean="0"/>
-              <a:t> from </a:t>
-            </a:r>
-            <a:r>
-              <a:rPr lang="en-US" dirty="0" err="1" smtClean="0"/>
-              <a:t>AsynchronousContentView</a:t>
-            </a:r>
-            <a:r>
-              <a:rPr lang="en-US" dirty="0" smtClean="0"/>
-              <a:t> or </a:t>
-            </a:r>
-            <a:r>
-              <a:rPr lang="en-US" dirty="0" err="1" smtClean="0"/>
-              <a:t>ItemView</a:t>
-            </a:r>
-            <a:endParaRPr lang="en-US" dirty="0" smtClean="0"/>
-          </a:p>
-          <a:p>
-            <a:r>
-              <a:rPr lang="en-US" dirty="0" smtClean="0"/>
-              <a:t>Content is set by HeuristicLab or manually</a:t>
-            </a:r>
-          </a:p>
-          <a:p>
-            <a:r>
-              <a:rPr lang="en-US" dirty="0" smtClean="0"/>
-              <a:t>React on events (e.g. </a:t>
-            </a:r>
-            <a:r>
-              <a:rPr lang="en-US" dirty="0" err="1" smtClean="0"/>
-              <a:t>OnContentChanged</a:t>
-            </a:r>
-            <a:r>
-              <a:rPr lang="en-US" dirty="0" smtClean="0"/>
-              <a:t>, (De)</a:t>
-            </a:r>
-            <a:r>
-              <a:rPr lang="en-US" dirty="0" err="1" smtClean="0"/>
-              <a:t>RegisterContentEvents</a:t>
-            </a:r>
-            <a:r>
-              <a:rPr lang="en-US" dirty="0" smtClean="0"/>
-              <a:t>, …)</a:t>
-            </a:r>
-          </a:p>
-          <a:p>
-            <a:endParaRPr lang="de-AT" dirty="0"/>
+          <a:bodyPr/>
+          <a:lstStyle/>
+          <a:p>
+            <a:endParaRPr lang="en-GB" dirty="0"/>
           </a:p>
         </p:txBody>
       </p:sp>
@@ -6621,13 +6621,10 @@
           <a:lstStyle/>
           <a:p>
             <a:r>
-              <a:rPr lang="de-DE" dirty="0" err="1"/>
-              <a:t>Programming</a:t>
-            </a:r>
-            <a:r>
-              <a:rPr lang="de-DE" dirty="0"/>
-              <a:t> HeuristicLab</a:t>
-            </a:r>
+              <a:rPr lang="de-DE" smtClean="0"/>
+              <a:t>Programming HeuristicLab</a:t>
+            </a:r>
+            <a:endParaRPr lang="de-DE" dirty="0"/>
           </a:p>
         </p:txBody>
       </p:sp>
@@ -6678,10 +6675,1250 @@
           </a:p>
         </p:txBody>
       </p:sp>
+      <p:sp>
+        <p:nvSpPr>
+          <p:cNvPr id="10" name="Rectangle 3"/>
+          <p:cNvSpPr>
+            <a:spLocks noChangeArrowheads="1"/>
+          </p:cNvSpPr>
+          <p:nvPr/>
+        </p:nvSpPr>
+        <p:spPr bwMode="auto">
+          <a:xfrm>
+            <a:off x="457200" y="1755324"/>
+            <a:ext cx="8229600" cy="338554"/>
+          </a:xfrm>
+          <a:prstGeom prst="rect">
+            <a:avLst/>
+          </a:prstGeom>
+          <a:solidFill>
+            <a:srgbClr val="FFFFFF"/>
+          </a:solidFill>
+          <a:ln>
+            <a:noFill/>
+          </a:ln>
+          <a:effectLst/>
+          <a:extLst>
+            <a:ext uri="{91240B29-F687-4F45-9708-019B960494DF}">
+              <a14:hiddenLine xmlns:a14="http://schemas.microsoft.com/office/drawing/2010/main" w="9525">
+                <a:solidFill>
+                  <a:schemeClr val="tx1"/>
+                </a:solidFill>
+                <a:miter lim="800000"/>
+                <a:headEnd/>
+                <a:tailEnd/>
+              </a14:hiddenLine>
+            </a:ext>
+            <a:ext uri="{AF507438-7753-43E0-B8FC-AC1667EBCBE1}">
+              <a14:hiddenEffects xmlns:a14="http://schemas.microsoft.com/office/drawing/2010/main">
+                <a:effectLst>
+                  <a:outerShdw dist="35921" dir="2700000" algn="ctr" rotWithShape="0">
+                    <a:schemeClr val="bg2"/>
+                  </a:outerShdw>
+                </a:effectLst>
+              </a14:hiddenEffects>
+            </a:ext>
+          </a:extLst>
+        </p:spPr>
+        <p:txBody>
+          <a:bodyPr vert="horz" wrap="square" lIns="91440" tIns="45720" rIns="91440" bIns="45720" numCol="1" anchor="ctr" anchorCtr="0" compatLnSpc="1">
+            <a:prstTxWarp prst="textNoShape">
+              <a:avLst/>
+            </a:prstTxWarp>
+            <a:spAutoFit/>
+          </a:bodyPr>
+          <a:lstStyle/>
+          <a:p>
+            <a:pPr marL="0" marR="0" lvl="0" indent="0" algn="l" defTabSz="914400" rtl="0" eaLnBrk="0" fontAlgn="base" latinLnBrk="0" hangingPunct="0">
+              <a:lnSpc>
+                <a:spcPct val="100000"/>
+              </a:lnSpc>
+              <a:spcBef>
+                <a:spcPct val="0"/>
+              </a:spcBef>
+              <a:spcAft>
+                <a:spcPct val="0"/>
+              </a:spcAft>
+              <a:buClrTx/>
+              <a:buSzTx/>
+              <a:buFontTx/>
+              <a:buNone/>
+              <a:tabLst/>
+            </a:pPr>
+            <a:r>
+              <a:rPr kumimoji="0" lang="de-DE" altLang="de-DE" sz="1600" b="0" i="0" u="none" strike="noStrike" cap="none" normalizeH="0" baseline="0" dirty="0" err="1" smtClean="0">
+                <a:ln>
+                  <a:noFill/>
+                </a:ln>
+                <a:solidFill>
+                  <a:srgbClr val="000000"/>
+                </a:solidFill>
+                <a:effectLst/>
+                <a:latin typeface="Consolas" panose="020B0609020204030204" pitchFamily="49" charset="0"/>
+                <a:cs typeface="Consolas" panose="020B0609020204030204" pitchFamily="49" charset="0"/>
+              </a:rPr>
+              <a:t>results.Add</a:t>
+            </a:r>
+            <a:r>
+              <a:rPr kumimoji="0" lang="de-DE" altLang="de-DE" sz="1600" b="0" i="0" u="none" strike="noStrike" cap="none" normalizeH="0" baseline="0" dirty="0" smtClean="0">
+                <a:ln>
+                  <a:noFill/>
+                </a:ln>
+                <a:solidFill>
+                  <a:srgbClr val="000000"/>
+                </a:solidFill>
+                <a:effectLst/>
+                <a:latin typeface="Consolas" panose="020B0609020204030204" pitchFamily="49" charset="0"/>
+                <a:cs typeface="Consolas" panose="020B0609020204030204" pitchFamily="49" charset="0"/>
+              </a:rPr>
+              <a:t>(</a:t>
+            </a:r>
+            <a:r>
+              <a:rPr kumimoji="0" lang="de-DE" altLang="de-DE" sz="1600" b="0" i="0" u="none" strike="noStrike" cap="none" normalizeH="0" baseline="0" dirty="0" err="1" smtClean="0">
+                <a:ln>
+                  <a:noFill/>
+                </a:ln>
+                <a:solidFill>
+                  <a:srgbClr val="0000FF"/>
+                </a:solidFill>
+                <a:effectLst/>
+                <a:latin typeface="Consolas" panose="020B0609020204030204" pitchFamily="49" charset="0"/>
+                <a:cs typeface="Consolas" panose="020B0609020204030204" pitchFamily="49" charset="0"/>
+              </a:rPr>
+              <a:t>new</a:t>
+            </a:r>
+            <a:r>
+              <a:rPr kumimoji="0" lang="de-DE" altLang="de-DE" sz="1600" b="0" i="0" u="none" strike="noStrike" cap="none" normalizeH="0" baseline="0" dirty="0" smtClean="0">
+                <a:ln>
+                  <a:noFill/>
+                </a:ln>
+                <a:solidFill>
+                  <a:srgbClr val="000000"/>
+                </a:solidFill>
+                <a:effectLst/>
+                <a:latin typeface="Consolas" panose="020B0609020204030204" pitchFamily="49" charset="0"/>
+                <a:cs typeface="Consolas" panose="020B0609020204030204" pitchFamily="49" charset="0"/>
+              </a:rPr>
+              <a:t> </a:t>
+            </a:r>
+            <a:r>
+              <a:rPr kumimoji="0" lang="de-DE" altLang="de-DE" sz="1600" b="0" i="0" u="none" strike="noStrike" cap="none" normalizeH="0" baseline="0" dirty="0" err="1" smtClean="0">
+                <a:ln>
+                  <a:noFill/>
+                </a:ln>
+                <a:solidFill>
+                  <a:srgbClr val="2B91AF"/>
+                </a:solidFill>
+                <a:effectLst/>
+                <a:latin typeface="Consolas" panose="020B0609020204030204" pitchFamily="49" charset="0"/>
+                <a:cs typeface="Consolas" panose="020B0609020204030204" pitchFamily="49" charset="0"/>
+              </a:rPr>
+              <a:t>Result</a:t>
+            </a:r>
+            <a:r>
+              <a:rPr kumimoji="0" lang="de-DE" altLang="de-DE" sz="1600" b="0" i="0" u="none" strike="noStrike" cap="none" normalizeH="0" baseline="0" dirty="0" smtClean="0">
+                <a:ln>
+                  <a:noFill/>
+                </a:ln>
+                <a:solidFill>
+                  <a:srgbClr val="000000"/>
+                </a:solidFill>
+                <a:effectLst/>
+                <a:latin typeface="Consolas" panose="020B0609020204030204" pitchFamily="49" charset="0"/>
+                <a:cs typeface="Consolas" panose="020B0609020204030204" pitchFamily="49" charset="0"/>
+              </a:rPr>
+              <a:t>(</a:t>
+            </a:r>
+            <a:r>
+              <a:rPr kumimoji="0" lang="de-DE" altLang="de-DE" sz="1600" b="0" i="0" u="none" strike="noStrike" cap="none" normalizeH="0" baseline="0" dirty="0" smtClean="0">
+                <a:ln>
+                  <a:noFill/>
+                </a:ln>
+                <a:solidFill>
+                  <a:srgbClr val="A31515"/>
+                </a:solidFill>
+                <a:effectLst/>
+                <a:latin typeface="Consolas" panose="020B0609020204030204" pitchFamily="49" charset="0"/>
+                <a:cs typeface="Consolas" panose="020B0609020204030204" pitchFamily="49" charset="0"/>
+              </a:rPr>
+              <a:t>"MWIPS"</a:t>
+            </a:r>
+            <a:r>
+              <a:rPr kumimoji="0" lang="de-DE" altLang="de-DE" sz="1600" b="0" i="0" u="none" strike="noStrike" cap="none" normalizeH="0" baseline="0" dirty="0" smtClean="0">
+                <a:ln>
+                  <a:noFill/>
+                </a:ln>
+                <a:solidFill>
+                  <a:srgbClr val="000000"/>
+                </a:solidFill>
+                <a:effectLst/>
+                <a:latin typeface="Consolas" panose="020B0609020204030204" pitchFamily="49" charset="0"/>
+                <a:cs typeface="Consolas" panose="020B0609020204030204" pitchFamily="49" charset="0"/>
+              </a:rPr>
+              <a:t>, </a:t>
+            </a:r>
+            <a:r>
+              <a:rPr kumimoji="0" lang="de-DE" altLang="de-DE" sz="1600" b="0" i="0" u="none" strike="noStrike" cap="none" normalizeH="0" baseline="0" dirty="0" err="1" smtClean="0">
+                <a:ln>
+                  <a:noFill/>
+                </a:ln>
+                <a:solidFill>
+                  <a:srgbClr val="0000FF"/>
+                </a:solidFill>
+                <a:effectLst/>
+                <a:latin typeface="Consolas" panose="020B0609020204030204" pitchFamily="49" charset="0"/>
+                <a:cs typeface="Consolas" panose="020B0609020204030204" pitchFamily="49" charset="0"/>
+              </a:rPr>
+              <a:t>new</a:t>
+            </a:r>
+            <a:r>
+              <a:rPr kumimoji="0" lang="de-DE" altLang="de-DE" sz="1600" b="0" i="0" u="none" strike="noStrike" cap="none" normalizeH="0" baseline="0" dirty="0" smtClean="0">
+                <a:ln>
+                  <a:noFill/>
+                </a:ln>
+                <a:solidFill>
+                  <a:srgbClr val="000000"/>
+                </a:solidFill>
+                <a:effectLst/>
+                <a:latin typeface="Consolas" panose="020B0609020204030204" pitchFamily="49" charset="0"/>
+                <a:cs typeface="Consolas" panose="020B0609020204030204" pitchFamily="49" charset="0"/>
+              </a:rPr>
+              <a:t> </a:t>
+            </a:r>
+            <a:r>
+              <a:rPr kumimoji="0" lang="de-DE" altLang="de-DE" sz="1600" b="0" i="0" u="none" strike="noStrike" cap="none" normalizeH="0" baseline="0" dirty="0" err="1" smtClean="0">
+                <a:ln>
+                  <a:noFill/>
+                </a:ln>
+                <a:solidFill>
+                  <a:srgbClr val="2B91AF"/>
+                </a:solidFill>
+                <a:effectLst/>
+                <a:latin typeface="Consolas" panose="020B0609020204030204" pitchFamily="49" charset="0"/>
+                <a:cs typeface="Consolas" panose="020B0609020204030204" pitchFamily="49" charset="0"/>
+              </a:rPr>
+              <a:t>IntValue</a:t>
+            </a:r>
+            <a:r>
+              <a:rPr kumimoji="0" lang="de-DE" altLang="de-DE" sz="1600" b="0" i="0" u="none" strike="noStrike" cap="none" normalizeH="0" baseline="0" dirty="0" smtClean="0">
+                <a:ln>
+                  <a:noFill/>
+                </a:ln>
+                <a:solidFill>
+                  <a:srgbClr val="000000"/>
+                </a:solidFill>
+                <a:effectLst/>
+                <a:latin typeface="Consolas" panose="020B0609020204030204" pitchFamily="49" charset="0"/>
+                <a:cs typeface="Consolas" panose="020B0609020204030204" pitchFamily="49" charset="0"/>
+              </a:rPr>
+              <a:t>(</a:t>
+            </a:r>
+            <a:r>
+              <a:rPr kumimoji="0" lang="de-DE" altLang="de-DE" sz="1600" b="0" i="0" u="none" strike="noStrike" cap="none" normalizeH="0" baseline="0" dirty="0" err="1" smtClean="0">
+                <a:ln>
+                  <a:noFill/>
+                </a:ln>
+                <a:solidFill>
+                  <a:srgbClr val="000000"/>
+                </a:solidFill>
+                <a:effectLst/>
+                <a:latin typeface="Consolas" panose="020B0609020204030204" pitchFamily="49" charset="0"/>
+                <a:cs typeface="Consolas" panose="020B0609020204030204" pitchFamily="49" charset="0"/>
+              </a:rPr>
+              <a:t>intRating</a:t>
+            </a:r>
+            <a:r>
+              <a:rPr kumimoji="0" lang="de-DE" altLang="de-DE" sz="1600" b="0" i="0" u="none" strike="noStrike" cap="none" normalizeH="0" baseline="0" dirty="0" smtClean="0">
+                <a:ln>
+                  <a:noFill/>
+                </a:ln>
+                <a:solidFill>
+                  <a:srgbClr val="000000"/>
+                </a:solidFill>
+                <a:effectLst/>
+                <a:latin typeface="Consolas" panose="020B0609020204030204" pitchFamily="49" charset="0"/>
+                <a:cs typeface="Consolas" panose="020B0609020204030204" pitchFamily="49" charset="0"/>
+              </a:rPr>
+              <a:t> / 1000))); </a:t>
+            </a:r>
+            <a:endParaRPr kumimoji="0" lang="de-DE" altLang="de-DE" sz="4000" b="0" i="0" u="none" strike="noStrike" cap="none" normalizeH="0" baseline="0" dirty="0" smtClean="0">
+              <a:ln>
+                <a:noFill/>
+              </a:ln>
+              <a:solidFill>
+                <a:schemeClr val="tx1"/>
+              </a:solidFill>
+              <a:effectLst/>
+              <a:latin typeface="Arial" panose="020B0604020202020204" pitchFamily="34" charset="0"/>
+            </a:endParaRPr>
+          </a:p>
+        </p:txBody>
+      </p:sp>
+      <p:sp>
+        <p:nvSpPr>
+          <p:cNvPr id="11" name="Rectangle 4"/>
+          <p:cNvSpPr>
+            <a:spLocks noChangeArrowheads="1"/>
+          </p:cNvSpPr>
+          <p:nvPr/>
+        </p:nvSpPr>
+        <p:spPr bwMode="auto">
+          <a:xfrm>
+            <a:off x="457200" y="2544267"/>
+            <a:ext cx="6673945" cy="584775"/>
+          </a:xfrm>
+          <a:prstGeom prst="rect">
+            <a:avLst/>
+          </a:prstGeom>
+          <a:solidFill>
+            <a:srgbClr val="FFFFFF"/>
+          </a:solidFill>
+          <a:ln>
+            <a:noFill/>
+          </a:ln>
+          <a:effectLst/>
+          <a:extLst>
+            <a:ext uri="{91240B29-F687-4F45-9708-019B960494DF}">
+              <a14:hiddenLine xmlns:a14="http://schemas.microsoft.com/office/drawing/2010/main" w="9525">
+                <a:solidFill>
+                  <a:schemeClr val="tx1"/>
+                </a:solidFill>
+                <a:miter lim="800000"/>
+                <a:headEnd/>
+                <a:tailEnd/>
+              </a14:hiddenLine>
+            </a:ext>
+            <a:ext uri="{AF507438-7753-43E0-B8FC-AC1667EBCBE1}">
+              <a14:hiddenEffects xmlns:a14="http://schemas.microsoft.com/office/drawing/2010/main">
+                <a:effectLst>
+                  <a:outerShdw dist="35921" dir="2700000" algn="ctr" rotWithShape="0">
+                    <a:schemeClr val="bg2"/>
+                  </a:outerShdw>
+                </a:effectLst>
+              </a14:hiddenEffects>
+            </a:ext>
+          </a:extLst>
+        </p:spPr>
+        <p:txBody>
+          <a:bodyPr vert="horz" wrap="square" lIns="91440" tIns="45720" rIns="91440" bIns="45720" numCol="1" anchor="ctr" anchorCtr="0" compatLnSpc="1">
+            <a:prstTxWarp prst="textNoShape">
+              <a:avLst/>
+            </a:prstTxWarp>
+            <a:spAutoFit/>
+          </a:bodyPr>
+          <a:lstStyle/>
+          <a:p>
+            <a:pPr marL="0" marR="0" lvl="0" indent="0" algn="l" defTabSz="914400" rtl="0" eaLnBrk="0" fontAlgn="base" latinLnBrk="0" hangingPunct="0">
+              <a:lnSpc>
+                <a:spcPct val="100000"/>
+              </a:lnSpc>
+              <a:spcBef>
+                <a:spcPct val="0"/>
+              </a:spcBef>
+              <a:spcAft>
+                <a:spcPct val="0"/>
+              </a:spcAft>
+              <a:buClrTx/>
+              <a:buSzTx/>
+              <a:buFontTx/>
+              <a:buNone/>
+              <a:tabLst/>
+            </a:pPr>
+            <a:r>
+              <a:rPr kumimoji="0" lang="de-DE" altLang="de-DE" sz="1600" b="0" i="0" u="none" strike="noStrike" cap="none" normalizeH="0" baseline="0" dirty="0" err="1" smtClean="0">
+                <a:ln>
+                  <a:noFill/>
+                </a:ln>
+                <a:solidFill>
+                  <a:srgbClr val="2B91AF"/>
+                </a:solidFill>
+                <a:effectLst/>
+                <a:latin typeface="Consolas" panose="020B0609020204030204" pitchFamily="49" charset="0"/>
+                <a:cs typeface="Consolas" panose="020B0609020204030204" pitchFamily="49" charset="0"/>
+              </a:rPr>
+              <a:t>DoubleValue</a:t>
+            </a:r>
+            <a:r>
+              <a:rPr kumimoji="0" lang="de-DE" altLang="de-DE" sz="1600" b="0" i="0" u="none" strike="noStrike" cap="none" normalizeH="0" baseline="0" dirty="0" smtClean="0">
+                <a:ln>
+                  <a:noFill/>
+                </a:ln>
+                <a:solidFill>
+                  <a:srgbClr val="000000"/>
+                </a:solidFill>
+                <a:effectLst/>
+                <a:latin typeface="Consolas" panose="020B0609020204030204" pitchFamily="49" charset="0"/>
+                <a:cs typeface="Consolas" panose="020B0609020204030204" pitchFamily="49" charset="0"/>
+              </a:rPr>
+              <a:t> </a:t>
+            </a:r>
+            <a:r>
+              <a:rPr kumimoji="0" lang="de-DE" altLang="de-DE" sz="1600" b="0" i="0" u="none" strike="noStrike" cap="none" normalizeH="0" baseline="0" dirty="0" err="1" smtClean="0">
+                <a:ln>
+                  <a:noFill/>
+                </a:ln>
+                <a:solidFill>
+                  <a:srgbClr val="000000"/>
+                </a:solidFill>
+                <a:effectLst/>
+                <a:latin typeface="Consolas" panose="020B0609020204030204" pitchFamily="49" charset="0"/>
+                <a:cs typeface="Consolas" panose="020B0609020204030204" pitchFamily="49" charset="0"/>
+              </a:rPr>
+              <a:t>doubleValue</a:t>
+            </a:r>
+            <a:r>
+              <a:rPr kumimoji="0" lang="de-DE" altLang="de-DE" sz="1600" b="0" i="0" u="none" strike="noStrike" cap="none" normalizeH="0" baseline="0" dirty="0" smtClean="0">
+                <a:ln>
+                  <a:noFill/>
+                </a:ln>
+                <a:solidFill>
+                  <a:srgbClr val="000000"/>
+                </a:solidFill>
+                <a:effectLst/>
+                <a:latin typeface="Consolas" panose="020B0609020204030204" pitchFamily="49" charset="0"/>
+                <a:cs typeface="Consolas" panose="020B0609020204030204" pitchFamily="49" charset="0"/>
+              </a:rPr>
+              <a:t>  = </a:t>
+            </a:r>
+            <a:r>
+              <a:rPr kumimoji="0" lang="de-DE" altLang="de-DE" sz="1600" b="0" i="0" u="none" strike="noStrike" cap="none" normalizeH="0" baseline="0" dirty="0" err="1" smtClean="0">
+                <a:ln>
+                  <a:noFill/>
+                </a:ln>
+                <a:solidFill>
+                  <a:srgbClr val="0000FF"/>
+                </a:solidFill>
+                <a:effectLst/>
+                <a:latin typeface="Consolas" panose="020B0609020204030204" pitchFamily="49" charset="0"/>
+                <a:cs typeface="Consolas" panose="020B0609020204030204" pitchFamily="49" charset="0"/>
+              </a:rPr>
+              <a:t>new</a:t>
+            </a:r>
+            <a:r>
+              <a:rPr kumimoji="0" lang="de-DE" altLang="de-DE" sz="1600" b="0" i="0" u="none" strike="noStrike" cap="none" normalizeH="0" baseline="0" dirty="0" smtClean="0">
+                <a:ln>
+                  <a:noFill/>
+                </a:ln>
+                <a:solidFill>
+                  <a:srgbClr val="000000"/>
+                </a:solidFill>
+                <a:effectLst/>
+                <a:latin typeface="Consolas" panose="020B0609020204030204" pitchFamily="49" charset="0"/>
+                <a:cs typeface="Consolas" panose="020B0609020204030204" pitchFamily="49" charset="0"/>
+              </a:rPr>
+              <a:t> </a:t>
+            </a:r>
+            <a:r>
+              <a:rPr kumimoji="0" lang="de-DE" altLang="de-DE" sz="1600" b="0" i="0" u="none" strike="noStrike" cap="none" normalizeH="0" baseline="0" dirty="0" err="1" smtClean="0">
+                <a:ln>
+                  <a:noFill/>
+                </a:ln>
+                <a:solidFill>
+                  <a:srgbClr val="2B91AF"/>
+                </a:solidFill>
+                <a:effectLst/>
+                <a:latin typeface="Consolas" panose="020B0609020204030204" pitchFamily="49" charset="0"/>
+                <a:cs typeface="Consolas" panose="020B0609020204030204" pitchFamily="49" charset="0"/>
+              </a:rPr>
+              <a:t>DoubleValue</a:t>
+            </a:r>
+            <a:r>
+              <a:rPr kumimoji="0" lang="de-DE" altLang="de-DE" sz="1600" b="0" i="0" u="none" strike="noStrike" cap="none" normalizeH="0" baseline="0" dirty="0" smtClean="0">
+                <a:ln>
+                  <a:noFill/>
+                </a:ln>
+                <a:solidFill>
+                  <a:srgbClr val="000000"/>
+                </a:solidFill>
+                <a:effectLst/>
+                <a:latin typeface="Consolas" panose="020B0609020204030204" pitchFamily="49" charset="0"/>
+                <a:cs typeface="Consolas" panose="020B0609020204030204" pitchFamily="49" charset="0"/>
+              </a:rPr>
+              <a:t>();        </a:t>
+            </a:r>
+          </a:p>
+          <a:p>
+            <a:pPr marL="0" marR="0" lvl="0" indent="0" algn="l" defTabSz="914400" rtl="0" eaLnBrk="0" fontAlgn="base" latinLnBrk="0" hangingPunct="0">
+              <a:lnSpc>
+                <a:spcPct val="100000"/>
+              </a:lnSpc>
+              <a:spcBef>
+                <a:spcPct val="0"/>
+              </a:spcBef>
+              <a:spcAft>
+                <a:spcPct val="0"/>
+              </a:spcAft>
+              <a:buClrTx/>
+              <a:buSzTx/>
+              <a:buFontTx/>
+              <a:buNone/>
+              <a:tabLst/>
+            </a:pPr>
+            <a:r>
+              <a:rPr kumimoji="0" lang="de-DE" altLang="de-DE" sz="1600" b="0" i="0" u="none" strike="noStrike" cap="none" normalizeH="0" baseline="0" dirty="0" err="1" smtClean="0">
+                <a:ln>
+                  <a:noFill/>
+                </a:ln>
+                <a:solidFill>
+                  <a:srgbClr val="000000"/>
+                </a:solidFill>
+                <a:effectLst/>
+                <a:latin typeface="Consolas" panose="020B0609020204030204" pitchFamily="49" charset="0"/>
+                <a:cs typeface="Consolas" panose="020B0609020204030204" pitchFamily="49" charset="0"/>
+              </a:rPr>
+              <a:t>doubleValue.Value</a:t>
+            </a:r>
+            <a:r>
+              <a:rPr kumimoji="0" lang="de-DE" altLang="de-DE" sz="1600" b="0" i="0" u="none" strike="noStrike" cap="none" normalizeH="0" baseline="0" dirty="0" smtClean="0">
+                <a:ln>
+                  <a:noFill/>
+                </a:ln>
+                <a:solidFill>
+                  <a:srgbClr val="000000"/>
+                </a:solidFill>
+                <a:effectLst/>
+                <a:latin typeface="Consolas" panose="020B0609020204030204" pitchFamily="49" charset="0"/>
+                <a:cs typeface="Consolas" panose="020B0609020204030204" pitchFamily="49" charset="0"/>
+              </a:rPr>
+              <a:t> = </a:t>
+            </a:r>
+            <a:r>
+              <a:rPr kumimoji="0" lang="de-DE" altLang="de-DE" sz="1600" b="0" i="0" u="none" strike="noStrike" cap="none" normalizeH="0" baseline="0" dirty="0" err="1" smtClean="0">
+                <a:ln>
+                  <a:noFill/>
+                </a:ln>
+                <a:solidFill>
+                  <a:srgbClr val="000000"/>
+                </a:solidFill>
+                <a:effectLst/>
+                <a:latin typeface="Consolas" panose="020B0609020204030204" pitchFamily="49" charset="0"/>
+                <a:cs typeface="Consolas" panose="020B0609020204030204" pitchFamily="49" charset="0"/>
+              </a:rPr>
+              <a:t>resultValue.Value.Average</a:t>
+            </a:r>
+            <a:r>
+              <a:rPr kumimoji="0" lang="de-DE" altLang="de-DE" sz="1600" b="0" i="0" u="none" strike="noStrike" cap="none" normalizeH="0" baseline="0" dirty="0" smtClean="0">
+                <a:ln>
+                  <a:noFill/>
+                </a:ln>
+                <a:solidFill>
+                  <a:srgbClr val="000000"/>
+                </a:solidFill>
+                <a:effectLst/>
+                <a:latin typeface="Consolas" panose="020B0609020204030204" pitchFamily="49" charset="0"/>
+                <a:cs typeface="Consolas" panose="020B0609020204030204" pitchFamily="49" charset="0"/>
+              </a:rPr>
+              <a:t>();</a:t>
+            </a:r>
+            <a:endParaRPr kumimoji="0" lang="de-DE" altLang="de-DE" sz="4000" b="0" i="0" u="none" strike="noStrike" cap="none" normalizeH="0" baseline="0" dirty="0" smtClean="0">
+              <a:ln>
+                <a:noFill/>
+              </a:ln>
+              <a:solidFill>
+                <a:schemeClr val="tx1"/>
+              </a:solidFill>
+              <a:effectLst/>
+              <a:latin typeface="Arial" panose="020B0604020202020204" pitchFamily="34" charset="0"/>
+            </a:endParaRPr>
+          </a:p>
+        </p:txBody>
+      </p:sp>
+      <p:sp>
+        <p:nvSpPr>
+          <p:cNvPr id="12" name="Rectangle 5"/>
+          <p:cNvSpPr>
+            <a:spLocks noChangeArrowheads="1"/>
+          </p:cNvSpPr>
+          <p:nvPr/>
+        </p:nvSpPr>
+        <p:spPr bwMode="auto">
+          <a:xfrm>
+            <a:off x="457200" y="3527137"/>
+            <a:ext cx="8229600" cy="2062103"/>
+          </a:xfrm>
+          <a:prstGeom prst="rect">
+            <a:avLst/>
+          </a:prstGeom>
+          <a:solidFill>
+            <a:srgbClr val="FFFFFF"/>
+          </a:solidFill>
+          <a:ln>
+            <a:noFill/>
+          </a:ln>
+          <a:effectLst/>
+          <a:extLst>
+            <a:ext uri="{91240B29-F687-4F45-9708-019B960494DF}">
+              <a14:hiddenLine xmlns:a14="http://schemas.microsoft.com/office/drawing/2010/main" w="9525">
+                <a:solidFill>
+                  <a:schemeClr val="tx1"/>
+                </a:solidFill>
+                <a:miter lim="800000"/>
+                <a:headEnd/>
+                <a:tailEnd/>
+              </a14:hiddenLine>
+            </a:ext>
+            <a:ext uri="{AF507438-7753-43E0-B8FC-AC1667EBCBE1}">
+              <a14:hiddenEffects xmlns:a14="http://schemas.microsoft.com/office/drawing/2010/main">
+                <a:effectLst>
+                  <a:outerShdw dist="35921" dir="2700000" algn="ctr" rotWithShape="0">
+                    <a:schemeClr val="bg2"/>
+                  </a:outerShdw>
+                </a:effectLst>
+              </a14:hiddenEffects>
+            </a:ext>
+          </a:extLst>
+        </p:spPr>
+        <p:txBody>
+          <a:bodyPr vert="horz" wrap="square" lIns="91440" tIns="45720" rIns="91440" bIns="45720" numCol="1" anchor="ctr" anchorCtr="0" compatLnSpc="1">
+            <a:prstTxWarp prst="textNoShape">
+              <a:avLst/>
+            </a:prstTxWarp>
+            <a:spAutoFit/>
+          </a:bodyPr>
+          <a:lstStyle/>
+          <a:p>
+            <a:pPr marL="0" marR="0" lvl="0" indent="0" algn="l" defTabSz="914400" rtl="0" eaLnBrk="0" fontAlgn="base" latinLnBrk="0" hangingPunct="0">
+              <a:lnSpc>
+                <a:spcPct val="100000"/>
+              </a:lnSpc>
+              <a:spcBef>
+                <a:spcPct val="0"/>
+              </a:spcBef>
+              <a:spcAft>
+                <a:spcPct val="0"/>
+              </a:spcAft>
+              <a:buClrTx/>
+              <a:buSzTx/>
+              <a:buFontTx/>
+              <a:buNone/>
+              <a:tabLst/>
+            </a:pPr>
+            <a:r>
+              <a:rPr kumimoji="0" lang="de-DE" altLang="de-DE" sz="1600" b="0" i="0" u="none" strike="noStrike" cap="none" normalizeH="0" baseline="0" dirty="0" smtClean="0">
+                <a:ln>
+                  <a:noFill/>
+                </a:ln>
+                <a:solidFill>
+                  <a:srgbClr val="000000"/>
+                </a:solidFill>
+                <a:effectLst/>
+                <a:latin typeface="Consolas" panose="020B0609020204030204" pitchFamily="49" charset="0"/>
+                <a:cs typeface="Consolas" panose="020B0609020204030204" pitchFamily="49" charset="0"/>
+              </a:rPr>
+              <a:t>[</a:t>
+            </a:r>
+            <a:r>
+              <a:rPr kumimoji="0" lang="de-DE" altLang="de-DE" sz="1600" b="0" i="0" u="none" strike="noStrike" cap="none" normalizeH="0" baseline="0" dirty="0" err="1" smtClean="0">
+                <a:ln>
+                  <a:noFill/>
+                </a:ln>
+                <a:solidFill>
+                  <a:srgbClr val="2B91AF"/>
+                </a:solidFill>
+                <a:effectLst/>
+                <a:latin typeface="Consolas" panose="020B0609020204030204" pitchFamily="49" charset="0"/>
+                <a:cs typeface="Consolas" panose="020B0609020204030204" pitchFamily="49" charset="0"/>
+              </a:rPr>
+              <a:t>Storable</a:t>
+            </a:r>
+            <a:r>
+              <a:rPr kumimoji="0" lang="de-DE" altLang="de-DE" sz="1600" b="0" i="0" u="none" strike="noStrike" cap="none" normalizeH="0" baseline="0" dirty="0" smtClean="0">
+                <a:ln>
+                  <a:noFill/>
+                </a:ln>
+                <a:solidFill>
+                  <a:srgbClr val="000000"/>
+                </a:solidFill>
+                <a:effectLst/>
+                <a:latin typeface="Consolas" panose="020B0609020204030204" pitchFamily="49" charset="0"/>
+                <a:cs typeface="Consolas" panose="020B0609020204030204" pitchFamily="49" charset="0"/>
+              </a:rPr>
+              <a:t>]</a:t>
+            </a:r>
+          </a:p>
+          <a:p>
+            <a:pPr marL="0" marR="0" lvl="0" indent="0" algn="l" defTabSz="914400" rtl="0" eaLnBrk="0" fontAlgn="base" latinLnBrk="0" hangingPunct="0">
+              <a:lnSpc>
+                <a:spcPct val="100000"/>
+              </a:lnSpc>
+              <a:spcBef>
+                <a:spcPct val="0"/>
+              </a:spcBef>
+              <a:spcAft>
+                <a:spcPct val="0"/>
+              </a:spcAft>
+              <a:buClrTx/>
+              <a:buSzTx/>
+              <a:buFontTx/>
+              <a:buNone/>
+              <a:tabLst/>
+            </a:pPr>
+            <a:r>
+              <a:rPr kumimoji="0" lang="de-DE" altLang="de-DE" sz="1600" b="0" i="0" u="none" strike="noStrike" cap="none" normalizeH="0" baseline="0" dirty="0" smtClean="0">
+                <a:ln>
+                  <a:noFill/>
+                </a:ln>
+                <a:solidFill>
+                  <a:srgbClr val="0000FF"/>
+                </a:solidFill>
+                <a:effectLst/>
+                <a:latin typeface="Consolas" panose="020B0609020204030204" pitchFamily="49" charset="0"/>
+                <a:cs typeface="Consolas" panose="020B0609020204030204" pitchFamily="49" charset="0"/>
+              </a:rPr>
+              <a:t>private</a:t>
+            </a:r>
+            <a:r>
+              <a:rPr kumimoji="0" lang="de-DE" altLang="de-DE" sz="1600" b="0" i="0" u="none" strike="noStrike" cap="none" normalizeH="0" baseline="0" dirty="0" smtClean="0">
+                <a:ln>
+                  <a:noFill/>
+                </a:ln>
+                <a:solidFill>
+                  <a:srgbClr val="000000"/>
+                </a:solidFill>
+                <a:effectLst/>
+                <a:latin typeface="Consolas" panose="020B0609020204030204" pitchFamily="49" charset="0"/>
+                <a:cs typeface="Consolas" panose="020B0609020204030204" pitchFamily="49" charset="0"/>
+              </a:rPr>
+              <a:t> </a:t>
+            </a:r>
+            <a:r>
+              <a:rPr kumimoji="0" lang="de-DE" altLang="de-DE" sz="1600" b="0" i="0" u="none" strike="noStrike" cap="none" normalizeH="0" baseline="0" dirty="0" err="1" smtClean="0">
+                <a:ln>
+                  <a:noFill/>
+                </a:ln>
+                <a:solidFill>
+                  <a:srgbClr val="2B91AF"/>
+                </a:solidFill>
+                <a:effectLst/>
+                <a:latin typeface="Consolas" panose="020B0609020204030204" pitchFamily="49" charset="0"/>
+                <a:cs typeface="Consolas" panose="020B0609020204030204" pitchFamily="49" charset="0"/>
+              </a:rPr>
+              <a:t>ItemList</a:t>
+            </a:r>
+            <a:r>
+              <a:rPr kumimoji="0" lang="de-DE" altLang="de-DE" sz="1600" b="0" i="0" u="none" strike="noStrike" cap="none" normalizeH="0" baseline="0" dirty="0" smtClean="0">
+                <a:ln>
+                  <a:noFill/>
+                </a:ln>
+                <a:solidFill>
+                  <a:srgbClr val="000000"/>
+                </a:solidFill>
+                <a:effectLst/>
+                <a:latin typeface="Consolas" panose="020B0609020204030204" pitchFamily="49" charset="0"/>
+                <a:cs typeface="Consolas" panose="020B0609020204030204" pitchFamily="49" charset="0"/>
+              </a:rPr>
+              <a:t>&lt;</a:t>
+            </a:r>
+            <a:r>
+              <a:rPr kumimoji="0" lang="de-DE" altLang="de-DE" sz="1600" b="0" i="0" u="none" strike="noStrike" cap="none" normalizeH="0" baseline="0" dirty="0" err="1" smtClean="0">
+                <a:ln>
+                  <a:noFill/>
+                </a:ln>
+                <a:solidFill>
+                  <a:srgbClr val="2B91AF"/>
+                </a:solidFill>
+                <a:effectLst/>
+                <a:latin typeface="Consolas" panose="020B0609020204030204" pitchFamily="49" charset="0"/>
+                <a:cs typeface="Consolas" panose="020B0609020204030204" pitchFamily="49" charset="0"/>
+              </a:rPr>
+              <a:t>ICovarianceFunction</a:t>
+            </a:r>
+            <a:r>
+              <a:rPr kumimoji="0" lang="de-DE" altLang="de-DE" sz="1600" b="0" i="0" u="none" strike="noStrike" cap="none" normalizeH="0" baseline="0" dirty="0" smtClean="0">
+                <a:ln>
+                  <a:noFill/>
+                </a:ln>
+                <a:solidFill>
+                  <a:srgbClr val="000000"/>
+                </a:solidFill>
+                <a:effectLst/>
+                <a:latin typeface="Consolas" panose="020B0609020204030204" pitchFamily="49" charset="0"/>
+                <a:cs typeface="Consolas" panose="020B0609020204030204" pitchFamily="49" charset="0"/>
+              </a:rPr>
+              <a:t>&gt; </a:t>
+            </a:r>
+            <a:r>
+              <a:rPr kumimoji="0" lang="de-DE" altLang="de-DE" sz="1600" b="0" i="0" u="none" strike="noStrike" cap="none" normalizeH="0" baseline="0" dirty="0" err="1" smtClean="0">
+                <a:ln>
+                  <a:noFill/>
+                </a:ln>
+                <a:solidFill>
+                  <a:srgbClr val="000000"/>
+                </a:solidFill>
+                <a:effectLst/>
+                <a:latin typeface="Consolas" panose="020B0609020204030204" pitchFamily="49" charset="0"/>
+                <a:cs typeface="Consolas" panose="020B0609020204030204" pitchFamily="49" charset="0"/>
+              </a:rPr>
+              <a:t>terms</a:t>
+            </a:r>
+            <a:r>
+              <a:rPr kumimoji="0" lang="de-DE" altLang="de-DE" sz="1600" b="0" i="0" u="none" strike="noStrike" cap="none" normalizeH="0" baseline="0" dirty="0" smtClean="0">
+                <a:ln>
+                  <a:noFill/>
+                </a:ln>
+                <a:solidFill>
+                  <a:srgbClr val="000000"/>
+                </a:solidFill>
+                <a:effectLst/>
+                <a:latin typeface="Consolas" panose="020B0609020204030204" pitchFamily="49" charset="0"/>
+                <a:cs typeface="Consolas" panose="020B0609020204030204" pitchFamily="49" charset="0"/>
+              </a:rPr>
+              <a:t>;     </a:t>
+            </a:r>
+          </a:p>
+          <a:p>
+            <a:pPr marL="0" marR="0" lvl="0" indent="0" algn="l" defTabSz="914400" rtl="0" eaLnBrk="0" fontAlgn="base" latinLnBrk="0" hangingPunct="0">
+              <a:lnSpc>
+                <a:spcPct val="100000"/>
+              </a:lnSpc>
+              <a:spcBef>
+                <a:spcPct val="0"/>
+              </a:spcBef>
+              <a:spcAft>
+                <a:spcPct val="0"/>
+              </a:spcAft>
+              <a:buClrTx/>
+              <a:buSzTx/>
+              <a:buFontTx/>
+              <a:buNone/>
+              <a:tabLst/>
+            </a:pPr>
+            <a:r>
+              <a:rPr kumimoji="0" lang="de-DE" altLang="de-DE" sz="1600" b="0" i="0" u="none" strike="noStrike" cap="none" normalizeH="0" baseline="0" dirty="0" err="1" smtClean="0">
+                <a:ln>
+                  <a:noFill/>
+                </a:ln>
+                <a:solidFill>
+                  <a:srgbClr val="0000FF"/>
+                </a:solidFill>
+                <a:effectLst/>
+                <a:latin typeface="Consolas" panose="020B0609020204030204" pitchFamily="49" charset="0"/>
+                <a:cs typeface="Consolas" panose="020B0609020204030204" pitchFamily="49" charset="0"/>
+              </a:rPr>
+              <a:t>public</a:t>
+            </a:r>
+            <a:r>
+              <a:rPr kumimoji="0" lang="de-DE" altLang="de-DE" sz="1600" b="0" i="0" u="none" strike="noStrike" cap="none" normalizeH="0" baseline="0" dirty="0" smtClean="0">
+                <a:ln>
+                  <a:noFill/>
+                </a:ln>
+                <a:solidFill>
+                  <a:srgbClr val="000000"/>
+                </a:solidFill>
+                <a:effectLst/>
+                <a:latin typeface="Consolas" panose="020B0609020204030204" pitchFamily="49" charset="0"/>
+                <a:cs typeface="Consolas" panose="020B0609020204030204" pitchFamily="49" charset="0"/>
+              </a:rPr>
+              <a:t> </a:t>
+            </a:r>
+            <a:r>
+              <a:rPr kumimoji="0" lang="de-DE" altLang="de-DE" sz="1600" b="0" i="0" u="none" strike="noStrike" cap="none" normalizeH="0" baseline="0" dirty="0" err="1" smtClean="0">
+                <a:ln>
+                  <a:noFill/>
+                </a:ln>
+                <a:solidFill>
+                  <a:srgbClr val="000000"/>
+                </a:solidFill>
+                <a:effectLst/>
+                <a:latin typeface="Consolas" panose="020B0609020204030204" pitchFamily="49" charset="0"/>
+                <a:cs typeface="Consolas" panose="020B0609020204030204" pitchFamily="49" charset="0"/>
+              </a:rPr>
+              <a:t>CovarianceSum</a:t>
+            </a:r>
+            <a:r>
+              <a:rPr kumimoji="0" lang="de-DE" altLang="de-DE" sz="1600" b="0" i="0" u="none" strike="noStrike" cap="none" normalizeH="0" baseline="0" dirty="0" smtClean="0">
+                <a:ln>
+                  <a:noFill/>
+                </a:ln>
+                <a:solidFill>
+                  <a:srgbClr val="000000"/>
+                </a:solidFill>
+                <a:effectLst/>
+                <a:latin typeface="Consolas" panose="020B0609020204030204" pitchFamily="49" charset="0"/>
+                <a:cs typeface="Consolas" panose="020B0609020204030204" pitchFamily="49" charset="0"/>
+              </a:rPr>
+              <a:t>()       </a:t>
+            </a:r>
+          </a:p>
+          <a:p>
+            <a:pPr marL="0" marR="0" lvl="0" indent="0" algn="l" defTabSz="914400" rtl="0" eaLnBrk="0" fontAlgn="base" latinLnBrk="0" hangingPunct="0">
+              <a:lnSpc>
+                <a:spcPct val="100000"/>
+              </a:lnSpc>
+              <a:spcBef>
+                <a:spcPct val="0"/>
+              </a:spcBef>
+              <a:spcAft>
+                <a:spcPct val="0"/>
+              </a:spcAft>
+              <a:buClrTx/>
+              <a:buSzTx/>
+              <a:buFontTx/>
+              <a:buNone/>
+              <a:tabLst/>
+            </a:pPr>
+            <a:r>
+              <a:rPr kumimoji="0" lang="de-DE" altLang="de-DE" sz="1600" b="0" i="0" u="none" strike="noStrike" cap="none" normalizeH="0" baseline="0" dirty="0" smtClean="0">
+                <a:ln>
+                  <a:noFill/>
+                </a:ln>
+                <a:solidFill>
+                  <a:srgbClr val="000000"/>
+                </a:solidFill>
+                <a:effectLst/>
+                <a:latin typeface="Consolas" panose="020B0609020204030204" pitchFamily="49" charset="0"/>
+                <a:cs typeface="Consolas" panose="020B0609020204030204" pitchFamily="49" charset="0"/>
+              </a:rPr>
+              <a:t>: </a:t>
+            </a:r>
+            <a:r>
+              <a:rPr kumimoji="0" lang="de-DE" altLang="de-DE" sz="1600" b="0" i="0" u="none" strike="noStrike" cap="none" normalizeH="0" baseline="0" dirty="0" err="1" smtClean="0">
+                <a:ln>
+                  <a:noFill/>
+                </a:ln>
+                <a:solidFill>
+                  <a:srgbClr val="0000FF"/>
+                </a:solidFill>
+                <a:effectLst/>
+                <a:latin typeface="Consolas" panose="020B0609020204030204" pitchFamily="49" charset="0"/>
+                <a:cs typeface="Consolas" panose="020B0609020204030204" pitchFamily="49" charset="0"/>
+              </a:rPr>
+              <a:t>base</a:t>
+            </a:r>
+            <a:r>
+              <a:rPr kumimoji="0" lang="de-DE" altLang="de-DE" sz="1600" b="0" i="0" u="none" strike="noStrike" cap="none" normalizeH="0" baseline="0" dirty="0" smtClean="0">
+                <a:ln>
+                  <a:noFill/>
+                </a:ln>
+                <a:solidFill>
+                  <a:srgbClr val="000000"/>
+                </a:solidFill>
+                <a:effectLst/>
+                <a:latin typeface="Consolas" panose="020B0609020204030204" pitchFamily="49" charset="0"/>
+                <a:cs typeface="Consolas" panose="020B0609020204030204" pitchFamily="49" charset="0"/>
+              </a:rPr>
+              <a:t>() {       </a:t>
+            </a:r>
+          </a:p>
+          <a:p>
+            <a:pPr marL="0" marR="0" lvl="0" indent="0" algn="l" defTabSz="914400" rtl="0" eaLnBrk="0" fontAlgn="base" latinLnBrk="0" hangingPunct="0">
+              <a:lnSpc>
+                <a:spcPct val="100000"/>
+              </a:lnSpc>
+              <a:spcBef>
+                <a:spcPct val="0"/>
+              </a:spcBef>
+              <a:spcAft>
+                <a:spcPct val="0"/>
+              </a:spcAft>
+              <a:buClrTx/>
+              <a:buSzTx/>
+              <a:buFontTx/>
+              <a:buNone/>
+              <a:tabLst/>
+            </a:pPr>
+            <a:r>
+              <a:rPr lang="de-DE" altLang="de-DE" sz="1600" dirty="0" smtClean="0">
+                <a:solidFill>
+                  <a:srgbClr val="000000"/>
+                </a:solidFill>
+                <a:latin typeface="Consolas" panose="020B0609020204030204" pitchFamily="49" charset="0"/>
+                <a:cs typeface="Consolas" panose="020B0609020204030204" pitchFamily="49" charset="0"/>
+              </a:rPr>
+              <a:t>  </a:t>
+            </a:r>
+            <a:r>
+              <a:rPr kumimoji="0" lang="de-DE" altLang="de-DE" sz="1600" b="0" i="0" u="none" strike="noStrike" cap="none" normalizeH="0" baseline="0" dirty="0" err="1" smtClean="0">
+                <a:ln>
+                  <a:noFill/>
+                </a:ln>
+                <a:solidFill>
+                  <a:srgbClr val="0000FF"/>
+                </a:solidFill>
+                <a:effectLst/>
+                <a:latin typeface="Consolas" panose="020B0609020204030204" pitchFamily="49" charset="0"/>
+                <a:cs typeface="Consolas" panose="020B0609020204030204" pitchFamily="49" charset="0"/>
+              </a:rPr>
+              <a:t>this</a:t>
+            </a:r>
+            <a:r>
+              <a:rPr kumimoji="0" lang="de-DE" altLang="de-DE" sz="1600" b="0" i="0" u="none" strike="noStrike" cap="none" normalizeH="0" baseline="0" dirty="0" err="1" smtClean="0">
+                <a:ln>
+                  <a:noFill/>
+                </a:ln>
+                <a:solidFill>
+                  <a:srgbClr val="000000"/>
+                </a:solidFill>
+                <a:effectLst/>
+                <a:latin typeface="Consolas" panose="020B0609020204030204" pitchFamily="49" charset="0"/>
+                <a:cs typeface="Consolas" panose="020B0609020204030204" pitchFamily="49" charset="0"/>
+              </a:rPr>
+              <a:t>.terms</a:t>
+            </a:r>
+            <a:r>
+              <a:rPr kumimoji="0" lang="de-DE" altLang="de-DE" sz="1600" b="0" i="0" u="none" strike="noStrike" cap="none" normalizeH="0" baseline="0" dirty="0" smtClean="0">
+                <a:ln>
+                  <a:noFill/>
+                </a:ln>
+                <a:solidFill>
+                  <a:srgbClr val="000000"/>
+                </a:solidFill>
+                <a:effectLst/>
+                <a:latin typeface="Consolas" panose="020B0609020204030204" pitchFamily="49" charset="0"/>
+                <a:cs typeface="Consolas" panose="020B0609020204030204" pitchFamily="49" charset="0"/>
+              </a:rPr>
+              <a:t> = </a:t>
+            </a:r>
+            <a:r>
+              <a:rPr kumimoji="0" lang="de-DE" altLang="de-DE" sz="1600" b="0" i="0" u="none" strike="noStrike" cap="none" normalizeH="0" baseline="0" dirty="0" err="1" smtClean="0">
+                <a:ln>
+                  <a:noFill/>
+                </a:ln>
+                <a:solidFill>
+                  <a:srgbClr val="0000FF"/>
+                </a:solidFill>
+                <a:effectLst/>
+                <a:latin typeface="Consolas" panose="020B0609020204030204" pitchFamily="49" charset="0"/>
+                <a:cs typeface="Consolas" panose="020B0609020204030204" pitchFamily="49" charset="0"/>
+              </a:rPr>
+              <a:t>new</a:t>
+            </a:r>
+            <a:r>
+              <a:rPr kumimoji="0" lang="de-DE" altLang="de-DE" sz="1600" b="0" i="0" u="none" strike="noStrike" cap="none" normalizeH="0" baseline="0" dirty="0" smtClean="0">
+                <a:ln>
+                  <a:noFill/>
+                </a:ln>
+                <a:solidFill>
+                  <a:srgbClr val="000000"/>
+                </a:solidFill>
+                <a:effectLst/>
+                <a:latin typeface="Consolas" panose="020B0609020204030204" pitchFamily="49" charset="0"/>
+                <a:cs typeface="Consolas" panose="020B0609020204030204" pitchFamily="49" charset="0"/>
+              </a:rPr>
+              <a:t> </a:t>
+            </a:r>
+            <a:r>
+              <a:rPr kumimoji="0" lang="de-DE" altLang="de-DE" sz="1600" b="0" i="0" u="none" strike="noStrike" cap="none" normalizeH="0" baseline="0" dirty="0" err="1" smtClean="0">
+                <a:ln>
+                  <a:noFill/>
+                </a:ln>
+                <a:solidFill>
+                  <a:srgbClr val="2B91AF"/>
+                </a:solidFill>
+                <a:effectLst/>
+                <a:latin typeface="Consolas" panose="020B0609020204030204" pitchFamily="49" charset="0"/>
+                <a:cs typeface="Consolas" panose="020B0609020204030204" pitchFamily="49" charset="0"/>
+              </a:rPr>
+              <a:t>ItemList</a:t>
+            </a:r>
+            <a:r>
+              <a:rPr kumimoji="0" lang="de-DE" altLang="de-DE" sz="1600" b="0" i="0" u="none" strike="noStrike" cap="none" normalizeH="0" baseline="0" dirty="0" smtClean="0">
+                <a:ln>
+                  <a:noFill/>
+                </a:ln>
+                <a:solidFill>
+                  <a:srgbClr val="000000"/>
+                </a:solidFill>
+                <a:effectLst/>
+                <a:latin typeface="Consolas" panose="020B0609020204030204" pitchFamily="49" charset="0"/>
+                <a:cs typeface="Consolas" panose="020B0609020204030204" pitchFamily="49" charset="0"/>
+              </a:rPr>
+              <a:t>&lt;</a:t>
+            </a:r>
+            <a:r>
+              <a:rPr kumimoji="0" lang="de-DE" altLang="de-DE" sz="1600" b="0" i="0" u="none" strike="noStrike" cap="none" normalizeH="0" baseline="0" dirty="0" err="1" smtClean="0">
+                <a:ln>
+                  <a:noFill/>
+                </a:ln>
+                <a:solidFill>
+                  <a:srgbClr val="2B91AF"/>
+                </a:solidFill>
+                <a:effectLst/>
+                <a:latin typeface="Consolas" panose="020B0609020204030204" pitchFamily="49" charset="0"/>
+                <a:cs typeface="Consolas" panose="020B0609020204030204" pitchFamily="49" charset="0"/>
+              </a:rPr>
+              <a:t>ICovarianceFunction</a:t>
+            </a:r>
+            <a:r>
+              <a:rPr kumimoji="0" lang="de-DE" altLang="de-DE" sz="1600" b="0" i="0" u="none" strike="noStrike" cap="none" normalizeH="0" baseline="0" dirty="0" smtClean="0">
+                <a:ln>
+                  <a:noFill/>
+                </a:ln>
+                <a:solidFill>
+                  <a:srgbClr val="000000"/>
+                </a:solidFill>
+                <a:effectLst/>
+                <a:latin typeface="Consolas" panose="020B0609020204030204" pitchFamily="49" charset="0"/>
+                <a:cs typeface="Consolas" panose="020B0609020204030204" pitchFamily="49" charset="0"/>
+              </a:rPr>
+              <a:t>&gt;();     </a:t>
+            </a:r>
+          </a:p>
+          <a:p>
+            <a:pPr marL="0" marR="0" lvl="0" indent="0" algn="l" defTabSz="914400" rtl="0" eaLnBrk="0" fontAlgn="base" latinLnBrk="0" hangingPunct="0">
+              <a:lnSpc>
+                <a:spcPct val="100000"/>
+              </a:lnSpc>
+              <a:spcBef>
+                <a:spcPct val="0"/>
+              </a:spcBef>
+              <a:spcAft>
+                <a:spcPct val="0"/>
+              </a:spcAft>
+              <a:buClrTx/>
+              <a:buSzTx/>
+              <a:buFontTx/>
+              <a:buNone/>
+              <a:tabLst/>
+            </a:pPr>
+            <a:r>
+              <a:rPr kumimoji="0" lang="de-DE" altLang="de-DE" sz="1600" b="0" i="0" u="none" strike="noStrike" cap="none" normalizeH="0" baseline="0" dirty="0" smtClean="0">
+                <a:ln>
+                  <a:noFill/>
+                </a:ln>
+                <a:solidFill>
+                  <a:srgbClr val="000000"/>
+                </a:solidFill>
+                <a:effectLst/>
+                <a:latin typeface="Consolas" panose="020B0609020204030204" pitchFamily="49" charset="0"/>
+                <a:cs typeface="Consolas" panose="020B0609020204030204" pitchFamily="49" charset="0"/>
+              </a:rPr>
+              <a:t>}</a:t>
+            </a:r>
+          </a:p>
+          <a:p>
+            <a:pPr marL="0" marR="0" lvl="0" indent="0" algn="l" defTabSz="914400" rtl="0" eaLnBrk="0" fontAlgn="base" latinLnBrk="0" hangingPunct="0">
+              <a:lnSpc>
+                <a:spcPct val="100000"/>
+              </a:lnSpc>
+              <a:spcBef>
+                <a:spcPct val="0"/>
+              </a:spcBef>
+              <a:spcAft>
+                <a:spcPct val="0"/>
+              </a:spcAft>
+              <a:buClrTx/>
+              <a:buSzTx/>
+              <a:buFontTx/>
+              <a:buNone/>
+              <a:tabLst/>
+            </a:pPr>
+            <a:endParaRPr kumimoji="0" lang="de-DE" altLang="de-DE" sz="1600" b="0" i="0" u="none" strike="noStrike" cap="none" normalizeH="0" baseline="0" dirty="0" smtClean="0">
+              <a:ln>
+                <a:noFill/>
+              </a:ln>
+              <a:solidFill>
+                <a:srgbClr val="000000"/>
+              </a:solidFill>
+              <a:effectLst/>
+              <a:latin typeface="Consolas" panose="020B0609020204030204" pitchFamily="49" charset="0"/>
+              <a:cs typeface="Consolas" panose="020B0609020204030204" pitchFamily="49" charset="0"/>
+            </a:endParaRPr>
+          </a:p>
+          <a:p>
+            <a:pPr marL="0" marR="0" lvl="0" indent="0" algn="l" defTabSz="914400" rtl="0" eaLnBrk="0" fontAlgn="base" latinLnBrk="0" hangingPunct="0">
+              <a:lnSpc>
+                <a:spcPct val="100000"/>
+              </a:lnSpc>
+              <a:spcBef>
+                <a:spcPct val="0"/>
+              </a:spcBef>
+              <a:spcAft>
+                <a:spcPct val="0"/>
+              </a:spcAft>
+              <a:buClrTx/>
+              <a:buSzTx/>
+              <a:buFontTx/>
+              <a:buNone/>
+              <a:tabLst/>
+            </a:pPr>
+            <a:r>
+              <a:rPr lang="de-DE" altLang="de-DE" sz="1600" dirty="0" err="1" smtClean="0">
+                <a:solidFill>
+                  <a:srgbClr val="000000"/>
+                </a:solidFill>
+                <a:latin typeface="Consolas" panose="020B0609020204030204" pitchFamily="49" charset="0"/>
+                <a:cs typeface="Consolas" panose="020B0609020204030204" pitchFamily="49" charset="0"/>
+              </a:rPr>
+              <a:t>terms.Select</a:t>
+            </a:r>
+            <a:r>
+              <a:rPr lang="de-DE" altLang="de-DE" sz="1600" dirty="0" smtClean="0">
+                <a:solidFill>
+                  <a:srgbClr val="000000"/>
+                </a:solidFill>
+                <a:latin typeface="Consolas" panose="020B0609020204030204" pitchFamily="49" charset="0"/>
+                <a:cs typeface="Consolas" panose="020B0609020204030204" pitchFamily="49" charset="0"/>
+              </a:rPr>
+              <a:t>(t =&gt; </a:t>
+            </a:r>
+            <a:r>
+              <a:rPr lang="de-DE" altLang="de-DE" sz="1600" dirty="0" err="1" smtClean="0">
+                <a:solidFill>
+                  <a:srgbClr val="000000"/>
+                </a:solidFill>
+                <a:latin typeface="Consolas" panose="020B0609020204030204" pitchFamily="49" charset="0"/>
+                <a:cs typeface="Consolas" panose="020B0609020204030204" pitchFamily="49" charset="0"/>
+              </a:rPr>
+              <a:t>t.GetNumberOfParameters</a:t>
+            </a:r>
+            <a:r>
+              <a:rPr lang="de-DE" altLang="de-DE" sz="1600" dirty="0" smtClean="0">
+                <a:solidFill>
+                  <a:srgbClr val="000000"/>
+                </a:solidFill>
+                <a:latin typeface="Consolas" panose="020B0609020204030204" pitchFamily="49" charset="0"/>
+                <a:cs typeface="Consolas" panose="020B0609020204030204" pitchFamily="49" charset="0"/>
+              </a:rPr>
+              <a:t>(</a:t>
+            </a:r>
+            <a:r>
+              <a:rPr lang="de-DE" altLang="de-DE" sz="1600" dirty="0" err="1" smtClean="0">
+                <a:solidFill>
+                  <a:srgbClr val="000000"/>
+                </a:solidFill>
+                <a:latin typeface="Consolas" panose="020B0609020204030204" pitchFamily="49" charset="0"/>
+                <a:cs typeface="Consolas" panose="020B0609020204030204" pitchFamily="49" charset="0"/>
+              </a:rPr>
+              <a:t>numberOfVariables</a:t>
+            </a:r>
+            <a:r>
+              <a:rPr lang="de-DE" altLang="de-DE" sz="1600" dirty="0">
+                <a:solidFill>
+                  <a:srgbClr val="000000"/>
+                </a:solidFill>
+                <a:latin typeface="Consolas" panose="020B0609020204030204" pitchFamily="49" charset="0"/>
+                <a:cs typeface="Consolas" panose="020B0609020204030204" pitchFamily="49" charset="0"/>
+              </a:rPr>
+              <a:t>)).</a:t>
+            </a:r>
+            <a:r>
+              <a:rPr lang="de-DE" altLang="de-DE" sz="1600" dirty="0" err="1">
+                <a:solidFill>
+                  <a:srgbClr val="000000"/>
+                </a:solidFill>
+                <a:latin typeface="Consolas" panose="020B0609020204030204" pitchFamily="49" charset="0"/>
+                <a:cs typeface="Consolas" panose="020B0609020204030204" pitchFamily="49" charset="0"/>
+              </a:rPr>
+              <a:t>Sum</a:t>
+            </a:r>
+            <a:r>
+              <a:rPr lang="de-DE" altLang="de-DE" sz="1600" dirty="0">
+                <a:solidFill>
+                  <a:srgbClr val="000000"/>
+                </a:solidFill>
+                <a:latin typeface="Consolas" panose="020B0609020204030204" pitchFamily="49" charset="0"/>
+                <a:cs typeface="Consolas" panose="020B0609020204030204" pitchFamily="49" charset="0"/>
+              </a:rPr>
+              <a:t>();</a:t>
+            </a:r>
+          </a:p>
+        </p:txBody>
+      </p:sp>
     </p:spTree>
     <p:extLst>
       <p:ext uri="{BB962C8B-B14F-4D97-AF65-F5344CB8AC3E}">
-        <p14:creationId xmlns:p14="http://schemas.microsoft.com/office/powerpoint/2010/main" val="401323083"/>
+        <p14:creationId xmlns:p14="http://schemas.microsoft.com/office/powerpoint/2010/main" val="1551503862"/>
       </p:ext>
     </p:extLst>
   </p:cSld>
@@ -6727,7 +7964,9 @@
         </p:nvSpPr>
         <p:spPr/>
         <p:txBody>
-          <a:bodyPr/>
+          <a:bodyPr>
+            <a:normAutofit/>
+          </a:bodyPr>
           <a:lstStyle/>
           <a:p>
             <a:r>
@@ -6740,8 +7979,188 @@
             </a:r>
             <a:r>
               <a:rPr lang="de-AT" dirty="0"/>
-              <a:t> Views</a:t>
-            </a:r>
+              <a:t> </a:t>
+            </a:r>
+            <a:r>
+              <a:rPr lang="de-AT" dirty="0" smtClean="0"/>
+              <a:t>Views</a:t>
+            </a:r>
+            <a:endParaRPr lang="de-AT" dirty="0"/>
+          </a:p>
+        </p:txBody>
+      </p:sp>
+      <p:sp>
+        <p:nvSpPr>
+          <p:cNvPr id="3" name="Inhaltsplatzhalter 2"/>
+          <p:cNvSpPr>
+            <a:spLocks noGrp="1"/>
+          </p:cNvSpPr>
+          <p:nvPr>
+            <p:ph idx="1"/>
+          </p:nvPr>
+        </p:nvSpPr>
+        <p:spPr/>
+        <p:txBody>
+          <a:bodyPr>
+            <a:normAutofit fontScale="85000" lnSpcReduction="10000"/>
+          </a:bodyPr>
+          <a:lstStyle/>
+          <a:p>
+            <a:r>
+              <a:rPr lang="en-US" dirty="0" smtClean="0"/>
+              <a:t>HL provides views for all data types, collections and much more (including input validation and updates)</a:t>
+            </a:r>
+          </a:p>
+          <a:p>
+            <a:r>
+              <a:rPr lang="en-US" dirty="0" smtClean="0"/>
+              <a:t>Views display (and manipulate) </a:t>
+            </a:r>
+            <a:r>
+              <a:rPr lang="en-US" dirty="0" smtClean="0">
+                <a:latin typeface="Courier New" panose="02070309020205020404" pitchFamily="49" charset="0"/>
+                <a:cs typeface="Courier New" panose="02070309020205020404" pitchFamily="49" charset="0"/>
+              </a:rPr>
+              <a:t>Content</a:t>
+            </a:r>
+          </a:p>
+          <a:p>
+            <a:r>
+              <a:rPr lang="en-US" dirty="0" smtClean="0"/>
+              <a:t>Use </a:t>
+            </a:r>
+            <a:r>
+              <a:rPr lang="en-US" dirty="0" smtClean="0">
+                <a:latin typeface="Courier New" panose="02070309020205020404" pitchFamily="49" charset="0"/>
+                <a:cs typeface="Courier New" panose="02070309020205020404" pitchFamily="49" charset="0"/>
+              </a:rPr>
+              <a:t>Content[]</a:t>
+            </a:r>
+            <a:r>
+              <a:rPr lang="en-US" dirty="0" smtClean="0"/>
+              <a:t> attribute to define the type of </a:t>
+            </a:r>
+            <a:r>
+              <a:rPr lang="en-US" dirty="0" smtClean="0">
+                <a:latin typeface="Courier New" panose="02070309020205020404" pitchFamily="49" charset="0"/>
+                <a:cs typeface="Courier New" panose="02070309020205020404" pitchFamily="49" charset="0"/>
+              </a:rPr>
+              <a:t>Content</a:t>
+            </a:r>
+            <a:r>
+              <a:rPr lang="en-US" dirty="0" smtClean="0"/>
+              <a:t> a </a:t>
+            </a:r>
+            <a:r>
+              <a:rPr lang="en-US" dirty="0" smtClean="0">
+                <a:latin typeface="Courier New" panose="02070309020205020404" pitchFamily="49" charset="0"/>
+                <a:cs typeface="Courier New" panose="02070309020205020404" pitchFamily="49" charset="0"/>
+              </a:rPr>
+              <a:t>View</a:t>
+            </a:r>
+            <a:r>
+              <a:rPr lang="en-US" dirty="0" smtClean="0"/>
+              <a:t> can display</a:t>
+            </a:r>
+            <a:endParaRPr lang="en-US" dirty="0"/>
+          </a:p>
+          <a:p>
+            <a:r>
+              <a:rPr lang="en-US" dirty="0" smtClean="0"/>
+              <a:t>Inherit </a:t>
+            </a:r>
+            <a:r>
+              <a:rPr lang="en-US" dirty="0" err="1" smtClean="0">
+                <a:latin typeface="Courier New" panose="02070309020205020404" pitchFamily="49" charset="0"/>
+                <a:cs typeface="Courier New" panose="02070309020205020404" pitchFamily="49" charset="0"/>
+              </a:rPr>
+              <a:t>UserControl</a:t>
+            </a:r>
+            <a:r>
+              <a:rPr lang="en-US" dirty="0" smtClean="0"/>
+              <a:t> from </a:t>
+            </a:r>
+            <a:r>
+              <a:rPr lang="en-US" dirty="0" err="1" smtClean="0">
+                <a:latin typeface="Courier New" panose="02070309020205020404" pitchFamily="49" charset="0"/>
+                <a:cs typeface="Courier New" panose="02070309020205020404" pitchFamily="49" charset="0"/>
+              </a:rPr>
+              <a:t>AsynchronousContentView</a:t>
+            </a:r>
+            <a:r>
+              <a:rPr lang="en-US" dirty="0" smtClean="0"/>
+              <a:t> or </a:t>
+            </a:r>
+            <a:r>
+              <a:rPr lang="en-US" dirty="0" err="1" smtClean="0">
+                <a:latin typeface="Courier New" panose="02070309020205020404" pitchFamily="49" charset="0"/>
+                <a:cs typeface="Courier New" panose="02070309020205020404" pitchFamily="49" charset="0"/>
+              </a:rPr>
+              <a:t>ItemView</a:t>
+            </a:r>
+            <a:endParaRPr lang="en-US" dirty="0" smtClean="0">
+              <a:latin typeface="Courier New" panose="02070309020205020404" pitchFamily="49" charset="0"/>
+              <a:cs typeface="Courier New" panose="02070309020205020404" pitchFamily="49" charset="0"/>
+            </a:endParaRPr>
+          </a:p>
+          <a:p>
+            <a:r>
+              <a:rPr lang="en-US" dirty="0" smtClean="0">
+                <a:latin typeface="Courier New" panose="02070309020205020404" pitchFamily="49" charset="0"/>
+                <a:cs typeface="Courier New" panose="02070309020205020404" pitchFamily="49" charset="0"/>
+              </a:rPr>
+              <a:t>Content</a:t>
+            </a:r>
+            <a:r>
+              <a:rPr lang="en-US" dirty="0" smtClean="0"/>
+              <a:t> is set by HeuristicLab or manually</a:t>
+            </a:r>
+          </a:p>
+          <a:p>
+            <a:r>
+              <a:rPr lang="en-US" dirty="0" smtClean="0"/>
+              <a:t>React on events (</a:t>
+            </a:r>
+            <a:r>
+              <a:rPr lang="en-US" smtClean="0"/>
+              <a:t>e.g</a:t>
+            </a:r>
+            <a:r>
+              <a:rPr lang="en-US" smtClean="0"/>
+              <a:t>., </a:t>
+            </a:r>
+            <a:r>
+              <a:rPr lang="en-US" dirty="0" err="1" smtClean="0">
+                <a:latin typeface="Courier New" panose="02070309020205020404" pitchFamily="49" charset="0"/>
+                <a:cs typeface="Courier New" panose="02070309020205020404" pitchFamily="49" charset="0"/>
+              </a:rPr>
+              <a:t>OnContentChanged</a:t>
+            </a:r>
+            <a:r>
+              <a:rPr lang="en-US" dirty="0" smtClean="0"/>
+              <a:t>, </a:t>
+            </a:r>
+            <a:r>
+              <a:rPr lang="en-US" dirty="0" smtClean="0">
+                <a:latin typeface="Courier New" panose="02070309020205020404" pitchFamily="49" charset="0"/>
+                <a:cs typeface="Courier New" panose="02070309020205020404" pitchFamily="49" charset="0"/>
+              </a:rPr>
+              <a:t>(De)</a:t>
+            </a:r>
+            <a:r>
+              <a:rPr lang="en-US" dirty="0" err="1" smtClean="0">
+                <a:latin typeface="Courier New" panose="02070309020205020404" pitchFamily="49" charset="0"/>
+                <a:cs typeface="Courier New" panose="02070309020205020404" pitchFamily="49" charset="0"/>
+              </a:rPr>
+              <a:t>RegisterContentEvents</a:t>
+            </a:r>
+            <a:r>
+              <a:rPr lang="en-US" dirty="0" smtClean="0"/>
+              <a:t>, …)</a:t>
+            </a:r>
+          </a:p>
+          <a:p>
+            <a:endParaRPr lang="de-AT" dirty="0"/>
           </a:p>
         </p:txBody>
       </p:sp>
@@ -6818,361 +8237,10 @@
           </a:p>
         </p:txBody>
       </p:sp>
-      <p:pic>
-        <p:nvPicPr>
-          <p:cNvPr id="7" name="Grafik 6"/>
-          <p:cNvPicPr>
-            <a:picLocks noChangeAspect="1"/>
-          </p:cNvPicPr>
-          <p:nvPr/>
-        </p:nvPicPr>
-        <p:blipFill>
-          <a:blip r:embed="rId2"/>
-          <a:stretch>
-            <a:fillRect/>
-          </a:stretch>
-        </p:blipFill>
-        <p:spPr>
-          <a:xfrm>
-            <a:off x="695972" y="1195387"/>
-            <a:ext cx="6877616" cy="5160963"/>
-          </a:xfrm>
-          <a:prstGeom prst="rect">
-            <a:avLst/>
-          </a:prstGeom>
-        </p:spPr>
-      </p:pic>
-      <p:sp>
-        <p:nvSpPr>
-          <p:cNvPr id="8" name="Rechteck 7"/>
-          <p:cNvSpPr/>
-          <p:nvPr/>
-        </p:nvSpPr>
-        <p:spPr>
-          <a:xfrm>
-            <a:off x="683432" y="1404084"/>
-            <a:ext cx="2440768" cy="368732"/>
-          </a:xfrm>
-          <a:prstGeom prst="rect">
-            <a:avLst/>
-          </a:prstGeom>
-          <a:noFill/>
-          <a:ln>
-            <a:solidFill>
-              <a:srgbClr val="FF0000"/>
-            </a:solidFill>
-          </a:ln>
-        </p:spPr>
-        <p:style>
-          <a:lnRef idx="2">
-            <a:schemeClr val="accent1">
-              <a:shade val="50000"/>
-            </a:schemeClr>
-          </a:lnRef>
-          <a:fillRef idx="1">
-            <a:schemeClr val="accent1"/>
-          </a:fillRef>
-          <a:effectRef idx="0">
-            <a:schemeClr val="accent1"/>
-          </a:effectRef>
-          <a:fontRef idx="minor">
-            <a:schemeClr val="lt1"/>
-          </a:fontRef>
-        </p:style>
-        <p:txBody>
-          <a:bodyPr rtlCol="0" anchor="ctr"/>
-          <a:lstStyle/>
-          <a:p>
-            <a:pPr algn="ctr"/>
-            <a:endParaRPr lang="de-AT"/>
-          </a:p>
-        </p:txBody>
-      </p:sp>
-      <p:sp>
-        <p:nvSpPr>
-          <p:cNvPr id="3" name="Legende mit Linie 2 2"/>
-          <p:cNvSpPr/>
-          <p:nvPr/>
-        </p:nvSpPr>
-        <p:spPr>
-          <a:xfrm>
-            <a:off x="5106963" y="1417638"/>
-            <a:ext cx="2736304" cy="720080"/>
-          </a:xfrm>
-          <a:prstGeom prst="borderCallout2">
-            <a:avLst>
-              <a:gd name="adj1" fmla="val 18750"/>
-              <a:gd name="adj2" fmla="val -8333"/>
-              <a:gd name="adj3" fmla="val 18750"/>
-              <a:gd name="adj4" fmla="val -16667"/>
-              <a:gd name="adj5" fmla="val 10252"/>
-              <a:gd name="adj6" fmla="val -72272"/>
-            </a:avLst>
-          </a:prstGeom>
-        </p:spPr>
-        <p:style>
-          <a:lnRef idx="2">
-            <a:schemeClr val="accent1">
-              <a:shade val="50000"/>
-            </a:schemeClr>
-          </a:lnRef>
-          <a:fillRef idx="1">
-            <a:schemeClr val="accent1"/>
-          </a:fillRef>
-          <a:effectRef idx="0">
-            <a:schemeClr val="accent1"/>
-          </a:effectRef>
-          <a:fontRef idx="minor">
-            <a:schemeClr val="lt1"/>
-          </a:fontRef>
-        </p:style>
-        <p:txBody>
-          <a:bodyPr rtlCol="0" anchor="ctr"/>
-          <a:lstStyle/>
-          <a:p>
-            <a:pPr algn="ctr"/>
-            <a:r>
-              <a:rPr lang="en-US" dirty="0" smtClean="0"/>
-              <a:t>Defines what Content can be displayed with this view</a:t>
-            </a:r>
-            <a:endParaRPr lang="en-US" dirty="0"/>
-          </a:p>
-        </p:txBody>
-      </p:sp>
-      <p:sp>
-        <p:nvSpPr>
-          <p:cNvPr id="9" name="Rechteck 8"/>
-          <p:cNvSpPr/>
-          <p:nvPr/>
-        </p:nvSpPr>
-        <p:spPr>
-          <a:xfrm>
-            <a:off x="3034744" y="1783639"/>
-            <a:ext cx="709100" cy="133193"/>
-          </a:xfrm>
-          <a:prstGeom prst="rect">
-            <a:avLst/>
-          </a:prstGeom>
-          <a:noFill/>
-          <a:ln>
-            <a:solidFill>
-              <a:srgbClr val="FF0000"/>
-            </a:solidFill>
-          </a:ln>
-        </p:spPr>
-        <p:style>
-          <a:lnRef idx="2">
-            <a:schemeClr val="accent1">
-              <a:shade val="50000"/>
-            </a:schemeClr>
-          </a:lnRef>
-          <a:fillRef idx="1">
-            <a:schemeClr val="accent1"/>
-          </a:fillRef>
-          <a:effectRef idx="0">
-            <a:schemeClr val="accent1"/>
-          </a:effectRef>
-          <a:fontRef idx="minor">
-            <a:schemeClr val="lt1"/>
-          </a:fontRef>
-        </p:style>
-        <p:txBody>
-          <a:bodyPr rtlCol="0" anchor="ctr"/>
-          <a:lstStyle/>
-          <a:p>
-            <a:pPr algn="ctr"/>
-            <a:endParaRPr lang="de-AT"/>
-          </a:p>
-        </p:txBody>
-      </p:sp>
-      <p:sp>
-        <p:nvSpPr>
-          <p:cNvPr id="10" name="Rechteck 9"/>
-          <p:cNvSpPr/>
-          <p:nvPr/>
-        </p:nvSpPr>
-        <p:spPr>
-          <a:xfrm>
-            <a:off x="803920" y="1916832"/>
-            <a:ext cx="2831976" cy="565571"/>
-          </a:xfrm>
-          <a:prstGeom prst="rect">
-            <a:avLst/>
-          </a:prstGeom>
-          <a:noFill/>
-          <a:ln>
-            <a:solidFill>
-              <a:srgbClr val="FF0000"/>
-            </a:solidFill>
-          </a:ln>
-        </p:spPr>
-        <p:style>
-          <a:lnRef idx="2">
-            <a:schemeClr val="accent1">
-              <a:shade val="50000"/>
-            </a:schemeClr>
-          </a:lnRef>
-          <a:fillRef idx="1">
-            <a:schemeClr val="accent1"/>
-          </a:fillRef>
-          <a:effectRef idx="0">
-            <a:schemeClr val="accent1"/>
-          </a:effectRef>
-          <a:fontRef idx="minor">
-            <a:schemeClr val="lt1"/>
-          </a:fontRef>
-        </p:style>
-        <p:txBody>
-          <a:bodyPr rtlCol="0" anchor="ctr"/>
-          <a:lstStyle/>
-          <a:p>
-            <a:pPr algn="ctr"/>
-            <a:endParaRPr lang="de-AT"/>
-          </a:p>
-        </p:txBody>
-      </p:sp>
-      <p:sp>
-        <p:nvSpPr>
-          <p:cNvPr id="11" name="Rechteck 10"/>
-          <p:cNvSpPr/>
-          <p:nvPr/>
-        </p:nvSpPr>
-        <p:spPr>
-          <a:xfrm>
-            <a:off x="2654058" y="2626419"/>
-            <a:ext cx="2061957" cy="208548"/>
-          </a:xfrm>
-          <a:prstGeom prst="rect">
-            <a:avLst/>
-          </a:prstGeom>
-          <a:noFill/>
-          <a:ln>
-            <a:solidFill>
-              <a:srgbClr val="FF0000"/>
-            </a:solidFill>
-          </a:ln>
-        </p:spPr>
-        <p:style>
-          <a:lnRef idx="2">
-            <a:schemeClr val="accent1">
-              <a:shade val="50000"/>
-            </a:schemeClr>
-          </a:lnRef>
-          <a:fillRef idx="1">
-            <a:schemeClr val="accent1"/>
-          </a:fillRef>
-          <a:effectRef idx="0">
-            <a:schemeClr val="accent1"/>
-          </a:effectRef>
-          <a:fontRef idx="minor">
-            <a:schemeClr val="lt1"/>
-          </a:fontRef>
-        </p:style>
-        <p:txBody>
-          <a:bodyPr rtlCol="0" anchor="ctr"/>
-          <a:lstStyle/>
-          <a:p>
-            <a:pPr algn="ctr"/>
-            <a:endParaRPr lang="de-AT"/>
-          </a:p>
-        </p:txBody>
-      </p:sp>
-      <p:sp>
-        <p:nvSpPr>
-          <p:cNvPr id="12" name="Rechteck 11"/>
-          <p:cNvSpPr/>
-          <p:nvPr/>
-        </p:nvSpPr>
-        <p:spPr>
-          <a:xfrm>
-            <a:off x="2694712" y="3508334"/>
-            <a:ext cx="1877288" cy="208698"/>
-          </a:xfrm>
-          <a:prstGeom prst="rect">
-            <a:avLst/>
-          </a:prstGeom>
-          <a:noFill/>
-          <a:ln>
-            <a:solidFill>
-              <a:srgbClr val="FF0000"/>
-            </a:solidFill>
-          </a:ln>
-        </p:spPr>
-        <p:style>
-          <a:lnRef idx="2">
-            <a:schemeClr val="accent1">
-              <a:shade val="50000"/>
-            </a:schemeClr>
-          </a:lnRef>
-          <a:fillRef idx="1">
-            <a:schemeClr val="accent1"/>
-          </a:fillRef>
-          <a:effectRef idx="0">
-            <a:schemeClr val="accent1"/>
-          </a:effectRef>
-          <a:fontRef idx="minor">
-            <a:schemeClr val="lt1"/>
-          </a:fontRef>
-        </p:style>
-        <p:txBody>
-          <a:bodyPr rtlCol="0" anchor="ctr"/>
-          <a:lstStyle/>
-          <a:p>
-            <a:pPr algn="ctr"/>
-            <a:endParaRPr lang="de-AT"/>
-          </a:p>
-        </p:txBody>
-      </p:sp>
-      <p:sp>
-        <p:nvSpPr>
-          <p:cNvPr id="13" name="Rechteck 12"/>
-          <p:cNvSpPr/>
-          <p:nvPr/>
-        </p:nvSpPr>
-        <p:spPr>
-          <a:xfrm>
-            <a:off x="2702046" y="4390399"/>
-            <a:ext cx="1440160" cy="204746"/>
-          </a:xfrm>
-          <a:prstGeom prst="rect">
-            <a:avLst/>
-          </a:prstGeom>
-          <a:noFill/>
-          <a:ln>
-            <a:solidFill>
-              <a:srgbClr val="FF0000"/>
-            </a:solidFill>
-          </a:ln>
-        </p:spPr>
-        <p:style>
-          <a:lnRef idx="2">
-            <a:schemeClr val="accent1">
-              <a:shade val="50000"/>
-            </a:schemeClr>
-          </a:lnRef>
-          <a:fillRef idx="1">
-            <a:schemeClr val="accent1"/>
-          </a:fillRef>
-          <a:effectRef idx="0">
-            <a:schemeClr val="accent1"/>
-          </a:effectRef>
-          <a:fontRef idx="minor">
-            <a:schemeClr val="lt1"/>
-          </a:fontRef>
-        </p:style>
-        <p:txBody>
-          <a:bodyPr rtlCol="0" anchor="ctr"/>
-          <a:lstStyle/>
-          <a:p>
-            <a:pPr algn="ctr"/>
-            <a:endParaRPr lang="de-AT"/>
-          </a:p>
-        </p:txBody>
-      </p:sp>
     </p:spTree>
     <p:extLst>
       <p:ext uri="{BB962C8B-B14F-4D97-AF65-F5344CB8AC3E}">
-        <p14:creationId xmlns:p14="http://schemas.microsoft.com/office/powerpoint/2010/main" val="2975546834"/>
+        <p14:creationId xmlns:p14="http://schemas.microsoft.com/office/powerpoint/2010/main" val="401323083"/>
       </p:ext>
     </p:extLst>
   </p:cSld>
@@ -7296,15 +8364,7 @@
           <a:p>
             <a:r>
               <a:rPr lang="en-GB" dirty="0" smtClean="0"/>
-              <a:t>There are certain </a:t>
-            </a:r>
-            <a:r>
-              <a:rPr lang="en-GB" dirty="0" smtClean="0"/>
-              <a:t>patterns/concepts </a:t>
-            </a:r>
-            <a:r>
-              <a:rPr lang="en-GB" dirty="0" smtClean="0"/>
-              <a:t>that are used throughout all that code</a:t>
+              <a:t>There are certain patterns/concepts that are used throughout all that code</a:t>
             </a:r>
           </a:p>
           <a:p>
@@ -7397,6 +8457,13 @@
   <p:clrMapOvr>
     <a:masterClrMapping/>
   </p:clrMapOvr>
+  <p:timing>
+    <p:tnLst>
+      <p:par>
+        <p:cTn id="1" dur="indefinite" restart="never" nodeType="tmRoot"/>
+      </p:par>
+    </p:tnLst>
+  </p:timing>
 </p:sld>
 </file>
 
@@ -7433,125 +8500,17 @@
           <a:lstStyle/>
           <a:p>
             <a:r>
-              <a:rPr lang="en-US" dirty="0" smtClean="0"/>
-              <a:t>Displaying Content</a:t>
-            </a:r>
-            <a:endParaRPr lang="en-US" dirty="0"/>
-          </a:p>
-        </p:txBody>
-      </p:sp>
-      <p:sp>
-        <p:nvSpPr>
-          <p:cNvPr id="3" name="Inhaltsplatzhalter 2"/>
-          <p:cNvSpPr>
-            <a:spLocks noGrp="1"/>
-          </p:cNvSpPr>
-          <p:nvPr>
-            <p:ph idx="1"/>
-          </p:nvPr>
-        </p:nvSpPr>
-        <p:spPr/>
-        <p:txBody>
-          <a:bodyPr>
-            <a:normAutofit fontScale="92500" lnSpcReduction="10000"/>
-          </a:bodyPr>
-          <a:lstStyle/>
-          <a:p>
-            <a:r>
-              <a:rPr lang="en-US" dirty="0" smtClean="0"/>
-              <a:t>Manually:</a:t>
-            </a:r>
-          </a:p>
-          <a:p>
-            <a:pPr lvl="1"/>
-            <a:r>
-              <a:rPr lang="en-US" dirty="0" smtClean="0"/>
-              <a:t>Log </a:t>
-            </a:r>
-            <a:r>
-              <a:rPr lang="en-US" dirty="0" err="1" smtClean="0"/>
-              <a:t>log</a:t>
-            </a:r>
-            <a:r>
-              <a:rPr lang="en-US" dirty="0" smtClean="0"/>
-              <a:t> = new Log();</a:t>
-            </a:r>
-          </a:p>
-          <a:p>
-            <a:pPr lvl="1"/>
-            <a:r>
-              <a:rPr lang="en-US" dirty="0" err="1" smtClean="0"/>
-              <a:t>LogView</a:t>
-            </a:r>
-            <a:r>
-              <a:rPr lang="en-US" dirty="0" smtClean="0"/>
-              <a:t> </a:t>
-            </a:r>
-            <a:r>
-              <a:rPr lang="en-US" dirty="0" err="1" smtClean="0"/>
-              <a:t>logview</a:t>
-            </a:r>
-            <a:r>
-              <a:rPr lang="en-US" dirty="0" smtClean="0"/>
-              <a:t> = new </a:t>
-            </a:r>
-            <a:r>
-              <a:rPr lang="en-US" dirty="0" err="1" smtClean="0"/>
-              <a:t>LogView</a:t>
-            </a:r>
-            <a:r>
-              <a:rPr lang="en-US" dirty="0" smtClean="0"/>
-              <a:t>();</a:t>
-            </a:r>
-          </a:p>
-          <a:p>
-            <a:pPr lvl="1"/>
-            <a:r>
-              <a:rPr lang="en-US" dirty="0" err="1" smtClean="0"/>
-              <a:t>logview.Content</a:t>
-            </a:r>
-            <a:r>
-              <a:rPr lang="en-US" dirty="0" smtClean="0"/>
-              <a:t> = log;</a:t>
-            </a:r>
-          </a:p>
-          <a:p>
-            <a:endParaRPr lang="en-US" dirty="0" smtClean="0"/>
-          </a:p>
-          <a:p>
-            <a:r>
-              <a:rPr lang="en-US" dirty="0" smtClean="0"/>
-              <a:t>In an own tab using discovery:</a:t>
-            </a:r>
-          </a:p>
-          <a:p>
-            <a:pPr lvl="1"/>
-            <a:r>
-              <a:rPr lang="en-US" dirty="0" err="1" smtClean="0"/>
-              <a:t>MainFormManager.MainForm.ShowContent</a:t>
-            </a:r>
-            <a:r>
-              <a:rPr lang="en-US" dirty="0" smtClean="0"/>
-              <a:t>(log);</a:t>
-            </a:r>
-          </a:p>
-          <a:p>
-            <a:endParaRPr lang="en-US" dirty="0" smtClean="0"/>
-          </a:p>
-          <a:p>
-            <a:r>
-              <a:rPr lang="en-US" dirty="0" smtClean="0"/>
-              <a:t>Using a </a:t>
-            </a:r>
-            <a:r>
-              <a:rPr lang="en-US" dirty="0" err="1" smtClean="0"/>
-              <a:t>ViewHost</a:t>
-            </a:r>
-            <a:r>
-              <a:rPr lang="en-US" dirty="0" smtClean="0"/>
-              <a:t> </a:t>
-            </a:r>
-            <a:endParaRPr lang="en-US" dirty="0"/>
+              <a:rPr lang="de-AT" dirty="0"/>
+              <a:t>Content </a:t>
+            </a:r>
+            <a:r>
+              <a:rPr lang="de-AT" dirty="0" err="1"/>
+              <a:t>and</a:t>
+            </a:r>
+            <a:r>
+              <a:rPr lang="de-AT" dirty="0"/>
+              <a:t> Views</a:t>
+            </a:r>
           </a:p>
         </p:txBody>
       </p:sp>
@@ -7571,10 +8530,13 @@
           <a:lstStyle/>
           <a:p>
             <a:r>
-              <a:rPr lang="de-DE" smtClean="0"/>
-              <a:t>Programming HeuristicLab</a:t>
-            </a:r>
-            <a:endParaRPr lang="de-DE" dirty="0"/>
+              <a:rPr lang="de-DE" dirty="0" err="1"/>
+              <a:t>Programming</a:t>
+            </a:r>
+            <a:r>
+              <a:rPr lang="de-DE" dirty="0"/>
+              <a:t> HeuristicLab</a:t>
+            </a:r>
           </a:p>
         </p:txBody>
       </p:sp>
@@ -7625,16 +8587,385 @@
           </a:p>
         </p:txBody>
       </p:sp>
+      <p:pic>
+        <p:nvPicPr>
+          <p:cNvPr id="7" name="Grafik 6"/>
+          <p:cNvPicPr>
+            <a:picLocks noChangeAspect="1"/>
+          </p:cNvPicPr>
+          <p:nvPr/>
+        </p:nvPicPr>
+        <p:blipFill>
+          <a:blip r:embed="rId2"/>
+          <a:stretch>
+            <a:fillRect/>
+          </a:stretch>
+        </p:blipFill>
+        <p:spPr>
+          <a:xfrm>
+            <a:off x="695972" y="1195387"/>
+            <a:ext cx="6877616" cy="5160963"/>
+          </a:xfrm>
+          <a:prstGeom prst="rect">
+            <a:avLst/>
+          </a:prstGeom>
+        </p:spPr>
+      </p:pic>
+      <p:sp>
+        <p:nvSpPr>
+          <p:cNvPr id="8" name="Rechteck 7"/>
+          <p:cNvSpPr/>
+          <p:nvPr/>
+        </p:nvSpPr>
+        <p:spPr>
+          <a:xfrm>
+            <a:off x="683432" y="1404084"/>
+            <a:ext cx="2440768" cy="368732"/>
+          </a:xfrm>
+          <a:prstGeom prst="rect">
+            <a:avLst/>
+          </a:prstGeom>
+          <a:noFill/>
+          <a:ln>
+            <a:solidFill>
+              <a:srgbClr val="FF0000"/>
+            </a:solidFill>
+          </a:ln>
+        </p:spPr>
+        <p:style>
+          <a:lnRef idx="2">
+            <a:schemeClr val="accent1">
+              <a:shade val="50000"/>
+            </a:schemeClr>
+          </a:lnRef>
+          <a:fillRef idx="1">
+            <a:schemeClr val="accent1"/>
+          </a:fillRef>
+          <a:effectRef idx="0">
+            <a:schemeClr val="accent1"/>
+          </a:effectRef>
+          <a:fontRef idx="minor">
+            <a:schemeClr val="lt1"/>
+          </a:fontRef>
+        </p:style>
+        <p:txBody>
+          <a:bodyPr rtlCol="0" anchor="ctr"/>
+          <a:lstStyle/>
+          <a:p>
+            <a:pPr algn="ctr"/>
+            <a:endParaRPr lang="de-AT"/>
+          </a:p>
+        </p:txBody>
+      </p:sp>
+      <p:sp>
+        <p:nvSpPr>
+          <p:cNvPr id="3" name="Legende mit Linie 2 2"/>
+          <p:cNvSpPr/>
+          <p:nvPr/>
+        </p:nvSpPr>
+        <p:spPr>
+          <a:xfrm>
+            <a:off x="5106963" y="1417638"/>
+            <a:ext cx="2736304" cy="859234"/>
+          </a:xfrm>
+          <a:prstGeom prst="borderCallout2">
+            <a:avLst>
+              <a:gd name="adj1" fmla="val 18750"/>
+              <a:gd name="adj2" fmla="val -8333"/>
+              <a:gd name="adj3" fmla="val 18750"/>
+              <a:gd name="adj4" fmla="val -16667"/>
+              <a:gd name="adj5" fmla="val 10252"/>
+              <a:gd name="adj6" fmla="val -72272"/>
+            </a:avLst>
+          </a:prstGeom>
+        </p:spPr>
+        <p:style>
+          <a:lnRef idx="2">
+            <a:schemeClr val="accent1">
+              <a:shade val="50000"/>
+            </a:schemeClr>
+          </a:lnRef>
+          <a:fillRef idx="1">
+            <a:schemeClr val="accent1"/>
+          </a:fillRef>
+          <a:effectRef idx="0">
+            <a:schemeClr val="accent1"/>
+          </a:effectRef>
+          <a:fontRef idx="minor">
+            <a:schemeClr val="lt1"/>
+          </a:fontRef>
+        </p:style>
+        <p:txBody>
+          <a:bodyPr rtlCol="0" anchor="ctr"/>
+          <a:lstStyle/>
+          <a:p>
+            <a:pPr algn="ctr"/>
+            <a:r>
+              <a:rPr lang="en-US" dirty="0" smtClean="0"/>
+              <a:t>Defines what </a:t>
+            </a:r>
+            <a:r>
+              <a:rPr lang="en-US" dirty="0" smtClean="0">
+                <a:latin typeface="Courier New" panose="02070309020205020404" pitchFamily="49" charset="0"/>
+                <a:cs typeface="Courier New" panose="02070309020205020404" pitchFamily="49" charset="0"/>
+              </a:rPr>
+              <a:t>Content</a:t>
+            </a:r>
+            <a:r>
+              <a:rPr lang="en-US" dirty="0" smtClean="0"/>
+              <a:t> can be displayed with this view</a:t>
+            </a:r>
+            <a:endParaRPr lang="en-US" dirty="0"/>
+          </a:p>
+        </p:txBody>
+      </p:sp>
+      <p:sp>
+        <p:nvSpPr>
+          <p:cNvPr id="9" name="Rechteck 8"/>
+          <p:cNvSpPr/>
+          <p:nvPr/>
+        </p:nvSpPr>
+        <p:spPr>
+          <a:xfrm>
+            <a:off x="3034744" y="1783639"/>
+            <a:ext cx="709100" cy="133193"/>
+          </a:xfrm>
+          <a:prstGeom prst="rect">
+            <a:avLst/>
+          </a:prstGeom>
+          <a:noFill/>
+          <a:ln>
+            <a:solidFill>
+              <a:srgbClr val="FF0000"/>
+            </a:solidFill>
+          </a:ln>
+        </p:spPr>
+        <p:style>
+          <a:lnRef idx="2">
+            <a:schemeClr val="accent1">
+              <a:shade val="50000"/>
+            </a:schemeClr>
+          </a:lnRef>
+          <a:fillRef idx="1">
+            <a:schemeClr val="accent1"/>
+          </a:fillRef>
+          <a:effectRef idx="0">
+            <a:schemeClr val="accent1"/>
+          </a:effectRef>
+          <a:fontRef idx="minor">
+            <a:schemeClr val="lt1"/>
+          </a:fontRef>
+        </p:style>
+        <p:txBody>
+          <a:bodyPr rtlCol="0" anchor="ctr"/>
+          <a:lstStyle/>
+          <a:p>
+            <a:pPr algn="ctr"/>
+            <a:endParaRPr lang="de-AT"/>
+          </a:p>
+        </p:txBody>
+      </p:sp>
+      <p:sp>
+        <p:nvSpPr>
+          <p:cNvPr id="10" name="Rechteck 9"/>
+          <p:cNvSpPr/>
+          <p:nvPr/>
+        </p:nvSpPr>
+        <p:spPr>
+          <a:xfrm>
+            <a:off x="803920" y="1916832"/>
+            <a:ext cx="2831976" cy="565571"/>
+          </a:xfrm>
+          <a:prstGeom prst="rect">
+            <a:avLst/>
+          </a:prstGeom>
+          <a:noFill/>
+          <a:ln>
+            <a:solidFill>
+              <a:srgbClr val="FF0000"/>
+            </a:solidFill>
+          </a:ln>
+        </p:spPr>
+        <p:style>
+          <a:lnRef idx="2">
+            <a:schemeClr val="accent1">
+              <a:shade val="50000"/>
+            </a:schemeClr>
+          </a:lnRef>
+          <a:fillRef idx="1">
+            <a:schemeClr val="accent1"/>
+          </a:fillRef>
+          <a:effectRef idx="0">
+            <a:schemeClr val="accent1"/>
+          </a:effectRef>
+          <a:fontRef idx="minor">
+            <a:schemeClr val="lt1"/>
+          </a:fontRef>
+        </p:style>
+        <p:txBody>
+          <a:bodyPr rtlCol="0" anchor="ctr"/>
+          <a:lstStyle/>
+          <a:p>
+            <a:pPr algn="ctr"/>
+            <a:endParaRPr lang="de-AT"/>
+          </a:p>
+        </p:txBody>
+      </p:sp>
+      <p:sp>
+        <p:nvSpPr>
+          <p:cNvPr id="11" name="Rechteck 10"/>
+          <p:cNvSpPr/>
+          <p:nvPr/>
+        </p:nvSpPr>
+        <p:spPr>
+          <a:xfrm>
+            <a:off x="2654058" y="2626419"/>
+            <a:ext cx="2061957" cy="208548"/>
+          </a:xfrm>
+          <a:prstGeom prst="rect">
+            <a:avLst/>
+          </a:prstGeom>
+          <a:noFill/>
+          <a:ln>
+            <a:solidFill>
+              <a:srgbClr val="FF0000"/>
+            </a:solidFill>
+          </a:ln>
+        </p:spPr>
+        <p:style>
+          <a:lnRef idx="2">
+            <a:schemeClr val="accent1">
+              <a:shade val="50000"/>
+            </a:schemeClr>
+          </a:lnRef>
+          <a:fillRef idx="1">
+            <a:schemeClr val="accent1"/>
+          </a:fillRef>
+          <a:effectRef idx="0">
+            <a:schemeClr val="accent1"/>
+          </a:effectRef>
+          <a:fontRef idx="minor">
+            <a:schemeClr val="lt1"/>
+          </a:fontRef>
+        </p:style>
+        <p:txBody>
+          <a:bodyPr rtlCol="0" anchor="ctr"/>
+          <a:lstStyle/>
+          <a:p>
+            <a:pPr algn="ctr"/>
+            <a:endParaRPr lang="de-AT"/>
+          </a:p>
+        </p:txBody>
+      </p:sp>
+      <p:sp>
+        <p:nvSpPr>
+          <p:cNvPr id="12" name="Rechteck 11"/>
+          <p:cNvSpPr/>
+          <p:nvPr/>
+        </p:nvSpPr>
+        <p:spPr>
+          <a:xfrm>
+            <a:off x="2694712" y="3508334"/>
+            <a:ext cx="1877288" cy="208698"/>
+          </a:xfrm>
+          <a:prstGeom prst="rect">
+            <a:avLst/>
+          </a:prstGeom>
+          <a:noFill/>
+          <a:ln>
+            <a:solidFill>
+              <a:srgbClr val="FF0000"/>
+            </a:solidFill>
+          </a:ln>
+        </p:spPr>
+        <p:style>
+          <a:lnRef idx="2">
+            <a:schemeClr val="accent1">
+              <a:shade val="50000"/>
+            </a:schemeClr>
+          </a:lnRef>
+          <a:fillRef idx="1">
+            <a:schemeClr val="accent1"/>
+          </a:fillRef>
+          <a:effectRef idx="0">
+            <a:schemeClr val="accent1"/>
+          </a:effectRef>
+          <a:fontRef idx="minor">
+            <a:schemeClr val="lt1"/>
+          </a:fontRef>
+        </p:style>
+        <p:txBody>
+          <a:bodyPr rtlCol="0" anchor="ctr"/>
+          <a:lstStyle/>
+          <a:p>
+            <a:pPr algn="ctr"/>
+            <a:endParaRPr lang="de-AT"/>
+          </a:p>
+        </p:txBody>
+      </p:sp>
+      <p:sp>
+        <p:nvSpPr>
+          <p:cNvPr id="13" name="Rechteck 12"/>
+          <p:cNvSpPr/>
+          <p:nvPr/>
+        </p:nvSpPr>
+        <p:spPr>
+          <a:xfrm>
+            <a:off x="2702046" y="4390399"/>
+            <a:ext cx="1440160" cy="204746"/>
+          </a:xfrm>
+          <a:prstGeom prst="rect">
+            <a:avLst/>
+          </a:prstGeom>
+          <a:noFill/>
+          <a:ln>
+            <a:solidFill>
+              <a:srgbClr val="FF0000"/>
+            </a:solidFill>
+          </a:ln>
+        </p:spPr>
+        <p:style>
+          <a:lnRef idx="2">
+            <a:schemeClr val="accent1">
+              <a:shade val="50000"/>
+            </a:schemeClr>
+          </a:lnRef>
+          <a:fillRef idx="1">
+            <a:schemeClr val="accent1"/>
+          </a:fillRef>
+          <a:effectRef idx="0">
+            <a:schemeClr val="accent1"/>
+          </a:effectRef>
+          <a:fontRef idx="minor">
+            <a:schemeClr val="lt1"/>
+          </a:fontRef>
+        </p:style>
+        <p:txBody>
+          <a:bodyPr rtlCol="0" anchor="ctr"/>
+          <a:lstStyle/>
+          <a:p>
+            <a:pPr algn="ctr"/>
+            <a:endParaRPr lang="de-AT"/>
+          </a:p>
+        </p:txBody>
+      </p:sp>
     </p:spTree>
     <p:extLst>
       <p:ext uri="{BB962C8B-B14F-4D97-AF65-F5344CB8AC3E}">
-        <p14:creationId xmlns:p14="http://schemas.microsoft.com/office/powerpoint/2010/main" val="2267558220"/>
+        <p14:creationId xmlns:p14="http://schemas.microsoft.com/office/powerpoint/2010/main" val="2975546834"/>
       </p:ext>
     </p:extLst>
   </p:cSld>
   <p:clrMapOvr>
     <a:masterClrMapping/>
   </p:clrMapOvr>
+  <p:timing>
+    <p:tnLst>
+      <p:par>
+        <p:cTn id="1" dur="indefinite" restart="never" nodeType="tmRoot"/>
+      </p:par>
+    </p:tnLst>
+  </p:timing>
 </p:sld>
 </file>
 
@@ -7671,67 +9002,126 @@
           <a:lstStyle/>
           <a:p>
             <a:r>
-              <a:rPr lang="de-AT" dirty="0" err="1" smtClean="0"/>
+              <a:rPr lang="en-US" dirty="0" smtClean="0"/>
+              <a:t>Displaying Content</a:t>
+            </a:r>
+            <a:endParaRPr lang="en-US" dirty="0"/>
+          </a:p>
+        </p:txBody>
+      </p:sp>
+      <p:sp>
+        <p:nvSpPr>
+          <p:cNvPr id="3" name="Inhaltsplatzhalter 2"/>
+          <p:cNvSpPr>
+            <a:spLocks noGrp="1"/>
+          </p:cNvSpPr>
+          <p:nvPr>
+            <p:ph idx="1"/>
+          </p:nvPr>
+        </p:nvSpPr>
+        <p:spPr/>
+        <p:txBody>
+          <a:bodyPr>
+            <a:normAutofit fontScale="92500" lnSpcReduction="10000"/>
+          </a:bodyPr>
+          <a:lstStyle/>
+          <a:p>
+            <a:r>
+              <a:rPr lang="en-US" dirty="0" smtClean="0"/>
+              <a:t>Manually:</a:t>
+            </a:r>
+          </a:p>
+          <a:p>
+            <a:pPr lvl="1"/>
+            <a:r>
+              <a:rPr lang="en-US" dirty="0" smtClean="0"/>
+              <a:t>Log </a:t>
+            </a:r>
+            <a:r>
+              <a:rPr lang="en-US" dirty="0" err="1" smtClean="0"/>
+              <a:t>log</a:t>
+            </a:r>
+            <a:r>
+              <a:rPr lang="en-US" dirty="0" smtClean="0"/>
+              <a:t> = new Log();</a:t>
+            </a:r>
+          </a:p>
+          <a:p>
+            <a:pPr lvl="1"/>
+            <a:r>
+              <a:rPr lang="en-US" dirty="0" err="1" smtClean="0"/>
+              <a:t>LogView</a:t>
+            </a:r>
+            <a:r>
+              <a:rPr lang="en-US" dirty="0" smtClean="0"/>
+              <a:t> </a:t>
+            </a:r>
+            <a:r>
+              <a:rPr lang="en-US" dirty="0" err="1" smtClean="0"/>
+              <a:t>logview</a:t>
+            </a:r>
+            <a:r>
+              <a:rPr lang="en-US" dirty="0" smtClean="0"/>
+              <a:t> = new </a:t>
+            </a:r>
+            <a:r>
+              <a:rPr lang="en-US" dirty="0" err="1" smtClean="0"/>
+              <a:t>LogView</a:t>
+            </a:r>
+            <a:r>
+              <a:rPr lang="en-US" dirty="0" smtClean="0"/>
+              <a:t>();</a:t>
+            </a:r>
+          </a:p>
+          <a:p>
+            <a:pPr lvl="1"/>
+            <a:r>
+              <a:rPr lang="en-US" dirty="0" err="1" smtClean="0"/>
+              <a:t>logview.Content</a:t>
+            </a:r>
+            <a:r>
+              <a:rPr lang="en-US" dirty="0" smtClean="0"/>
+              <a:t> = log;</a:t>
+            </a:r>
+          </a:p>
+          <a:p>
+            <a:endParaRPr lang="en-US" dirty="0" smtClean="0"/>
+          </a:p>
+          <a:p>
+            <a:r>
+              <a:rPr lang="en-US" dirty="0" smtClean="0"/>
+              <a:t>In an own tab using discovery:</a:t>
+            </a:r>
+          </a:p>
+          <a:p>
+            <a:pPr lvl="1"/>
+            <a:r>
+              <a:rPr lang="en-US" dirty="0" err="1" smtClean="0"/>
+              <a:t>MainFormManager.MainForm.ShowContent</a:t>
+            </a:r>
+            <a:r>
+              <a:rPr lang="en-US" dirty="0" smtClean="0"/>
+              <a:t>(log);</a:t>
+            </a:r>
+          </a:p>
+          <a:p>
+            <a:endParaRPr lang="en-US" dirty="0" smtClean="0"/>
+          </a:p>
+          <a:p>
+            <a:r>
+              <a:rPr lang="en-US" dirty="0" smtClean="0"/>
+              <a:t>Using a </a:t>
+            </a:r>
+            <a:r>
+              <a:rPr lang="en-US" dirty="0" err="1" smtClean="0">
+                <a:latin typeface="Courier New" panose="02070309020205020404" pitchFamily="49" charset="0"/>
+                <a:cs typeface="Courier New" panose="02070309020205020404" pitchFamily="49" charset="0"/>
+              </a:rPr>
               <a:t>ViewHost</a:t>
             </a:r>
-            <a:endParaRPr lang="de-AT" dirty="0"/>
-          </a:p>
-        </p:txBody>
-      </p:sp>
-      <p:sp>
-        <p:nvSpPr>
-          <p:cNvPr id="3" name="Inhaltsplatzhalter 2"/>
-          <p:cNvSpPr>
-            <a:spLocks noGrp="1"/>
-          </p:cNvSpPr>
-          <p:nvPr>
-            <p:ph idx="1"/>
-          </p:nvPr>
-        </p:nvSpPr>
-        <p:spPr/>
-        <p:txBody>
-          <a:bodyPr>
-            <a:normAutofit fontScale="92500"/>
-          </a:bodyPr>
-          <a:lstStyle/>
-          <a:p>
-            <a:r>
-              <a:rPr lang="en-US" dirty="0" err="1" smtClean="0"/>
-              <a:t>ViewHost</a:t>
-            </a:r>
             <a:r>
               <a:rPr lang="en-US" dirty="0" smtClean="0"/>
-              <a:t> is a special </a:t>
-            </a:r>
-            <a:r>
-              <a:rPr lang="en-US" dirty="0" err="1" smtClean="0"/>
-              <a:t>ContentView</a:t>
-            </a:r>
-            <a:r>
-              <a:rPr lang="en-US" dirty="0" smtClean="0"/>
-              <a:t> that changes it‘s appearance based on the type of Content</a:t>
-            </a:r>
-          </a:p>
-          <a:p>
-            <a:r>
-              <a:rPr lang="en-US" dirty="0" smtClean="0"/>
-              <a:t>[Content] attribute marks a view for a certain content type</a:t>
-            </a:r>
-          </a:p>
-          <a:p>
-            <a:r>
-              <a:rPr lang="en-US" dirty="0" err="1" smtClean="0"/>
-              <a:t>ViewHost</a:t>
-            </a:r>
-            <a:r>
-              <a:rPr lang="en-US" dirty="0" smtClean="0"/>
-              <a:t> looks up the view based on the Content type and uses it to display the Content</a:t>
-            </a:r>
-          </a:p>
-          <a:p>
-            <a:r>
-              <a:rPr lang="en-US" dirty="0" smtClean="0"/>
-              <a:t>Useful for views that can contain different Content types or collection views</a:t>
+              <a:t> </a:t>
             </a:r>
             <a:endParaRPr lang="en-US" dirty="0"/>
           </a:p>
@@ -7753,13 +9143,10 @@
           <a:lstStyle/>
           <a:p>
             <a:r>
-              <a:rPr lang="de-DE" dirty="0" err="1"/>
-              <a:t>Programming</a:t>
-            </a:r>
-            <a:r>
-              <a:rPr lang="de-DE" dirty="0"/>
-              <a:t> HeuristicLab</a:t>
-            </a:r>
+              <a:rPr lang="de-DE" smtClean="0"/>
+              <a:t>Programming HeuristicLab</a:t>
+            </a:r>
+            <a:endParaRPr lang="de-DE" dirty="0"/>
           </a:p>
         </p:txBody>
       </p:sp>
@@ -7807,6 +9194,832 @@
               <a:t>21</a:t>
             </a:fld>
             <a:endParaRPr lang="de-DE"/>
+          </a:p>
+        </p:txBody>
+      </p:sp>
+      <p:sp>
+        <p:nvSpPr>
+          <p:cNvPr id="7" name="Rectangle 1"/>
+          <p:cNvSpPr>
+            <a:spLocks noChangeArrowheads="1"/>
+          </p:cNvSpPr>
+          <p:nvPr/>
+        </p:nvSpPr>
+        <p:spPr bwMode="auto">
+          <a:xfrm>
+            <a:off x="827584" y="2132856"/>
+            <a:ext cx="6471643" cy="1200329"/>
+          </a:xfrm>
+          <a:prstGeom prst="rect">
+            <a:avLst/>
+          </a:prstGeom>
+          <a:solidFill>
+            <a:srgbClr val="FFFFFF"/>
+          </a:solidFill>
+          <a:ln>
+            <a:noFill/>
+          </a:ln>
+          <a:effectLst/>
+          <a:extLst>
+            <a:ext uri="{91240B29-F687-4F45-9708-019B960494DF}">
+              <a14:hiddenLine xmlns:a14="http://schemas.microsoft.com/office/drawing/2010/main" w="9525">
+                <a:solidFill>
+                  <a:schemeClr val="tx1"/>
+                </a:solidFill>
+                <a:miter lim="800000"/>
+                <a:headEnd/>
+                <a:tailEnd/>
+              </a14:hiddenLine>
+            </a:ext>
+            <a:ext uri="{AF507438-7753-43E0-B8FC-AC1667EBCBE1}">
+              <a14:hiddenEffects xmlns:a14="http://schemas.microsoft.com/office/drawing/2010/main">
+                <a:effectLst>
+                  <a:outerShdw dist="35921" dir="2700000" algn="ctr" rotWithShape="0">
+                    <a:schemeClr val="bg2"/>
+                  </a:outerShdw>
+                </a:effectLst>
+              </a14:hiddenEffects>
+            </a:ext>
+          </a:extLst>
+        </p:spPr>
+        <p:txBody>
+          <a:bodyPr vert="horz" wrap="none" lIns="91440" tIns="45720" rIns="91440" bIns="45720" numCol="1" anchor="ctr" anchorCtr="0" compatLnSpc="1">
+            <a:prstTxWarp prst="textNoShape">
+              <a:avLst/>
+            </a:prstTxWarp>
+            <a:spAutoFit/>
+          </a:bodyPr>
+          <a:lstStyle/>
+          <a:p>
+            <a:pPr marL="0" marR="0" lvl="0" indent="0" algn="l" defTabSz="914400" rtl="0" eaLnBrk="0" fontAlgn="base" latinLnBrk="0" hangingPunct="0">
+              <a:lnSpc>
+                <a:spcPct val="100000"/>
+              </a:lnSpc>
+              <a:spcBef>
+                <a:spcPct val="0"/>
+              </a:spcBef>
+              <a:spcAft>
+                <a:spcPct val="0"/>
+              </a:spcAft>
+              <a:buClrTx/>
+              <a:buSzTx/>
+              <a:buFontTx/>
+              <a:buNone/>
+              <a:tabLst/>
+            </a:pPr>
+            <a:r>
+              <a:rPr kumimoji="0" lang="de-DE" altLang="de-DE" sz="2400" b="0" i="0" u="none" strike="noStrike" cap="none" normalizeH="0" baseline="0" dirty="0" smtClean="0">
+                <a:ln>
+                  <a:noFill/>
+                </a:ln>
+                <a:solidFill>
+                  <a:srgbClr val="2B91AF"/>
+                </a:solidFill>
+                <a:effectLst/>
+                <a:latin typeface="Consolas" panose="020B0609020204030204" pitchFamily="49" charset="0"/>
+                <a:cs typeface="Consolas" panose="020B0609020204030204" pitchFamily="49" charset="0"/>
+              </a:rPr>
+              <a:t>Log</a:t>
+            </a:r>
+            <a:r>
+              <a:rPr kumimoji="0" lang="de-DE" altLang="de-DE" sz="2400" b="0" i="0" u="none" strike="noStrike" cap="none" normalizeH="0" baseline="0" dirty="0" smtClean="0">
+                <a:ln>
+                  <a:noFill/>
+                </a:ln>
+                <a:solidFill>
+                  <a:srgbClr val="000000"/>
+                </a:solidFill>
+                <a:effectLst/>
+                <a:latin typeface="Consolas" panose="020B0609020204030204" pitchFamily="49" charset="0"/>
+                <a:cs typeface="Consolas" panose="020B0609020204030204" pitchFamily="49" charset="0"/>
+              </a:rPr>
+              <a:t> </a:t>
+            </a:r>
+            <a:r>
+              <a:rPr kumimoji="0" lang="de-DE" altLang="de-DE" sz="2400" b="0" i="0" u="none" strike="noStrike" cap="none" normalizeH="0" baseline="0" dirty="0" err="1" smtClean="0">
+                <a:ln>
+                  <a:noFill/>
+                </a:ln>
+                <a:solidFill>
+                  <a:srgbClr val="000000"/>
+                </a:solidFill>
+                <a:effectLst/>
+                <a:latin typeface="Consolas" panose="020B0609020204030204" pitchFamily="49" charset="0"/>
+                <a:cs typeface="Consolas" panose="020B0609020204030204" pitchFamily="49" charset="0"/>
+              </a:rPr>
+              <a:t>log</a:t>
+            </a:r>
+            <a:r>
+              <a:rPr kumimoji="0" lang="de-DE" altLang="de-DE" sz="2400" b="0" i="0" u="none" strike="noStrike" cap="none" normalizeH="0" baseline="0" dirty="0" smtClean="0">
+                <a:ln>
+                  <a:noFill/>
+                </a:ln>
+                <a:solidFill>
+                  <a:srgbClr val="000000"/>
+                </a:solidFill>
+                <a:effectLst/>
+                <a:latin typeface="Consolas" panose="020B0609020204030204" pitchFamily="49" charset="0"/>
+                <a:cs typeface="Consolas" panose="020B0609020204030204" pitchFamily="49" charset="0"/>
+              </a:rPr>
+              <a:t> = </a:t>
+            </a:r>
+            <a:r>
+              <a:rPr kumimoji="0" lang="de-DE" altLang="de-DE" sz="2400" b="0" i="0" u="none" strike="noStrike" cap="none" normalizeH="0" baseline="0" dirty="0" err="1" smtClean="0">
+                <a:ln>
+                  <a:noFill/>
+                </a:ln>
+                <a:solidFill>
+                  <a:srgbClr val="0000FF"/>
+                </a:solidFill>
+                <a:effectLst/>
+                <a:latin typeface="Consolas" panose="020B0609020204030204" pitchFamily="49" charset="0"/>
+                <a:cs typeface="Consolas" panose="020B0609020204030204" pitchFamily="49" charset="0"/>
+              </a:rPr>
+              <a:t>new</a:t>
+            </a:r>
+            <a:r>
+              <a:rPr kumimoji="0" lang="de-DE" altLang="de-DE" sz="2400" b="0" i="0" u="none" strike="noStrike" cap="none" normalizeH="0" baseline="0" dirty="0" smtClean="0">
+                <a:ln>
+                  <a:noFill/>
+                </a:ln>
+                <a:solidFill>
+                  <a:srgbClr val="000000"/>
+                </a:solidFill>
+                <a:effectLst/>
+                <a:latin typeface="Consolas" panose="020B0609020204030204" pitchFamily="49" charset="0"/>
+                <a:cs typeface="Consolas" panose="020B0609020204030204" pitchFamily="49" charset="0"/>
+              </a:rPr>
+              <a:t> </a:t>
+            </a:r>
+            <a:r>
+              <a:rPr kumimoji="0" lang="de-DE" altLang="de-DE" sz="2400" b="0" i="0" u="none" strike="noStrike" cap="none" normalizeH="0" baseline="0" dirty="0" smtClean="0">
+                <a:ln>
+                  <a:noFill/>
+                </a:ln>
+                <a:solidFill>
+                  <a:srgbClr val="2B91AF"/>
+                </a:solidFill>
+                <a:effectLst/>
+                <a:latin typeface="Consolas" panose="020B0609020204030204" pitchFamily="49" charset="0"/>
+                <a:cs typeface="Consolas" panose="020B0609020204030204" pitchFamily="49" charset="0"/>
+              </a:rPr>
+              <a:t>Log</a:t>
+            </a:r>
+            <a:r>
+              <a:rPr kumimoji="0" lang="de-DE" altLang="de-DE" sz="2400" b="0" i="0" u="none" strike="noStrike" cap="none" normalizeH="0" baseline="0" dirty="0" smtClean="0">
+                <a:ln>
+                  <a:noFill/>
+                </a:ln>
+                <a:solidFill>
+                  <a:srgbClr val="000000"/>
+                </a:solidFill>
+                <a:effectLst/>
+                <a:latin typeface="Consolas" panose="020B0609020204030204" pitchFamily="49" charset="0"/>
+                <a:cs typeface="Consolas" panose="020B0609020204030204" pitchFamily="49" charset="0"/>
+              </a:rPr>
+              <a:t>();     </a:t>
+            </a:r>
+          </a:p>
+          <a:p>
+            <a:pPr marL="0" marR="0" lvl="0" indent="0" algn="l" defTabSz="914400" rtl="0" eaLnBrk="0" fontAlgn="base" latinLnBrk="0" hangingPunct="0">
+              <a:lnSpc>
+                <a:spcPct val="100000"/>
+              </a:lnSpc>
+              <a:spcBef>
+                <a:spcPct val="0"/>
+              </a:spcBef>
+              <a:spcAft>
+                <a:spcPct val="0"/>
+              </a:spcAft>
+              <a:buClrTx/>
+              <a:buSzTx/>
+              <a:buFontTx/>
+              <a:buNone/>
+              <a:tabLst/>
+            </a:pPr>
+            <a:r>
+              <a:rPr kumimoji="0" lang="de-DE" altLang="de-DE" sz="2400" b="0" i="0" u="none" strike="noStrike" cap="none" normalizeH="0" baseline="0" dirty="0" err="1" smtClean="0">
+                <a:ln>
+                  <a:noFill/>
+                </a:ln>
+                <a:solidFill>
+                  <a:srgbClr val="2B91AF"/>
+                </a:solidFill>
+                <a:effectLst/>
+                <a:latin typeface="Consolas" panose="020B0609020204030204" pitchFamily="49" charset="0"/>
+                <a:cs typeface="Consolas" panose="020B0609020204030204" pitchFamily="49" charset="0"/>
+              </a:rPr>
+              <a:t>LogView</a:t>
+            </a:r>
+            <a:r>
+              <a:rPr kumimoji="0" lang="de-DE" altLang="de-DE" sz="2400" b="0" i="0" u="none" strike="noStrike" cap="none" normalizeH="0" baseline="0" dirty="0" smtClean="0">
+                <a:ln>
+                  <a:noFill/>
+                </a:ln>
+                <a:solidFill>
+                  <a:srgbClr val="000000"/>
+                </a:solidFill>
+                <a:effectLst/>
+                <a:latin typeface="Consolas" panose="020B0609020204030204" pitchFamily="49" charset="0"/>
+                <a:cs typeface="Consolas" panose="020B0609020204030204" pitchFamily="49" charset="0"/>
+              </a:rPr>
+              <a:t> </a:t>
+            </a:r>
+            <a:r>
+              <a:rPr kumimoji="0" lang="de-DE" altLang="de-DE" sz="2400" b="0" i="0" u="none" strike="noStrike" cap="none" normalizeH="0" baseline="0" dirty="0" err="1" smtClean="0">
+                <a:ln>
+                  <a:noFill/>
+                </a:ln>
+                <a:solidFill>
+                  <a:srgbClr val="000000"/>
+                </a:solidFill>
+                <a:effectLst/>
+                <a:latin typeface="Consolas" panose="020B0609020204030204" pitchFamily="49" charset="0"/>
+                <a:cs typeface="Consolas" panose="020B0609020204030204" pitchFamily="49" charset="0"/>
+              </a:rPr>
+              <a:t>logview</a:t>
+            </a:r>
+            <a:r>
+              <a:rPr kumimoji="0" lang="de-DE" altLang="de-DE" sz="2400" b="0" i="0" u="none" strike="noStrike" cap="none" normalizeH="0" baseline="0" dirty="0" smtClean="0">
+                <a:ln>
+                  <a:noFill/>
+                </a:ln>
+                <a:solidFill>
+                  <a:srgbClr val="000000"/>
+                </a:solidFill>
+                <a:effectLst/>
+                <a:latin typeface="Consolas" panose="020B0609020204030204" pitchFamily="49" charset="0"/>
+                <a:cs typeface="Consolas" panose="020B0609020204030204" pitchFamily="49" charset="0"/>
+              </a:rPr>
+              <a:t> = </a:t>
+            </a:r>
+            <a:r>
+              <a:rPr kumimoji="0" lang="de-DE" altLang="de-DE" sz="2400" b="0" i="0" u="none" strike="noStrike" cap="none" normalizeH="0" baseline="0" dirty="0" err="1" smtClean="0">
+                <a:ln>
+                  <a:noFill/>
+                </a:ln>
+                <a:solidFill>
+                  <a:srgbClr val="0000FF"/>
+                </a:solidFill>
+                <a:effectLst/>
+                <a:latin typeface="Consolas" panose="020B0609020204030204" pitchFamily="49" charset="0"/>
+                <a:cs typeface="Consolas" panose="020B0609020204030204" pitchFamily="49" charset="0"/>
+              </a:rPr>
+              <a:t>new</a:t>
+            </a:r>
+            <a:r>
+              <a:rPr kumimoji="0" lang="de-DE" altLang="de-DE" sz="2400" b="0" i="0" u="none" strike="noStrike" cap="none" normalizeH="0" baseline="0" dirty="0" smtClean="0">
+                <a:ln>
+                  <a:noFill/>
+                </a:ln>
+                <a:solidFill>
+                  <a:srgbClr val="000000"/>
+                </a:solidFill>
+                <a:effectLst/>
+                <a:latin typeface="Consolas" panose="020B0609020204030204" pitchFamily="49" charset="0"/>
+                <a:cs typeface="Consolas" panose="020B0609020204030204" pitchFamily="49" charset="0"/>
+              </a:rPr>
+              <a:t> </a:t>
+            </a:r>
+            <a:r>
+              <a:rPr kumimoji="0" lang="de-DE" altLang="de-DE" sz="2400" b="0" i="0" u="none" strike="noStrike" cap="none" normalizeH="0" baseline="0" dirty="0" err="1" smtClean="0">
+                <a:ln>
+                  <a:noFill/>
+                </a:ln>
+                <a:solidFill>
+                  <a:srgbClr val="2B91AF"/>
+                </a:solidFill>
+                <a:effectLst/>
+                <a:latin typeface="Consolas" panose="020B0609020204030204" pitchFamily="49" charset="0"/>
+                <a:cs typeface="Consolas" panose="020B0609020204030204" pitchFamily="49" charset="0"/>
+              </a:rPr>
+              <a:t>LogView</a:t>
+            </a:r>
+            <a:r>
+              <a:rPr kumimoji="0" lang="de-DE" altLang="de-DE" sz="2400" b="0" i="0" u="none" strike="noStrike" cap="none" normalizeH="0" baseline="0" dirty="0" smtClean="0">
+                <a:ln>
+                  <a:noFill/>
+                </a:ln>
+                <a:solidFill>
+                  <a:srgbClr val="000000"/>
+                </a:solidFill>
+                <a:effectLst/>
+                <a:latin typeface="Consolas" panose="020B0609020204030204" pitchFamily="49" charset="0"/>
+                <a:cs typeface="Consolas" panose="020B0609020204030204" pitchFamily="49" charset="0"/>
+              </a:rPr>
+              <a:t>();     </a:t>
+            </a:r>
+          </a:p>
+          <a:p>
+            <a:pPr marL="0" marR="0" lvl="0" indent="0" algn="l" defTabSz="914400" rtl="0" eaLnBrk="0" fontAlgn="base" latinLnBrk="0" hangingPunct="0">
+              <a:lnSpc>
+                <a:spcPct val="100000"/>
+              </a:lnSpc>
+              <a:spcBef>
+                <a:spcPct val="0"/>
+              </a:spcBef>
+              <a:spcAft>
+                <a:spcPct val="0"/>
+              </a:spcAft>
+              <a:buClrTx/>
+              <a:buSzTx/>
+              <a:buFontTx/>
+              <a:buNone/>
+              <a:tabLst/>
+            </a:pPr>
+            <a:r>
+              <a:rPr kumimoji="0" lang="de-DE" altLang="de-DE" sz="2400" b="0" i="0" u="none" strike="noStrike" cap="none" normalizeH="0" baseline="0" dirty="0" err="1" smtClean="0">
+                <a:ln>
+                  <a:noFill/>
+                </a:ln>
+                <a:solidFill>
+                  <a:srgbClr val="000000"/>
+                </a:solidFill>
+                <a:effectLst/>
+                <a:latin typeface="Consolas" panose="020B0609020204030204" pitchFamily="49" charset="0"/>
+                <a:cs typeface="Consolas" panose="020B0609020204030204" pitchFamily="49" charset="0"/>
+              </a:rPr>
+              <a:t>logview.Content</a:t>
+            </a:r>
+            <a:r>
+              <a:rPr kumimoji="0" lang="de-DE" altLang="de-DE" sz="2400" b="0" i="0" u="none" strike="noStrike" cap="none" normalizeH="0" baseline="0" dirty="0" smtClean="0">
+                <a:ln>
+                  <a:noFill/>
+                </a:ln>
+                <a:solidFill>
+                  <a:srgbClr val="000000"/>
+                </a:solidFill>
+                <a:effectLst/>
+                <a:latin typeface="Consolas" panose="020B0609020204030204" pitchFamily="49" charset="0"/>
+                <a:cs typeface="Consolas" panose="020B0609020204030204" pitchFamily="49" charset="0"/>
+              </a:rPr>
+              <a:t> = log;</a:t>
+            </a:r>
+            <a:endParaRPr kumimoji="0" lang="de-DE" altLang="de-DE" sz="5400" b="0" i="0" u="none" strike="noStrike" cap="none" normalizeH="0" baseline="0" dirty="0" smtClean="0">
+              <a:ln>
+                <a:noFill/>
+              </a:ln>
+              <a:solidFill>
+                <a:schemeClr val="tx1"/>
+              </a:solidFill>
+              <a:effectLst/>
+              <a:latin typeface="Arial" panose="020B0604020202020204" pitchFamily="34" charset="0"/>
+            </a:endParaRPr>
+          </a:p>
+        </p:txBody>
+      </p:sp>
+      <p:sp>
+        <p:nvSpPr>
+          <p:cNvPr id="8" name="Rectangle 2"/>
+          <p:cNvSpPr>
+            <a:spLocks noChangeArrowheads="1"/>
+          </p:cNvSpPr>
+          <p:nvPr/>
+        </p:nvSpPr>
+        <p:spPr bwMode="auto">
+          <a:xfrm>
+            <a:off x="827584" y="4365104"/>
+            <a:ext cx="7416824" cy="461665"/>
+          </a:xfrm>
+          <a:prstGeom prst="rect">
+            <a:avLst/>
+          </a:prstGeom>
+          <a:solidFill>
+            <a:srgbClr val="FFFFFF"/>
+          </a:solidFill>
+          <a:ln>
+            <a:noFill/>
+          </a:ln>
+          <a:effectLst/>
+          <a:extLst>
+            <a:ext uri="{91240B29-F687-4F45-9708-019B960494DF}">
+              <a14:hiddenLine xmlns:a14="http://schemas.microsoft.com/office/drawing/2010/main" w="9525">
+                <a:solidFill>
+                  <a:schemeClr val="tx1"/>
+                </a:solidFill>
+                <a:miter lim="800000"/>
+                <a:headEnd/>
+                <a:tailEnd/>
+              </a14:hiddenLine>
+            </a:ext>
+            <a:ext uri="{AF507438-7753-43E0-B8FC-AC1667EBCBE1}">
+              <a14:hiddenEffects xmlns:a14="http://schemas.microsoft.com/office/drawing/2010/main">
+                <a:effectLst>
+                  <a:outerShdw dist="35921" dir="2700000" algn="ctr" rotWithShape="0">
+                    <a:schemeClr val="bg2"/>
+                  </a:outerShdw>
+                </a:effectLst>
+              </a14:hiddenEffects>
+            </a:ext>
+          </a:extLst>
+        </p:spPr>
+        <p:txBody>
+          <a:bodyPr vert="horz" wrap="square" lIns="91440" tIns="45720" rIns="91440" bIns="45720" numCol="1" anchor="ctr" anchorCtr="0" compatLnSpc="1">
+            <a:prstTxWarp prst="textNoShape">
+              <a:avLst/>
+            </a:prstTxWarp>
+            <a:spAutoFit/>
+          </a:bodyPr>
+          <a:lstStyle/>
+          <a:p>
+            <a:pPr marL="0" marR="0" lvl="0" indent="0" algn="l" defTabSz="914400" rtl="0" eaLnBrk="0" fontAlgn="base" latinLnBrk="0" hangingPunct="0">
+              <a:lnSpc>
+                <a:spcPct val="100000"/>
+              </a:lnSpc>
+              <a:spcBef>
+                <a:spcPct val="0"/>
+              </a:spcBef>
+              <a:spcAft>
+                <a:spcPct val="0"/>
+              </a:spcAft>
+              <a:buClrTx/>
+              <a:buSzTx/>
+              <a:buFontTx/>
+              <a:buNone/>
+              <a:tabLst/>
+            </a:pPr>
+            <a:r>
+              <a:rPr kumimoji="0" lang="de-DE" altLang="de-DE" sz="2400" b="0" i="0" u="none" strike="noStrike" cap="none" normalizeH="0" baseline="0" dirty="0" err="1" smtClean="0">
+                <a:ln>
+                  <a:noFill/>
+                </a:ln>
+                <a:solidFill>
+                  <a:srgbClr val="2B91AF"/>
+                </a:solidFill>
+                <a:effectLst/>
+                <a:latin typeface="Consolas" panose="020B0609020204030204" pitchFamily="49" charset="0"/>
+                <a:cs typeface="Consolas" panose="020B0609020204030204" pitchFamily="49" charset="0"/>
+              </a:rPr>
+              <a:t>MainFormManager</a:t>
+            </a:r>
+            <a:r>
+              <a:rPr kumimoji="0" lang="de-DE" altLang="de-DE" sz="2400" b="0" i="0" u="none" strike="noStrike" cap="none" normalizeH="0" baseline="0" dirty="0" err="1" smtClean="0">
+                <a:ln>
+                  <a:noFill/>
+                </a:ln>
+                <a:solidFill>
+                  <a:srgbClr val="000000"/>
+                </a:solidFill>
+                <a:effectLst/>
+                <a:latin typeface="Consolas" panose="020B0609020204030204" pitchFamily="49" charset="0"/>
+                <a:cs typeface="Consolas" panose="020B0609020204030204" pitchFamily="49" charset="0"/>
+              </a:rPr>
+              <a:t>.MainForm.ShowContent</a:t>
+            </a:r>
+            <a:r>
+              <a:rPr kumimoji="0" lang="de-DE" altLang="de-DE" sz="2400" b="0" i="0" u="none" strike="noStrike" cap="none" normalizeH="0" baseline="0" dirty="0" smtClean="0">
+                <a:ln>
+                  <a:noFill/>
+                </a:ln>
+                <a:solidFill>
+                  <a:srgbClr val="000000"/>
+                </a:solidFill>
+                <a:effectLst/>
+                <a:latin typeface="Consolas" panose="020B0609020204030204" pitchFamily="49" charset="0"/>
+                <a:cs typeface="Consolas" panose="020B0609020204030204" pitchFamily="49" charset="0"/>
+              </a:rPr>
+              <a:t>(log); </a:t>
+            </a:r>
+            <a:endParaRPr kumimoji="0" lang="de-DE" altLang="de-DE" sz="5400" b="0" i="0" u="none" strike="noStrike" cap="none" normalizeH="0" baseline="0" dirty="0" smtClean="0">
+              <a:ln>
+                <a:noFill/>
+              </a:ln>
+              <a:solidFill>
+                <a:schemeClr val="tx1"/>
+              </a:solidFill>
+              <a:effectLst/>
+              <a:latin typeface="Arial" panose="020B0604020202020204" pitchFamily="34" charset="0"/>
+            </a:endParaRPr>
+          </a:p>
+        </p:txBody>
+      </p:sp>
+    </p:spTree>
+    <p:extLst>
+      <p:ext uri="{BB962C8B-B14F-4D97-AF65-F5344CB8AC3E}">
+        <p14:creationId xmlns:p14="http://schemas.microsoft.com/office/powerpoint/2010/main" val="2267558220"/>
+      </p:ext>
+    </p:extLst>
+  </p:cSld>
+  <p:clrMapOvr>
+    <a:masterClrMapping/>
+  </p:clrMapOvr>
+</p:sld>
+</file>
+
+<file path=ppt/slides/slide22.xml><?xml version="1.0" encoding="utf-8"?>
+<p:sld xmlns:a="http://schemas.openxmlformats.org/drawingml/2006/main" xmlns:r="http://schemas.openxmlformats.org/officeDocument/2006/relationships" xmlns:p="http://schemas.openxmlformats.org/presentationml/2006/main">
+  <p:cSld>
+    <p:spTree>
+      <p:nvGrpSpPr>
+        <p:cNvPr id="1" name=""/>
+        <p:cNvGrpSpPr/>
+        <p:nvPr/>
+      </p:nvGrpSpPr>
+      <p:grpSpPr>
+        <a:xfrm>
+          <a:off x="0" y="0"/>
+          <a:ext cx="0" cy="0"/>
+          <a:chOff x="0" y="0"/>
+          <a:chExt cx="0" cy="0"/>
+        </a:xfrm>
+      </p:grpSpPr>
+      <p:sp>
+        <p:nvSpPr>
+          <p:cNvPr id="2" name="Titel 1"/>
+          <p:cNvSpPr>
+            <a:spLocks noGrp="1"/>
+          </p:cNvSpPr>
+          <p:nvPr>
+            <p:ph type="title"/>
+          </p:nvPr>
+        </p:nvSpPr>
+        <p:spPr/>
+        <p:txBody>
+          <a:bodyPr/>
+          <a:lstStyle/>
+          <a:p>
+            <a:r>
+              <a:rPr lang="de-AT" dirty="0" err="1" smtClean="0"/>
+              <a:t>ViewHost</a:t>
+            </a:r>
+            <a:endParaRPr lang="de-AT" dirty="0"/>
+          </a:p>
+        </p:txBody>
+      </p:sp>
+      <p:sp>
+        <p:nvSpPr>
+          <p:cNvPr id="3" name="Inhaltsplatzhalter 2"/>
+          <p:cNvSpPr>
+            <a:spLocks noGrp="1"/>
+          </p:cNvSpPr>
+          <p:nvPr>
+            <p:ph idx="1"/>
+          </p:nvPr>
+        </p:nvSpPr>
+        <p:spPr>
+          <a:xfrm>
+            <a:off x="457200" y="1600200"/>
+            <a:ext cx="8229600" cy="3629000"/>
+          </a:xfrm>
+        </p:spPr>
+        <p:txBody>
+          <a:bodyPr>
+            <a:normAutofit fontScale="85000" lnSpcReduction="10000"/>
+          </a:bodyPr>
+          <a:lstStyle/>
+          <a:p>
+            <a:r>
+              <a:rPr lang="en-US" dirty="0" err="1" smtClean="0">
+                <a:latin typeface="Courier New" panose="02070309020205020404" pitchFamily="49" charset="0"/>
+                <a:cs typeface="Courier New" panose="02070309020205020404" pitchFamily="49" charset="0"/>
+              </a:rPr>
+              <a:t>ViewHost</a:t>
+            </a:r>
+            <a:r>
+              <a:rPr lang="en-US" dirty="0" smtClean="0"/>
+              <a:t> is a special </a:t>
+            </a:r>
+            <a:r>
+              <a:rPr lang="en-US" dirty="0" err="1" smtClean="0">
+                <a:latin typeface="Courier New" panose="02070309020205020404" pitchFamily="49" charset="0"/>
+                <a:cs typeface="Courier New" panose="02070309020205020404" pitchFamily="49" charset="0"/>
+              </a:rPr>
+              <a:t>ContentView</a:t>
+            </a:r>
+            <a:r>
+              <a:rPr lang="en-US" dirty="0" smtClean="0"/>
+              <a:t> that changes it‘s appearance based on the type of </a:t>
+            </a:r>
+            <a:r>
+              <a:rPr lang="en-US" dirty="0" smtClean="0">
+                <a:latin typeface="Courier New" panose="02070309020205020404" pitchFamily="49" charset="0"/>
+                <a:cs typeface="Courier New" panose="02070309020205020404" pitchFamily="49" charset="0"/>
+              </a:rPr>
+              <a:t>Content</a:t>
+            </a:r>
+          </a:p>
+          <a:p>
+            <a:r>
+              <a:rPr lang="en-US" dirty="0" smtClean="0">
+                <a:latin typeface="Courier New" panose="02070309020205020404" pitchFamily="49" charset="0"/>
+                <a:cs typeface="Courier New" panose="02070309020205020404" pitchFamily="49" charset="0"/>
+              </a:rPr>
+              <a:t>Content[]</a:t>
+            </a:r>
+            <a:r>
+              <a:rPr lang="en-US" dirty="0" smtClean="0"/>
+              <a:t> attribute marks a view for a certain content type</a:t>
+            </a:r>
+          </a:p>
+          <a:p>
+            <a:r>
+              <a:rPr lang="en-US" dirty="0" err="1" smtClean="0">
+                <a:latin typeface="Courier New" panose="02070309020205020404" pitchFamily="49" charset="0"/>
+                <a:cs typeface="Courier New" panose="02070309020205020404" pitchFamily="49" charset="0"/>
+              </a:rPr>
+              <a:t>ViewHost</a:t>
+            </a:r>
+            <a:r>
+              <a:rPr lang="en-US" dirty="0" smtClean="0"/>
+              <a:t> looks up the view based on the </a:t>
+            </a:r>
+            <a:r>
+              <a:rPr lang="en-US" dirty="0" smtClean="0">
+                <a:latin typeface="Courier New" panose="02070309020205020404" pitchFamily="49" charset="0"/>
+                <a:cs typeface="Courier New" panose="02070309020205020404" pitchFamily="49" charset="0"/>
+              </a:rPr>
+              <a:t>Content</a:t>
+            </a:r>
+            <a:r>
+              <a:rPr lang="en-US" dirty="0" smtClean="0"/>
+              <a:t> type and uses it to display the </a:t>
+            </a:r>
+            <a:r>
+              <a:rPr lang="en-US" dirty="0" smtClean="0">
+                <a:latin typeface="Courier New" panose="02070309020205020404" pitchFamily="49" charset="0"/>
+                <a:cs typeface="Courier New" panose="02070309020205020404" pitchFamily="49" charset="0"/>
+              </a:rPr>
+              <a:t>Content</a:t>
+            </a:r>
+          </a:p>
+          <a:p>
+            <a:r>
+              <a:rPr lang="en-US" dirty="0" smtClean="0"/>
+              <a:t>Useful for views that can contain different </a:t>
+            </a:r>
+            <a:r>
+              <a:rPr lang="en-US" dirty="0" smtClean="0">
+                <a:latin typeface="Courier New" panose="02070309020205020404" pitchFamily="49" charset="0"/>
+                <a:cs typeface="Courier New" panose="02070309020205020404" pitchFamily="49" charset="0"/>
+              </a:rPr>
+              <a:t>Content</a:t>
+            </a:r>
+            <a:r>
+              <a:rPr lang="en-US" dirty="0" smtClean="0"/>
+              <a:t> types or collection views</a:t>
+            </a:r>
+            <a:endParaRPr lang="en-US" dirty="0"/>
+          </a:p>
+        </p:txBody>
+      </p:sp>
+      <p:sp>
+        <p:nvSpPr>
+          <p:cNvPr id="4" name="Datumsplatzhalter 3"/>
+          <p:cNvSpPr>
+            <a:spLocks noGrp="1"/>
+          </p:cNvSpPr>
+          <p:nvPr>
+            <p:ph type="dt" sz="half" idx="10"/>
+          </p:nvPr>
+        </p:nvSpPr>
+        <p:spPr/>
+        <p:txBody>
+          <a:bodyPr/>
+          <a:lstStyle/>
+          <a:p>
+            <a:r>
+              <a:rPr lang="de-DE" dirty="0" err="1"/>
+              <a:t>Programming</a:t>
+            </a:r>
+            <a:r>
+              <a:rPr lang="de-DE" dirty="0"/>
+              <a:t> HeuristicLab</a:t>
+            </a:r>
+          </a:p>
+        </p:txBody>
+      </p:sp>
+      <p:sp>
+        <p:nvSpPr>
+          <p:cNvPr id="5" name="Fußzeilenplatzhalter 4"/>
+          <p:cNvSpPr>
+            <a:spLocks noGrp="1"/>
+          </p:cNvSpPr>
+          <p:nvPr>
+            <p:ph type="ftr" sz="quarter" idx="11"/>
+          </p:nvPr>
+        </p:nvSpPr>
+        <p:spPr/>
+        <p:txBody>
+          <a:bodyPr/>
+          <a:lstStyle/>
+          <a:p>
+            <a:r>
+              <a:rPr lang="de-DE" smtClean="0"/>
+              <a:t>http://dev.heuristiclab.com</a:t>
+            </a:r>
+            <a:endParaRPr lang="de-DE"/>
+          </a:p>
+        </p:txBody>
+      </p:sp>
+      <p:sp>
+        <p:nvSpPr>
+          <p:cNvPr id="6" name="Foliennummernplatzhalter 5"/>
+          <p:cNvSpPr>
+            <a:spLocks noGrp="1"/>
+          </p:cNvSpPr>
+          <p:nvPr>
+            <p:ph type="sldNum" sz="quarter" idx="12"/>
+          </p:nvPr>
+        </p:nvSpPr>
+        <p:spPr/>
+        <p:txBody>
+          <a:bodyPr/>
+          <a:lstStyle/>
+          <a:p>
+            <a:fld id="{6C6AE60A-B69C-4790-82F7-3882EDF23186}" type="slidenum">
+              <a:rPr lang="de-DE" smtClean="0"/>
+              <a:pPr/>
+              <a:t>22</a:t>
+            </a:fld>
+            <a:endParaRPr lang="de-DE"/>
+          </a:p>
+        </p:txBody>
+      </p:sp>
+      <p:pic>
+        <p:nvPicPr>
+          <p:cNvPr id="7" name="Picture 2"/>
+          <p:cNvPicPr>
+            <a:picLocks noChangeAspect="1" noChangeArrowheads="1"/>
+          </p:cNvPicPr>
+          <p:nvPr/>
+        </p:nvPicPr>
+        <p:blipFill>
+          <a:blip r:embed="rId2" cstate="print"/>
+          <a:srcRect/>
+          <a:stretch>
+            <a:fillRect/>
+          </a:stretch>
+        </p:blipFill>
+        <p:spPr bwMode="auto">
+          <a:xfrm>
+            <a:off x="4788024" y="5060206"/>
+            <a:ext cx="3992124" cy="1296144"/>
+          </a:xfrm>
+          <a:prstGeom prst="rect">
+            <a:avLst/>
+          </a:prstGeom>
+          <a:ln>
+            <a:noFill/>
+          </a:ln>
+          <a:effectLst>
+            <a:outerShdw blurRad="292100" dist="139700" dir="2700000" algn="tl" rotWithShape="0">
+              <a:prstClr val="black">
+                <a:alpha val="65000"/>
+              </a:prstClr>
+            </a:outerShdw>
+            <a:softEdge rad="112500"/>
+          </a:effectLst>
+        </p:spPr>
+      </p:pic>
+      <p:sp>
+        <p:nvSpPr>
+          <p:cNvPr id="8" name="Abgerundetes Rechteck 7"/>
+          <p:cNvSpPr/>
+          <p:nvPr/>
+        </p:nvSpPr>
+        <p:spPr>
+          <a:xfrm>
+            <a:off x="4932040" y="5157192"/>
+            <a:ext cx="305800" cy="311075"/>
+          </a:xfrm>
+          <a:prstGeom prst="roundRect">
+            <a:avLst>
+              <a:gd name="adj" fmla="val 26035"/>
+            </a:avLst>
+          </a:prstGeom>
+          <a:noFill/>
+          <a:ln w="50800">
+            <a:solidFill>
+              <a:srgbClr val="FF0000"/>
+            </a:solidFill>
+          </a:ln>
+        </p:spPr>
+        <p:style>
+          <a:lnRef idx="2">
+            <a:schemeClr val="accent1">
+              <a:shade val="50000"/>
+            </a:schemeClr>
+          </a:lnRef>
+          <a:fillRef idx="1">
+            <a:schemeClr val="accent1"/>
+          </a:fillRef>
+          <a:effectRef idx="0">
+            <a:schemeClr val="accent1"/>
+          </a:effectRef>
+          <a:fontRef idx="minor">
+            <a:schemeClr val="lt1"/>
+          </a:fontRef>
+        </p:style>
+        <p:txBody>
+          <a:bodyPr rtlCol="0" anchor="ctr" anchorCtr="0"/>
+          <a:lstStyle/>
+          <a:p>
+            <a:pPr algn="ctr"/>
+            <a:endParaRPr lang="en-US" sz="2800" b="1">
+              <a:solidFill>
+                <a:srgbClr val="FF0000"/>
+              </a:solidFill>
+            </a:endParaRPr>
           </a:p>
         </p:txBody>
       </p:sp>
@@ -7830,7 +10043,7 @@
 </p:sld>
 </file>
 
-<file path=ppt/slides/slide22.xml><?xml version="1.0" encoding="utf-8"?>
+<file path=ppt/slides/slide23.xml><?xml version="1.0" encoding="utf-8"?>
 <p:sld xmlns:a="http://schemas.openxmlformats.org/drawingml/2006/main" xmlns:r="http://schemas.openxmlformats.org/officeDocument/2006/relationships" xmlns:p="http://schemas.openxmlformats.org/presentationml/2006/main">
   <p:cSld>
     <p:spTree>
@@ -7937,7 +10150,7 @@
             <a:fld id="{6C6AE60A-B69C-4790-82F7-3882EDF23186}" type="slidenum">
               <a:rPr lang="en-US" smtClean="0"/>
               <a:pPr/>
-              <a:t>22</a:t>
+              <a:t>23</a:t>
             </a:fld>
             <a:endParaRPr lang="en-US"/>
           </a:p>
@@ -7976,9 +10189,12 @@
               <a:rPr lang="en-US" sz="2800" dirty="0" smtClean="0">
                 <a:hlinkClick r:id="rId2"/>
               </a:rPr>
-              <a:t>dev.heuristiclab.com/trac/hl/core/wiki/UsersHowtos</a:t>
-            </a:r>
-            <a:endParaRPr lang="en-US" sz="2800" dirty="0" smtClean="0"/>
+              <a:t>dev.heuristiclab.com/trac.fcgi/wiki/Documentation</a:t>
+            </a:r>
+            <a:r>
+              <a:rPr lang="en-US" sz="2800" dirty="0" smtClean="0"/>
+              <a:t> </a:t>
+            </a:r>
           </a:p>
           <a:p>
             <a:pPr algn="ctr"/>
@@ -7987,24 +10203,21 @@
           <a:p>
             <a:pPr algn="ctr"/>
             <a:r>
+              <a:rPr lang="en-US" sz="2800" dirty="0">
+                <a:hlinkClick r:id="rId3"/>
+              </a:rPr>
+              <a:t>http://</a:t>
+            </a:r>
+            <a:r>
               <a:rPr lang="en-US" sz="2800" dirty="0" smtClean="0">
                 <a:hlinkClick r:id="rId3"/>
               </a:rPr>
-              <a:t>http</a:t>
-            </a:r>
-            <a:r>
-              <a:rPr lang="en-US" sz="2800" dirty="0">
-                <a:hlinkClick r:id="rId3"/>
-              </a:rPr>
-              <a:t>://</a:t>
-            </a:r>
-            <a:r>
-              <a:rPr lang="en-US" sz="2800" dirty="0" smtClean="0">
-                <a:hlinkClick r:id="rId3"/>
-              </a:rPr>
-              <a:t>dev.heuristiclab.com/trac/hl/core/wiki/Publications</a:t>
-            </a:r>
-            <a:endParaRPr lang="en-US" sz="2800" dirty="0" smtClean="0"/>
+              <a:t>dev.heuristiclab.com/trac.fcgi/wiki/Research</a:t>
+            </a:r>
+            <a:r>
+              <a:rPr lang="en-US" sz="2800" dirty="0" smtClean="0"/>
+              <a:t> </a:t>
+            </a:r>
           </a:p>
           <a:p>
             <a:pPr algn="ctr"/>
@@ -8314,15 +10527,7 @@
           <a:p>
             <a:r>
               <a:rPr lang="en-US" dirty="0" smtClean="0"/>
-              <a:t>HL </a:t>
-            </a:r>
-            <a:r>
-              <a:rPr lang="en-US" dirty="0" smtClean="0"/>
-              <a:t>Object </a:t>
-            </a:r>
-            <a:r>
-              <a:rPr lang="en-US" dirty="0" smtClean="0"/>
-              <a:t>Model</a:t>
+              <a:t>HL Object Model</a:t>
             </a:r>
           </a:p>
           <a:p>
@@ -8336,7 +10541,6 @@
               <a:rPr lang="en-US" dirty="0" smtClean="0"/>
               <a:t>Persistence</a:t>
             </a:r>
-            <a:endParaRPr lang="en-US" dirty="0" smtClean="0"/>
           </a:p>
           <a:p>
             <a:r>
@@ -8710,10 +10914,16 @@
               <a:t>Every plugin needs to contain a class that inherits </a:t>
             </a:r>
             <a:r>
-              <a:rPr lang="en-US" dirty="0" err="1" smtClean="0"/>
+              <a:rPr lang="en-US" dirty="0" err="1" smtClean="0">
+                <a:latin typeface="Courier New" panose="02070309020205020404" pitchFamily="49" charset="0"/>
+                <a:cs typeface="Courier New" panose="02070309020205020404" pitchFamily="49" charset="0"/>
+              </a:rPr>
               <a:t>PluginBase</a:t>
             </a:r>
-            <a:endParaRPr lang="en-US" dirty="0" smtClean="0"/>
+            <a:endParaRPr lang="en-US" dirty="0" smtClean="0">
+              <a:latin typeface="Courier New" panose="02070309020205020404" pitchFamily="49" charset="0"/>
+              <a:cs typeface="Courier New" panose="02070309020205020404" pitchFamily="49" charset="0"/>
+            </a:endParaRPr>
           </a:p>
           <a:p>
             <a:r>
@@ -8902,7 +11112,10 @@
           <a:lstStyle/>
           <a:p>
             <a:r>
-              <a:rPr lang="en-US" sz="2800" dirty="0" err="1" smtClean="0"/>
+              <a:rPr lang="en-US" sz="2800" dirty="0" err="1" smtClean="0">
+                <a:latin typeface="Courier New" panose="02070309020205020404" pitchFamily="49" charset="0"/>
+                <a:cs typeface="Courier New" panose="02070309020205020404" pitchFamily="49" charset="0"/>
+              </a:rPr>
               <a:t>PluginDependency</a:t>
             </a:r>
             <a:r>
@@ -8912,12 +11125,8 @@
           </a:p>
           <a:p>
             <a:r>
-              <a:rPr lang="en-US" sz="2800" dirty="0" err="1" smtClean="0"/>
-              <a:t>PluginInfrastructure</a:t>
-            </a:r>
-            <a:r>
               <a:rPr lang="en-US" sz="2800" dirty="0" smtClean="0"/>
-              <a:t> does not have to be included as it is always needed</a:t>
+              <a:t>Plugin Infrastructure does not have to be included as it is always needed</a:t>
             </a:r>
           </a:p>
           <a:p>
@@ -9145,7 +11354,29 @@
           <a:p>
             <a:r>
               <a:rPr lang="en-US" dirty="0" smtClean="0"/>
-              <a:t>Every plugin builds to sources\bin (output path of project should be “..\..\bin\“ for all configurations adhering to standard HL folder structure)</a:t>
+              <a:t>Every plugin builds to </a:t>
+            </a:r>
+            <a:r>
+              <a:rPr lang="en-US" dirty="0" smtClean="0">
+                <a:latin typeface="Courier New" panose="02070309020205020404" pitchFamily="49" charset="0"/>
+                <a:cs typeface="Courier New" panose="02070309020205020404" pitchFamily="49" charset="0"/>
+              </a:rPr>
+              <a:t>sources\bin</a:t>
+            </a:r>
+            <a:r>
+              <a:rPr lang="en-US" dirty="0" smtClean="0"/>
+              <a:t> (output path of project should be </a:t>
+            </a:r>
+            <a:r>
+              <a:rPr lang="en-US" dirty="0" smtClean="0">
+                <a:latin typeface="Courier New" panose="02070309020205020404" pitchFamily="49" charset="0"/>
+                <a:cs typeface="Courier New" panose="02070309020205020404" pitchFamily="49" charset="0"/>
+              </a:rPr>
+              <a:t>“..\..\bin\“</a:t>
+            </a:r>
+            <a:r>
+              <a:rPr lang="en-US" dirty="0" smtClean="0"/>
+              <a:t> for all configurations adhering to standard HL folder structure)</a:t>
             </a:r>
           </a:p>
           <a:p>

--- a/documentation/Tutorials/Programming HeuristicLab - Basics.pptx
+++ b/documentation/Tutorials/Programming HeuristicLab - Basics.pptx
@@ -231,7 +231,7 @@
             <a:fld id="{EF88095B-826C-4D0E-ACE1-419E2A1A3ECD}" type="datetimeFigureOut">
               <a:rPr lang="de-AT" smtClean="0"/>
               <a:pPr/>
-              <a:t>24.03.2015</a:t>
+              <a:t>02.10.2015</a:t>
             </a:fld>
             <a:endParaRPr lang="de-AT"/>
           </a:p>
@@ -6425,15 +6425,7 @@
           <a:p>
             <a:r>
               <a:rPr lang="en-US" dirty="0" smtClean="0"/>
-              <a:t>Same as with data types, provide UI friendly wrappers for .NET collections (e.g</a:t>
-            </a:r>
-            <a:r>
-              <a:rPr lang="en-US" dirty="0" smtClean="0"/>
-              <a:t>., </a:t>
-            </a:r>
-            <a:r>
-              <a:rPr lang="en-US" dirty="0" smtClean="0"/>
-              <a:t>additional events)</a:t>
+              <a:t>Same as with data types, provide UI friendly wrappers for .NET collections (e.g., additional events)</a:t>
             </a:r>
           </a:p>
           <a:p>
@@ -8123,11 +8115,7 @@
             </a:r>
             <a:r>
               <a:rPr lang="en-US" smtClean="0"/>
-              <a:t>e.g</a:t>
-            </a:r>
-            <a:r>
-              <a:rPr lang="en-US" smtClean="0"/>
-              <a:t>., </a:t>
+              <a:t>e.g., </a:t>
             </a:r>
             <a:r>
               <a:rPr lang="en-US" dirty="0" err="1" smtClean="0">
@@ -8322,21 +8310,50 @@
           <a:p>
             <a:r>
               <a:rPr lang="en-GB" dirty="0" smtClean="0"/>
-              <a:t>As of 3.3.11:</a:t>
-            </a:r>
+              <a:t>As of </a:t>
+            </a:r>
+            <a:r>
+              <a:rPr lang="en-GB" dirty="0" smtClean="0"/>
+              <a:t>3.3.12:</a:t>
+            </a:r>
+            <a:endParaRPr lang="en-GB" dirty="0" smtClean="0"/>
           </a:p>
           <a:p>
             <a:pPr lvl="1"/>
             <a:r>
               <a:rPr lang="en-GB" dirty="0" smtClean="0"/>
-              <a:t>5 VS solutions containing 187 projects</a:t>
+              <a:t>5 VS solutions containing </a:t>
+            </a:r>
+            <a:r>
+              <a:rPr lang="en-GB" dirty="0" smtClean="0"/>
+              <a:t>173 </a:t>
+            </a:r>
+            <a:r>
+              <a:rPr lang="en-GB" dirty="0" smtClean="0"/>
+              <a:t>projects</a:t>
             </a:r>
           </a:p>
           <a:p>
             <a:pPr lvl="1"/>
             <a:r>
               <a:rPr lang="en-GB" dirty="0" smtClean="0"/>
-              <a:t>Lines of code: 665.559  + 887.820 (</a:t>
+              <a:t>Lines of code: </a:t>
+            </a:r>
+            <a:r>
+              <a:rPr lang="en-GB" smtClean="0"/>
+              <a:t>670.526 </a:t>
+            </a:r>
+            <a:r>
+              <a:rPr lang="en-GB" smtClean="0"/>
+              <a:t>+ </a:t>
+            </a:r>
+            <a:r>
+              <a:rPr lang="en-GB" dirty="0" smtClean="0"/>
+              <a:t>890.638 </a:t>
+            </a:r>
+            <a:r>
+              <a:rPr lang="en-GB" dirty="0" smtClean="0"/>
+              <a:t>(</a:t>
             </a:r>
             <a:r>
               <a:rPr lang="en-GB" dirty="0"/>
@@ -8344,7 +8361,11 @@
             </a:r>
             <a:r>
               <a:rPr lang="en-GB" dirty="0" smtClean="0"/>
-              <a:t>1.553.379 LOC</a:t>
+              <a:t>1.561.164 </a:t>
+            </a:r>
+            <a:r>
+              <a:rPr lang="en-GB" dirty="0" smtClean="0"/>
+              <a:t>LOC</a:t>
             </a:r>
           </a:p>
           <a:p>

--- a/documentation/Tutorials/Programming HeuristicLab - Basics.pptx
+++ b/documentation/Tutorials/Programming HeuristicLab - Basics.pptx
@@ -238,7 +238,7 @@
             <a:fld id="{EF88095B-826C-4D0E-ACE1-419E2A1A3ECD}" type="datetimeFigureOut">
               <a:rPr lang="de-AT" smtClean="0"/>
               <a:pPr/>
-              <a:t>07.10.2015</a:t>
+              <a:t>09.10.2015</a:t>
             </a:fld>
             <a:endParaRPr lang="de-AT"/>
           </a:p>
@@ -4192,14 +4192,26 @@
           <a:p>
             <a:r>
               <a:rPr lang="en-GB" dirty="0" smtClean="0"/>
-              <a:t>Some features can only be added by creating plugins</a:t>
+              <a:t>Some features can only be added by </a:t>
+            </a:r>
+            <a:r>
+              <a:rPr lang="en-GB" dirty="0" smtClean="0"/>
+              <a:t>     creating </a:t>
+            </a:r>
+            <a:r>
+              <a:rPr lang="en-GB" dirty="0" smtClean="0"/>
+              <a:t>plugins</a:t>
             </a:r>
           </a:p>
           <a:p>
             <a:pPr lvl="1"/>
             <a:r>
               <a:rPr lang="en-GB" dirty="0" smtClean="0"/>
-              <a:t>Data types</a:t>
+              <a:t>data </a:t>
+            </a:r>
+            <a:r>
+              <a:rPr lang="en-GB" dirty="0" smtClean="0"/>
+              <a:t>types</a:t>
             </a:r>
           </a:p>
           <a:p>
@@ -4343,6 +4355,13 @@
   <p:clrMapOvr>
     <a:masterClrMapping/>
   </p:clrMapOvr>
+  <p:timing>
+    <p:tnLst>
+      <p:par>
+        <p:cTn id="1" dur="indefinite" restart="never" nodeType="tmRoot"/>
+      </p:par>
+    </p:tnLst>
+  </p:timing>
 </p:sld>
 </file>
 
@@ -5372,6 +5391,13 @@
   <p:clrMapOvr>
     <a:masterClrMapping/>
   </p:clrMapOvr>
+  <p:timing>
+    <p:tnLst>
+      <p:par>
+        <p:cTn id="1" dur="indefinite" restart="never" nodeType="tmRoot"/>
+      </p:par>
+    </p:tnLst>
+  </p:timing>
 </p:sld>
 </file>
 
@@ -5519,6 +5545,13 @@
   <p:clrMapOvr>
     <a:masterClrMapping/>
   </p:clrMapOvr>
+  <p:timing>
+    <p:tnLst>
+      <p:par>
+        <p:cTn id="1" dur="indefinite" restart="never" nodeType="tmRoot"/>
+      </p:par>
+    </p:tnLst>
+  </p:timing>
 </p:sld>
 </file>
 
@@ -7096,7 +7129,7 @@
             <a:pPr lvl="1"/>
             <a:r>
               <a:rPr lang="de-AT" dirty="0" smtClean="0"/>
-              <a:t>A </a:t>
+              <a:t>a </a:t>
             </a:r>
             <a:r>
               <a:rPr lang="de-AT" dirty="0" err="1"/>
@@ -7112,7 +7145,7 @@
             <a:pPr lvl="1"/>
             <a:r>
               <a:rPr lang="de-AT" dirty="0" smtClean="0"/>
-              <a:t>A </a:t>
+              <a:t>a </a:t>
             </a:r>
             <a:r>
               <a:rPr lang="de-AT" dirty="0" err="1" smtClean="0"/>
@@ -7124,7 +7157,7 @@
             <a:pPr lvl="1"/>
             <a:r>
               <a:rPr lang="de-AT" dirty="0" smtClean="0"/>
-              <a:t>An </a:t>
+              <a:t>an </a:t>
             </a:r>
             <a:r>
               <a:rPr lang="de-AT" dirty="0" err="1" smtClean="0"/>
@@ -7208,7 +7241,7 @@
           <a:p>
             <a:r>
               <a:rPr lang="de-AT" dirty="0" smtClean="0"/>
-              <a:t>Most Items </a:t>
+              <a:t>Items </a:t>
             </a:r>
             <a:r>
               <a:rPr lang="de-AT" dirty="0" err="1" smtClean="0"/>
@@ -11977,33 +12010,21 @@
             <a:pPr lvl="1"/>
             <a:r>
               <a:rPr lang="en-GB" dirty="0" smtClean="0"/>
-              <a:t>User-defined </a:t>
-            </a:r>
+              <a:t>User-defined algorithm</a:t>
+            </a:r>
+          </a:p>
+          <a:p>
+            <a:pPr lvl="1"/>
             <a:r>
               <a:rPr lang="en-GB" dirty="0" smtClean="0"/>
-              <a:t>algorithm</a:t>
+              <a:t>User-defined problem</a:t>
             </a:r>
           </a:p>
           <a:p>
             <a:pPr lvl="1"/>
             <a:r>
               <a:rPr lang="en-GB" dirty="0" smtClean="0"/>
-              <a:t>User-defined </a:t>
-            </a:r>
-            <a:r>
-              <a:rPr lang="en-GB" dirty="0" smtClean="0"/>
-              <a:t>problem</a:t>
-            </a:r>
-          </a:p>
-          <a:p>
-            <a:pPr lvl="1"/>
-            <a:r>
-              <a:rPr lang="en-GB" dirty="0" smtClean="0"/>
-              <a:t>Programmable </a:t>
-            </a:r>
-            <a:r>
-              <a:rPr lang="en-GB" dirty="0" smtClean="0"/>
-              <a:t>operators</a:t>
+              <a:t>Programmable operators</a:t>
             </a:r>
           </a:p>
           <a:p>
@@ -12114,6 +12135,13 @@
   <p:clrMapOvr>
     <a:masterClrMapping/>
   </p:clrMapOvr>
+  <p:timing>
+    <p:tnLst>
+      <p:par>
+        <p:cTn id="1" dur="indefinite" restart="never" nodeType="tmRoot"/>
+      </p:par>
+    </p:tnLst>
+  </p:timing>
 </p:sld>
 </file>
 
@@ -12558,6 +12586,13 @@
   <p:clrMapOvr>
     <a:masterClrMapping/>
   </p:clrMapOvr>
+  <p:timing>
+    <p:tnLst>
+      <p:par>
+        <p:cTn id="1" dur="indefinite" restart="never" nodeType="tmRoot"/>
+      </p:par>
+    </p:tnLst>
+  </p:timing>
 </p:sld>
 </file>
 
